--- a/Pratybos naujas/Resting state EEG alpha waves extraction and calculations.pptx
+++ b/Pratybos naujas/Resting state EEG alpha waves extraction and calculations.pptx
@@ -1,20 +1,22 @@
 
 <file path=ppt/presentation.xml><?xml version="1.0" encoding="utf-8"?>
-<p:presentation xmlns:a="http://schemas.openxmlformats.org/drawingml/2006/main" xmlns:r="http://schemas.openxmlformats.org/officeDocument/2006/relationships" xmlns:p="http://schemas.openxmlformats.org/presentationml/2006/main" saveSubsetFonts="1">
+<p:presentation xmlns:a="http://schemas.openxmlformats.org/drawingml/2006/main" xmlns:r="http://schemas.openxmlformats.org/officeDocument/2006/relationships" xmlns:p="http://schemas.openxmlformats.org/presentationml/2006/main" showSpecialPlsOnTitleSld="0" saveSubsetFonts="1">
   <p:sldMasterIdLst>
     <p:sldMasterId id="2147483648" r:id="rId1"/>
   </p:sldMasterIdLst>
   <p:notesMasterIdLst>
-    <p:notesMasterId r:id="rId9"/>
+    <p:notesMasterId r:id="rId11"/>
   </p:notesMasterIdLst>
   <p:sldIdLst>
     <p:sldId id="256" r:id="rId2"/>
-    <p:sldId id="257" r:id="rId3"/>
-    <p:sldId id="262" r:id="rId4"/>
-    <p:sldId id="258" r:id="rId5"/>
-    <p:sldId id="259" r:id="rId6"/>
-    <p:sldId id="261" r:id="rId7"/>
-    <p:sldId id="260" r:id="rId8"/>
+    <p:sldId id="265" r:id="rId3"/>
+    <p:sldId id="257" r:id="rId4"/>
+    <p:sldId id="262" r:id="rId5"/>
+    <p:sldId id="258" r:id="rId6"/>
+    <p:sldId id="259" r:id="rId7"/>
+    <p:sldId id="261" r:id="rId8"/>
+    <p:sldId id="260" r:id="rId9"/>
+    <p:sldId id="263" r:id="rId10"/>
   </p:sldIdLst>
   <p:sldSz cx="12192000" cy="6858000"/>
   <p:notesSz cx="6858000" cy="9144000"/>
@@ -113,6 +115,11 @@
       </a:defRPr>
     </a:lvl9pPr>
   </p:defaultTextStyle>
+  <p:extLst>
+    <p:ext uri="{EFAFB233-063F-42B5-8137-9DF3F51BA10A}">
+      <p15:sldGuideLst xmlns:p15="http://schemas.microsoft.com/office/powerpoint/2012/main"/>
+    </p:ext>
+  </p:extLst>
 </p:presentation>
 </file>
 
@@ -1614,7 +1621,7 @@
 <dgm:dataModel xmlns:dgm="http://schemas.openxmlformats.org/drawingml/2006/diagram" xmlns:a="http://schemas.openxmlformats.org/drawingml/2006/main">
   <dgm:ptLst>
     <dgm:pt modelId="{BBA5FE00-853C-4EE2-B6B3-FF12EDC60646}" type="doc">
-      <dgm:prSet loTypeId="urn:microsoft.com/office/officeart/2005/8/layout/hierarchy1" loCatId="hierarchy" qsTypeId="urn:microsoft.com/office/officeart/2005/8/quickstyle/simple1" qsCatId="simple" csTypeId="urn:microsoft.com/office/officeart/2005/8/colors/accent1_2" csCatId="accent1"/>
+      <dgm:prSet loTypeId="urn:microsoft.com/office/officeart/2005/8/layout/hierarchy1" loCatId="hierarchy" qsTypeId="urn:microsoft.com/office/officeart/2005/8/quickstyle/simple1" qsCatId="simple" csTypeId="urn:microsoft.com/office/officeart/2005/8/colors/accent1_2" csCatId="accent1" phldr="1"/>
       <dgm:spPr/>
       <dgm:t>
         <a:bodyPr/>
@@ -1631,10 +1638,15 @@
         <a:bodyPr/>
         <a:lstStyle/>
         <a:p>
+          <a:pPr>
+            <a:buFont typeface="+mj-lt"/>
+            <a:buAutoNum type="arabicPeriod"/>
+          </a:pPr>
           <a:r>
-            <a:rPr lang="en-US" dirty="0"/>
-            <a:t>37 women in early follicular faze of natural cycle. </a:t>
+            <a:rPr lang="en-US" b="0" i="0" dirty="0"/>
+            <a:t>Create a table of participants individual information (age, weight, height, BMI) used in experiment.</a:t>
           </a:r>
+          <a:endParaRPr lang="en-US" dirty="0"/>
         </a:p>
       </dgm:t>
     </dgm:pt>
@@ -1660,75 +1672,85 @@
         </a:p>
       </dgm:t>
     </dgm:pt>
-    <dgm:pt modelId="{5E2CC696-1360-4B8A-87E0-9EABFFE74D24}">
+    <dgm:pt modelId="{20A9DE0E-899A-4CA3-BCE5-0115B315CFC2}">
       <dgm:prSet/>
       <dgm:spPr/>
       <dgm:t>
         <a:bodyPr/>
         <a:lstStyle/>
         <a:p>
+          <a:pPr>
+            <a:buFont typeface="+mj-lt"/>
+            <a:buAutoNum type="arabicPeriod"/>
+          </a:pPr>
           <a:r>
-            <a:rPr lang="en-US"/>
-            <a:t>Data were collected after emotion regulation task during resting state.</a:t>
+            <a:rPr lang="en-US" b="0" i="0" dirty="0"/>
+            <a:t>Obtaining and comparing alpha waves power parameters between participants graphically and store information in tables.</a:t>
           </a:r>
+          <a:endParaRPr lang="en-US" dirty="0"/>
         </a:p>
       </dgm:t>
     </dgm:pt>
-    <dgm:pt modelId="{7EE573B1-52E5-4E2D-978B-AA6170AC6B5C}" type="parTrans" cxnId="{83AEEE69-C753-4EAF-9440-A9AFAD0E48E4}">
+    <dgm:pt modelId="{EB156BC7-3944-4535-93A3-11BBD8706161}" type="parTrans" cxnId="{C60C3593-C698-4087-8B08-671D190043D5}">
       <dgm:prSet/>
       <dgm:spPr/>
       <dgm:t>
         <a:bodyPr/>
         <a:lstStyle/>
         <a:p>
-          <a:endParaRPr lang="en-US"/>
+          <a:endParaRPr lang="lt-LT"/>
         </a:p>
       </dgm:t>
     </dgm:pt>
-    <dgm:pt modelId="{2DE5E670-76FF-4E73-B307-252797E2DECA}" type="sibTrans" cxnId="{83AEEE69-C753-4EAF-9440-A9AFAD0E48E4}">
+    <dgm:pt modelId="{C2F1C59E-8800-4ADF-8D61-87189A44115E}" type="sibTrans" cxnId="{C60C3593-C698-4087-8B08-671D190043D5}">
       <dgm:prSet/>
       <dgm:spPr/>
       <dgm:t>
         <a:bodyPr/>
         <a:lstStyle/>
         <a:p>
-          <a:endParaRPr lang="en-US"/>
+          <a:endParaRPr lang="lt-LT"/>
         </a:p>
       </dgm:t>
     </dgm:pt>
-    <dgm:pt modelId="{14F99AC4-5A00-442A-9729-B6C9776EC7F5}">
+    <dgm:pt modelId="{C3686188-6354-43D0-963D-DA3012481138}">
       <dgm:prSet/>
       <dgm:spPr/>
       <dgm:t>
         <a:bodyPr/>
         <a:lstStyle/>
         <a:p>
+          <a:pPr>
+            <a:buFont typeface="+mj-lt"/>
+            <a:buAutoNum type="arabicPeriod"/>
+          </a:pPr>
           <a:r>
-            <a:rPr lang="en-US"/>
-            <a:t>The main object of interest is alpha power, individual alpha and 1/f slope.</a:t>
+            <a:rPr lang="en-US" b="0" i="0" dirty="0"/>
+            <a:t>Obtaining 1/f offset values in  graphs and in excel files.</a:t>
           </a:r>
+          <a:endParaRPr lang="en-US" dirty="0"/>
         </a:p>
       </dgm:t>
     </dgm:pt>
-    <dgm:pt modelId="{E539AB1C-70C5-46F1-81C9-ED6A55EA1D6C}" type="parTrans" cxnId="{D9C09B44-31D4-4671-9AF7-65CD3877548D}">
+    <dgm:pt modelId="{386CF53F-D81D-489D-997A-1FD4F9743B45}" type="parTrans" cxnId="{E3FF2B54-7468-41EE-A9F7-369E79C33142}">
       <dgm:prSet/>
       <dgm:spPr/>
       <dgm:t>
         <a:bodyPr/>
         <a:lstStyle/>
         <a:p>
-          <a:endParaRPr lang="en-US"/>
+          <a:endParaRPr lang="lt-LT"/>
         </a:p>
       </dgm:t>
     </dgm:pt>
-    <dgm:pt modelId="{72623C2B-3B54-45F7-AA4F-89509752415E}" type="sibTrans" cxnId="{D9C09B44-31D4-4671-9AF7-65CD3877548D}">
+    <dgm:pt modelId="{4711A928-F7FD-46BF-BA76-E70119F7E13A}" type="sibTrans" cxnId="{E3FF2B54-7468-41EE-A9F7-369E79C33142}">
       <dgm:prSet/>
       <dgm:spPr/>
       <dgm:t>
         <a:bodyPr/>
         <a:lstStyle/>
         <a:p>
-          <a:endParaRPr lang="en-US"/>
+          <a:endParaRPr lang="lt-LT"/>
         </a:p>
       </dgm:t>
     </dgm:pt>
@@ -1775,75 +1797,61 @@
       <dgm:prSet presAssocID="{A7EF50DC-D10F-47E0-94F6-B771FED02AF8}" presName="hierChild2" presStyleCnt="0"/>
       <dgm:spPr/>
     </dgm:pt>
-    <dgm:pt modelId="{7B63D90C-EB12-4B06-A125-9D1A15577D58}" type="pres">
-      <dgm:prSet presAssocID="{5E2CC696-1360-4B8A-87E0-9EABFFE74D24}" presName="hierRoot1" presStyleCnt="0"/>
+    <dgm:pt modelId="{CB809E3F-8391-425E-92FE-A7CC10B95A5B}" type="pres">
+      <dgm:prSet presAssocID="{20A9DE0E-899A-4CA3-BCE5-0115B315CFC2}" presName="hierRoot1" presStyleCnt="0"/>
       <dgm:spPr/>
     </dgm:pt>
-    <dgm:pt modelId="{98064721-F3A2-4953-8395-BDB500223D2F}" type="pres">
-      <dgm:prSet presAssocID="{5E2CC696-1360-4B8A-87E0-9EABFFE74D24}" presName="composite" presStyleCnt="0"/>
+    <dgm:pt modelId="{33EBB54E-44A9-4AC6-A6E9-3109D2EFA67B}" type="pres">
+      <dgm:prSet presAssocID="{20A9DE0E-899A-4CA3-BCE5-0115B315CFC2}" presName="composite" presStyleCnt="0"/>
       <dgm:spPr/>
     </dgm:pt>
-    <dgm:pt modelId="{01B8EF86-A001-4039-8460-5B3199BEE668}" type="pres">
-      <dgm:prSet presAssocID="{5E2CC696-1360-4B8A-87E0-9EABFFE74D24}" presName="background" presStyleLbl="node0" presStyleIdx="1" presStyleCnt="3"/>
-      <dgm:spPr>
-        <a:solidFill>
-          <a:schemeClr val="accent1">
-            <a:lumMod val="40000"/>
-            <a:lumOff val="60000"/>
-          </a:schemeClr>
-        </a:solidFill>
-      </dgm:spPr>
+    <dgm:pt modelId="{6DA0F3F4-494E-4B4F-A6C4-F3CAB74D8255}" type="pres">
+      <dgm:prSet presAssocID="{20A9DE0E-899A-4CA3-BCE5-0115B315CFC2}" presName="background" presStyleLbl="node0" presStyleIdx="1" presStyleCnt="3"/>
+      <dgm:spPr/>
     </dgm:pt>
-    <dgm:pt modelId="{421CB19A-4CB6-4C63-83BB-686A3FD89078}" type="pres">
-      <dgm:prSet presAssocID="{5E2CC696-1360-4B8A-87E0-9EABFFE74D24}" presName="text" presStyleLbl="fgAcc0" presStyleIdx="1" presStyleCnt="3">
+    <dgm:pt modelId="{1167760C-85D4-4EE3-98DA-2FBF27D93BB9}" type="pres">
+      <dgm:prSet presAssocID="{20A9DE0E-899A-4CA3-BCE5-0115B315CFC2}" presName="text" presStyleLbl="fgAcc0" presStyleIdx="1" presStyleCnt="3">
         <dgm:presLayoutVars>
           <dgm:chPref val="3"/>
         </dgm:presLayoutVars>
       </dgm:prSet>
       <dgm:spPr/>
     </dgm:pt>
-    <dgm:pt modelId="{4330CC19-2CC6-44CE-BCAA-DB107C554721}" type="pres">
-      <dgm:prSet presAssocID="{5E2CC696-1360-4B8A-87E0-9EABFFE74D24}" presName="hierChild2" presStyleCnt="0"/>
+    <dgm:pt modelId="{9FB8E1AA-1335-4486-A403-9EBECFA2FF48}" type="pres">
+      <dgm:prSet presAssocID="{20A9DE0E-899A-4CA3-BCE5-0115B315CFC2}" presName="hierChild2" presStyleCnt="0"/>
       <dgm:spPr/>
     </dgm:pt>
-    <dgm:pt modelId="{D36C8800-64E4-49F5-8D79-68488A58A44A}" type="pres">
-      <dgm:prSet presAssocID="{14F99AC4-5A00-442A-9729-B6C9776EC7F5}" presName="hierRoot1" presStyleCnt="0"/>
+    <dgm:pt modelId="{1F990BDA-A7D0-4EB7-9D3D-F49907F43E7D}" type="pres">
+      <dgm:prSet presAssocID="{C3686188-6354-43D0-963D-DA3012481138}" presName="hierRoot1" presStyleCnt="0"/>
       <dgm:spPr/>
     </dgm:pt>
-    <dgm:pt modelId="{7E1F27DC-A3F5-48C9-9428-08AD306B79D4}" type="pres">
-      <dgm:prSet presAssocID="{14F99AC4-5A00-442A-9729-B6C9776EC7F5}" presName="composite" presStyleCnt="0"/>
+    <dgm:pt modelId="{72C3B5FE-A3A8-4E1E-8E89-D7C76089B2B8}" type="pres">
+      <dgm:prSet presAssocID="{C3686188-6354-43D0-963D-DA3012481138}" presName="composite" presStyleCnt="0"/>
       <dgm:spPr/>
     </dgm:pt>
-    <dgm:pt modelId="{86E4DEA7-C152-4E1C-8E9C-FF5A8E713F83}" type="pres">
-      <dgm:prSet presAssocID="{14F99AC4-5A00-442A-9729-B6C9776EC7F5}" presName="background" presStyleLbl="node0" presStyleIdx="2" presStyleCnt="3"/>
-      <dgm:spPr>
-        <a:solidFill>
-          <a:schemeClr val="accent1">
-            <a:lumMod val="40000"/>
-            <a:lumOff val="60000"/>
-          </a:schemeClr>
-        </a:solidFill>
-      </dgm:spPr>
+    <dgm:pt modelId="{3A5C9F08-4E33-4028-8B18-979A1EAEF5BB}" type="pres">
+      <dgm:prSet presAssocID="{C3686188-6354-43D0-963D-DA3012481138}" presName="background" presStyleLbl="node0" presStyleIdx="2" presStyleCnt="3"/>
+      <dgm:spPr/>
     </dgm:pt>
-    <dgm:pt modelId="{A4C6638E-D41E-435E-984E-DD8CE2616EEA}" type="pres">
-      <dgm:prSet presAssocID="{14F99AC4-5A00-442A-9729-B6C9776EC7F5}" presName="text" presStyleLbl="fgAcc0" presStyleIdx="2" presStyleCnt="3">
+    <dgm:pt modelId="{AA8D0632-A59B-4A9D-BB56-9E3F312E6E25}" type="pres">
+      <dgm:prSet presAssocID="{C3686188-6354-43D0-963D-DA3012481138}" presName="text" presStyleLbl="fgAcc0" presStyleIdx="2" presStyleCnt="3">
         <dgm:presLayoutVars>
           <dgm:chPref val="3"/>
         </dgm:presLayoutVars>
       </dgm:prSet>
       <dgm:spPr/>
     </dgm:pt>
-    <dgm:pt modelId="{2E39B467-B3B8-4B29-81CF-49B18C66616D}" type="pres">
-      <dgm:prSet presAssocID="{14F99AC4-5A00-442A-9729-B6C9776EC7F5}" presName="hierChild2" presStyleCnt="0"/>
+    <dgm:pt modelId="{43E7C45B-2EE8-4D4A-8A49-A47996792A8E}" type="pres">
+      <dgm:prSet presAssocID="{C3686188-6354-43D0-963D-DA3012481138}" presName="hierChild2" presStyleCnt="0"/>
       <dgm:spPr/>
     </dgm:pt>
   </dgm:ptLst>
   <dgm:cxnLst>
-    <dgm:cxn modelId="{4E3F0C0A-115F-4B1E-8581-43DAE07A741C}" type="presOf" srcId="{14F99AC4-5A00-442A-9729-B6C9776EC7F5}" destId="{A4C6638E-D41E-435E-984E-DD8CE2616EEA}" srcOrd="0" destOrd="0" presId="urn:microsoft.com/office/officeart/2005/8/layout/hierarchy1"/>
-    <dgm:cxn modelId="{D9C09B44-31D4-4671-9AF7-65CD3877548D}" srcId="{BBA5FE00-853C-4EE2-B6B3-FF12EDC60646}" destId="{14F99AC4-5A00-442A-9729-B6C9776EC7F5}" srcOrd="2" destOrd="0" parTransId="{E539AB1C-70C5-46F1-81C9-ED6A55EA1D6C}" sibTransId="{72623C2B-3B54-45F7-AA4F-89509752415E}"/>
-    <dgm:cxn modelId="{83AEEE69-C753-4EAF-9440-A9AFAD0E48E4}" srcId="{BBA5FE00-853C-4EE2-B6B3-FF12EDC60646}" destId="{5E2CC696-1360-4B8A-87E0-9EABFFE74D24}" srcOrd="1" destOrd="0" parTransId="{7EE573B1-52E5-4E2D-978B-AA6170AC6B5C}" sibTransId="{2DE5E670-76FF-4E73-B307-252797E2DECA}"/>
-    <dgm:cxn modelId="{D70D8D4D-1D26-41B0-9DE7-801E16BC5AF4}" type="presOf" srcId="{5E2CC696-1360-4B8A-87E0-9EABFFE74D24}" destId="{421CB19A-4CB6-4C63-83BB-686A3FD89078}" srcOrd="0" destOrd="0" presId="urn:microsoft.com/office/officeart/2005/8/layout/hierarchy1"/>
+    <dgm:cxn modelId="{ABECCD2C-3E6E-4D23-A20B-065387BDB49F}" type="presOf" srcId="{20A9DE0E-899A-4CA3-BCE5-0115B315CFC2}" destId="{1167760C-85D4-4EE3-98DA-2FBF27D93BB9}" srcOrd="0" destOrd="0" presId="urn:microsoft.com/office/officeart/2005/8/layout/hierarchy1"/>
+    <dgm:cxn modelId="{E3FF2B54-7468-41EE-A9F7-369E79C33142}" srcId="{BBA5FE00-853C-4EE2-B6B3-FF12EDC60646}" destId="{C3686188-6354-43D0-963D-DA3012481138}" srcOrd="2" destOrd="0" parTransId="{386CF53F-D81D-489D-997A-1FD4F9743B45}" sibTransId="{4711A928-F7FD-46BF-BA76-E70119F7E13A}"/>
     <dgm:cxn modelId="{259B7057-40B0-4EEA-BE7F-B2DD85485DC3}" type="presOf" srcId="{BBA5FE00-853C-4EE2-B6B3-FF12EDC60646}" destId="{21FF2DD6-B910-491B-8C46-5589608E0CF9}" srcOrd="0" destOrd="0" presId="urn:microsoft.com/office/officeart/2005/8/layout/hierarchy1"/>
+    <dgm:cxn modelId="{C60C3593-C698-4087-8B08-671D190043D5}" srcId="{BBA5FE00-853C-4EE2-B6B3-FF12EDC60646}" destId="{20A9DE0E-899A-4CA3-BCE5-0115B315CFC2}" srcOrd="1" destOrd="0" parTransId="{EB156BC7-3944-4535-93A3-11BBD8706161}" sibTransId="{C2F1C59E-8800-4ADF-8D61-87189A44115E}"/>
+    <dgm:cxn modelId="{1BD8CBB8-2115-4169-993F-DCB0584098F5}" type="presOf" srcId="{C3686188-6354-43D0-963D-DA3012481138}" destId="{AA8D0632-A59B-4A9D-BB56-9E3F312E6E25}" srcOrd="0" destOrd="0" presId="urn:microsoft.com/office/officeart/2005/8/layout/hierarchy1"/>
     <dgm:cxn modelId="{420B4DC6-2FA4-4C92-99F5-CD7D37CA17E8}" type="presOf" srcId="{A7EF50DC-D10F-47E0-94F6-B771FED02AF8}" destId="{E8B368D1-49B6-455E-891D-A9BB8497C95D}" srcOrd="0" destOrd="0" presId="urn:microsoft.com/office/officeart/2005/8/layout/hierarchy1"/>
     <dgm:cxn modelId="{244233DF-77A0-458B-85D3-E57F3DB68ADC}" srcId="{BBA5FE00-853C-4EE2-B6B3-FF12EDC60646}" destId="{A7EF50DC-D10F-47E0-94F6-B771FED02AF8}" srcOrd="0" destOrd="0" parTransId="{4AC17F75-C2D0-42A8-A61F-2AAC9ED9CBAF}" sibTransId="{F8166C0D-950B-491F-95EA-831AC66F71F7}"/>
     <dgm:cxn modelId="{71324EFA-1767-4BE0-BB33-B65C518C866C}" type="presParOf" srcId="{21FF2DD6-B910-491B-8C46-5589608E0CF9}" destId="{CE95ECD5-6890-4F1C-8B9C-2751A058F93E}" srcOrd="0" destOrd="0" presId="urn:microsoft.com/office/officeart/2005/8/layout/hierarchy1"/>
@@ -1851,16 +1859,16 @@
     <dgm:cxn modelId="{B8530C37-41A0-4B56-A1D1-401FC5A69BA5}" type="presParOf" srcId="{F897C3D2-7A64-43F3-AF1D-BC19CDBE3764}" destId="{AC8565F0-B51A-4ADC-9FB1-EBEF00894120}" srcOrd="0" destOrd="0" presId="urn:microsoft.com/office/officeart/2005/8/layout/hierarchy1"/>
     <dgm:cxn modelId="{D0020926-0474-4264-A631-73857EC526DA}" type="presParOf" srcId="{F897C3D2-7A64-43F3-AF1D-BC19CDBE3764}" destId="{E8B368D1-49B6-455E-891D-A9BB8497C95D}" srcOrd="1" destOrd="0" presId="urn:microsoft.com/office/officeart/2005/8/layout/hierarchy1"/>
     <dgm:cxn modelId="{3CAE0F78-B182-4545-A259-24B4F3D17A15}" type="presParOf" srcId="{CE95ECD5-6890-4F1C-8B9C-2751A058F93E}" destId="{B345BF2B-80BD-4D0C-BD26-FADE29E8A9E4}" srcOrd="1" destOrd="0" presId="urn:microsoft.com/office/officeart/2005/8/layout/hierarchy1"/>
-    <dgm:cxn modelId="{E95D19CD-6704-496C-AADB-111CBBE5866D}" type="presParOf" srcId="{21FF2DD6-B910-491B-8C46-5589608E0CF9}" destId="{7B63D90C-EB12-4B06-A125-9D1A15577D58}" srcOrd="1" destOrd="0" presId="urn:microsoft.com/office/officeart/2005/8/layout/hierarchy1"/>
-    <dgm:cxn modelId="{243C347F-F5B3-4DDD-B286-C36E1BF334F4}" type="presParOf" srcId="{7B63D90C-EB12-4B06-A125-9D1A15577D58}" destId="{98064721-F3A2-4953-8395-BDB500223D2F}" srcOrd="0" destOrd="0" presId="urn:microsoft.com/office/officeart/2005/8/layout/hierarchy1"/>
-    <dgm:cxn modelId="{753EC1C0-4C14-4484-91CA-8106685A36B4}" type="presParOf" srcId="{98064721-F3A2-4953-8395-BDB500223D2F}" destId="{01B8EF86-A001-4039-8460-5B3199BEE668}" srcOrd="0" destOrd="0" presId="urn:microsoft.com/office/officeart/2005/8/layout/hierarchy1"/>
-    <dgm:cxn modelId="{96445568-9B4A-439F-A029-16E0A621ECEC}" type="presParOf" srcId="{98064721-F3A2-4953-8395-BDB500223D2F}" destId="{421CB19A-4CB6-4C63-83BB-686A3FD89078}" srcOrd="1" destOrd="0" presId="urn:microsoft.com/office/officeart/2005/8/layout/hierarchy1"/>
-    <dgm:cxn modelId="{07755AAD-C61E-4530-A80E-689A8968CB61}" type="presParOf" srcId="{7B63D90C-EB12-4B06-A125-9D1A15577D58}" destId="{4330CC19-2CC6-44CE-BCAA-DB107C554721}" srcOrd="1" destOrd="0" presId="urn:microsoft.com/office/officeart/2005/8/layout/hierarchy1"/>
-    <dgm:cxn modelId="{2EE9603B-6446-4613-8783-B1D7F3A246DC}" type="presParOf" srcId="{21FF2DD6-B910-491B-8C46-5589608E0CF9}" destId="{D36C8800-64E4-49F5-8D79-68488A58A44A}" srcOrd="2" destOrd="0" presId="urn:microsoft.com/office/officeart/2005/8/layout/hierarchy1"/>
-    <dgm:cxn modelId="{280ED18A-9476-4ECB-88AD-BD698B243426}" type="presParOf" srcId="{D36C8800-64E4-49F5-8D79-68488A58A44A}" destId="{7E1F27DC-A3F5-48C9-9428-08AD306B79D4}" srcOrd="0" destOrd="0" presId="urn:microsoft.com/office/officeart/2005/8/layout/hierarchy1"/>
-    <dgm:cxn modelId="{FDDA85CB-FBF2-44D1-A999-2CF9E94BB4E8}" type="presParOf" srcId="{7E1F27DC-A3F5-48C9-9428-08AD306B79D4}" destId="{86E4DEA7-C152-4E1C-8E9C-FF5A8E713F83}" srcOrd="0" destOrd="0" presId="urn:microsoft.com/office/officeart/2005/8/layout/hierarchy1"/>
-    <dgm:cxn modelId="{CF2ED57A-11CE-4C07-A45B-6057D22CE1CC}" type="presParOf" srcId="{7E1F27DC-A3F5-48C9-9428-08AD306B79D4}" destId="{A4C6638E-D41E-435E-984E-DD8CE2616EEA}" srcOrd="1" destOrd="0" presId="urn:microsoft.com/office/officeart/2005/8/layout/hierarchy1"/>
-    <dgm:cxn modelId="{C179471B-BE19-42FE-A881-7F3C273092AC}" type="presParOf" srcId="{D36C8800-64E4-49F5-8D79-68488A58A44A}" destId="{2E39B467-B3B8-4B29-81CF-49B18C66616D}" srcOrd="1" destOrd="0" presId="urn:microsoft.com/office/officeart/2005/8/layout/hierarchy1"/>
+    <dgm:cxn modelId="{99F5E630-5FF1-49D1-9D00-F9E25DB058D4}" type="presParOf" srcId="{21FF2DD6-B910-491B-8C46-5589608E0CF9}" destId="{CB809E3F-8391-425E-92FE-A7CC10B95A5B}" srcOrd="1" destOrd="0" presId="urn:microsoft.com/office/officeart/2005/8/layout/hierarchy1"/>
+    <dgm:cxn modelId="{649207E5-74E1-4EAB-86AB-87A114BCED3E}" type="presParOf" srcId="{CB809E3F-8391-425E-92FE-A7CC10B95A5B}" destId="{33EBB54E-44A9-4AC6-A6E9-3109D2EFA67B}" srcOrd="0" destOrd="0" presId="urn:microsoft.com/office/officeart/2005/8/layout/hierarchy1"/>
+    <dgm:cxn modelId="{BB9587F8-4985-47CD-9D92-94F5AE30C890}" type="presParOf" srcId="{33EBB54E-44A9-4AC6-A6E9-3109D2EFA67B}" destId="{6DA0F3F4-494E-4B4F-A6C4-F3CAB74D8255}" srcOrd="0" destOrd="0" presId="urn:microsoft.com/office/officeart/2005/8/layout/hierarchy1"/>
+    <dgm:cxn modelId="{9B46EEE3-F9D7-4547-8A26-72C4CAF8A1F0}" type="presParOf" srcId="{33EBB54E-44A9-4AC6-A6E9-3109D2EFA67B}" destId="{1167760C-85D4-4EE3-98DA-2FBF27D93BB9}" srcOrd="1" destOrd="0" presId="urn:microsoft.com/office/officeart/2005/8/layout/hierarchy1"/>
+    <dgm:cxn modelId="{482D8554-378A-4075-8E59-A7C668BC7C91}" type="presParOf" srcId="{CB809E3F-8391-425E-92FE-A7CC10B95A5B}" destId="{9FB8E1AA-1335-4486-A403-9EBECFA2FF48}" srcOrd="1" destOrd="0" presId="urn:microsoft.com/office/officeart/2005/8/layout/hierarchy1"/>
+    <dgm:cxn modelId="{FB27066E-C21B-48D1-889B-D81FF6A5DCFB}" type="presParOf" srcId="{21FF2DD6-B910-491B-8C46-5589608E0CF9}" destId="{1F990BDA-A7D0-4EB7-9D3D-F49907F43E7D}" srcOrd="2" destOrd="0" presId="urn:microsoft.com/office/officeart/2005/8/layout/hierarchy1"/>
+    <dgm:cxn modelId="{9AAAC3B5-79CB-4721-802C-4D9ADC8201AA}" type="presParOf" srcId="{1F990BDA-A7D0-4EB7-9D3D-F49907F43E7D}" destId="{72C3B5FE-A3A8-4E1E-8E89-D7C76089B2B8}" srcOrd="0" destOrd="0" presId="urn:microsoft.com/office/officeart/2005/8/layout/hierarchy1"/>
+    <dgm:cxn modelId="{893445A4-71FA-4ED0-8D67-7A849CE773CD}" type="presParOf" srcId="{72C3B5FE-A3A8-4E1E-8E89-D7C76089B2B8}" destId="{3A5C9F08-4E33-4028-8B18-979A1EAEF5BB}" srcOrd="0" destOrd="0" presId="urn:microsoft.com/office/officeart/2005/8/layout/hierarchy1"/>
+    <dgm:cxn modelId="{86BB2480-E97E-45BD-8CCB-B66F21CF0767}" type="presParOf" srcId="{72C3B5FE-A3A8-4E1E-8E89-D7C76089B2B8}" destId="{AA8D0632-A59B-4A9D-BB56-9E3F312E6E25}" srcOrd="1" destOrd="0" presId="urn:microsoft.com/office/officeart/2005/8/layout/hierarchy1"/>
+    <dgm:cxn modelId="{E1178F54-E55D-4321-8B65-A6DA1FC2D690}" type="presParOf" srcId="{1F990BDA-A7D0-4EB7-9D3D-F49907F43E7D}" destId="{43E7C45B-2EE8-4D4A-8A49-A47996792A8E}" srcOrd="1" destOrd="0" presId="urn:microsoft.com/office/officeart/2005/8/layout/hierarchy1"/>
   </dgm:cxnLst>
   <dgm:bg/>
   <dgm:whole/>
@@ -1875,8 +1883,8 @@
 <file path=ppt/diagrams/data2.xml><?xml version="1.0" encoding="utf-8"?>
 <dgm:dataModel xmlns:dgm="http://schemas.openxmlformats.org/drawingml/2006/diagram" xmlns:a="http://schemas.openxmlformats.org/drawingml/2006/main">
   <dgm:ptLst>
-    <dgm:pt modelId="{71E03FBB-6F9C-4A15-AA3C-790C60EB03E9}" type="doc">
-      <dgm:prSet loTypeId="urn:microsoft.com/office/officeart/2018/2/layout/IconLabelList" loCatId="icon" qsTypeId="urn:microsoft.com/office/officeart/2005/8/quickstyle/simple1" qsCatId="simple" csTypeId="urn:microsoft.com/office/officeart/2005/8/colors/accent1_2" csCatId="accent1" phldr="1"/>
+    <dgm:pt modelId="{BBA5FE00-853C-4EE2-B6B3-FF12EDC60646}" type="doc">
+      <dgm:prSet loTypeId="urn:microsoft.com/office/officeart/2005/8/layout/hierarchy1" loCatId="hierarchy" qsTypeId="urn:microsoft.com/office/officeart/2005/8/quickstyle/simple1" qsCatId="simple" csTypeId="urn:microsoft.com/office/officeart/2005/8/colors/accent1_2" csCatId="accent1" phldr="1"/>
       <dgm:spPr/>
       <dgm:t>
         <a:bodyPr/>
@@ -1886,26 +1894,18 @@
         </a:p>
       </dgm:t>
     </dgm:pt>
-    <dgm:pt modelId="{FC0D3654-1C27-4EE9-AEE7-5BC8D0515CDC}">
+    <dgm:pt modelId="{A7EF50DC-D10F-47E0-94F6-B771FED02AF8}">
       <dgm:prSet/>
       <dgm:spPr/>
       <dgm:t>
         <a:bodyPr/>
         <a:lstStyle/>
         <a:p>
-          <a:pPr>
-            <a:lnSpc>
-              <a:spcPct val="100000"/>
-            </a:lnSpc>
-          </a:pPr>
-          <a:r>
-            <a:rPr lang="en-US"/>
-            <a:t>To try extract frequencies and PSDs using only Phyton.</a:t>
-          </a:r>
+          <a:endParaRPr lang="en-US" dirty="0"/>
         </a:p>
       </dgm:t>
     </dgm:pt>
-    <dgm:pt modelId="{D0C23112-1B1A-4AE5-B532-45590F22C601}" type="parTrans" cxnId="{6C5620DD-1A32-4CC5-AF86-327D6602F0E9}">
+    <dgm:pt modelId="{4AC17F75-C2D0-42A8-A61F-2AAC9ED9CBAF}" type="parTrans" cxnId="{244233DF-77A0-458B-85D3-E57F3DB68ADC}">
       <dgm:prSet/>
       <dgm:spPr/>
       <dgm:t>
@@ -1916,7 +1916,7 @@
         </a:p>
       </dgm:t>
     </dgm:pt>
-    <dgm:pt modelId="{34D1EEA8-59F1-43DD-B3F2-8F7B9FFAB0F7}" type="sibTrans" cxnId="{6C5620DD-1A32-4CC5-AF86-327D6602F0E9}">
+    <dgm:pt modelId="{F8166C0D-950B-491F-95EA-831AC66F71F7}" type="sibTrans" cxnId="{244233DF-77A0-458B-85D3-E57F3DB68ADC}">
       <dgm:prSet/>
       <dgm:spPr/>
       <dgm:t>
@@ -1927,260 +1927,65 @@
         </a:p>
       </dgm:t>
     </dgm:pt>
-    <dgm:pt modelId="{E4768DBF-608E-40D7-AFA2-B91C558FE73C}">
-      <dgm:prSet/>
-      <dgm:spPr/>
-      <dgm:t>
-        <a:bodyPr/>
-        <a:lstStyle/>
-        <a:p>
-          <a:pPr>
-            <a:lnSpc>
-              <a:spcPct val="100000"/>
-            </a:lnSpc>
-          </a:pPr>
-          <a:r>
-            <a:rPr lang="en-US"/>
-            <a:t>To plot the PSDs of all participants in one spectrum.</a:t>
-          </a:r>
-        </a:p>
-      </dgm:t>
-    </dgm:pt>
-    <dgm:pt modelId="{5EE5B35D-AE96-4B48-A487-3C99E93D2169}" type="parTrans" cxnId="{8F6255EB-95B2-41E3-A39D-05CA1248193C}">
-      <dgm:prSet/>
-      <dgm:spPr/>
-      <dgm:t>
-        <a:bodyPr/>
-        <a:lstStyle/>
-        <a:p>
-          <a:endParaRPr lang="en-US"/>
-        </a:p>
-      </dgm:t>
-    </dgm:pt>
-    <dgm:pt modelId="{230F5A2F-B706-4EEB-9ABC-FF9E447EA5F6}" type="sibTrans" cxnId="{8F6255EB-95B2-41E3-A39D-05CA1248193C}">
-      <dgm:prSet/>
-      <dgm:spPr/>
-      <dgm:t>
-        <a:bodyPr/>
-        <a:lstStyle/>
-        <a:p>
-          <a:endParaRPr lang="en-US"/>
-        </a:p>
-      </dgm:t>
-    </dgm:pt>
-    <dgm:pt modelId="{50468EDB-9F2C-4FA0-B8EE-13932E1D12A9}">
-      <dgm:prSet/>
-      <dgm:spPr/>
-      <dgm:t>
-        <a:bodyPr/>
-        <a:lstStyle/>
-        <a:p>
-          <a:pPr>
-            <a:lnSpc>
-              <a:spcPct val="100000"/>
-            </a:lnSpc>
-          </a:pPr>
-          <a:r>
-            <a:rPr lang="en-US"/>
-            <a:t>Try to extract 1/f slope from the data and store it in excel.</a:t>
-          </a:r>
-        </a:p>
-      </dgm:t>
-    </dgm:pt>
-    <dgm:pt modelId="{4763B0BB-68F0-4126-AC1A-D48DDA586C35}" type="parTrans" cxnId="{77F933E2-C213-49B8-B925-A73ADC45AFAC}">
-      <dgm:prSet/>
-      <dgm:spPr/>
-      <dgm:t>
-        <a:bodyPr/>
-        <a:lstStyle/>
-        <a:p>
-          <a:endParaRPr lang="en-US"/>
-        </a:p>
-      </dgm:t>
-    </dgm:pt>
-    <dgm:pt modelId="{3AB23604-1BF1-4913-8698-E8071FEF0A93}" type="sibTrans" cxnId="{77F933E2-C213-49B8-B925-A73ADC45AFAC}">
-      <dgm:prSet/>
-      <dgm:spPr/>
-      <dgm:t>
-        <a:bodyPr/>
-        <a:lstStyle/>
-        <a:p>
-          <a:endParaRPr lang="en-US"/>
-        </a:p>
-      </dgm:t>
-    </dgm:pt>
-    <dgm:pt modelId="{2CAE49CE-505E-4F1C-92A6-C4387FE2D270}" type="pres">
-      <dgm:prSet presAssocID="{71E03FBB-6F9C-4A15-AA3C-790C60EB03E9}" presName="root" presStyleCnt="0">
+    <dgm:pt modelId="{21FF2DD6-B910-491B-8C46-5589608E0CF9}" type="pres">
+      <dgm:prSet presAssocID="{BBA5FE00-853C-4EE2-B6B3-FF12EDC60646}" presName="hierChild1" presStyleCnt="0">
         <dgm:presLayoutVars>
+          <dgm:chPref val="1"/>
           <dgm:dir/>
-          <dgm:resizeHandles val="exact"/>
+          <dgm:animOne val="branch"/>
+          <dgm:animLvl val="lvl"/>
+          <dgm:resizeHandles/>
         </dgm:presLayoutVars>
       </dgm:prSet>
       <dgm:spPr/>
     </dgm:pt>
-    <dgm:pt modelId="{48FD6BD6-9CE9-4BE8-8583-0E1221A7D3A2}" type="pres">
-      <dgm:prSet presAssocID="{FC0D3654-1C27-4EE9-AEE7-5BC8D0515CDC}" presName="compNode" presStyleCnt="0"/>
+    <dgm:pt modelId="{CE95ECD5-6890-4F1C-8B9C-2751A058F93E}" type="pres">
+      <dgm:prSet presAssocID="{A7EF50DC-D10F-47E0-94F6-B771FED02AF8}" presName="hierRoot1" presStyleCnt="0"/>
       <dgm:spPr/>
     </dgm:pt>
-    <dgm:pt modelId="{50C80047-AD51-44D8-805F-0816CD66C234}" type="pres">
-      <dgm:prSet presAssocID="{FC0D3654-1C27-4EE9-AEE7-5BC8D0515CDC}" presName="iconRect" presStyleLbl="node1" presStyleIdx="0" presStyleCnt="3"/>
-      <dgm:spPr>
-        <a:blipFill>
-          <a:blip xmlns:r="http://schemas.openxmlformats.org/officeDocument/2006/relationships" r:embed="rId1">
-            <a:extLst>
-              <a:ext uri="{28A0092B-C50C-407E-A947-70E740481C1C}">
-                <a14:useLocalDpi xmlns:a14="http://schemas.microsoft.com/office/drawing/2010/main" val="0"/>
-              </a:ext>
-              <a:ext uri="{96DAC541-7B7A-43D3-8B79-37D633B846F1}">
-                <asvg:svgBlip xmlns:asvg="http://schemas.microsoft.com/office/drawing/2016/SVG/main" r:embed="rId2"/>
-              </a:ext>
-            </a:extLst>
-          </a:blip>
-          <a:stretch>
-            <a:fillRect/>
-          </a:stretch>
-        </a:blipFill>
-      </dgm:spPr>
-      <dgm:extLst>
-        <a:ext uri="{E40237B7-FDA0-4F09-8148-C483321AD2D9}">
-          <dgm14:cNvPr xmlns:dgm14="http://schemas.microsoft.com/office/drawing/2010/diagram" id="0" name="" descr="Statistika"/>
-        </a:ext>
-      </dgm:extLst>
-    </dgm:pt>
-    <dgm:pt modelId="{A5BC9361-F0BE-4DDA-9926-08922EEA5F8A}" type="pres">
-      <dgm:prSet presAssocID="{FC0D3654-1C27-4EE9-AEE7-5BC8D0515CDC}" presName="spaceRect" presStyleCnt="0"/>
+    <dgm:pt modelId="{F897C3D2-7A64-43F3-AF1D-BC19CDBE3764}" type="pres">
+      <dgm:prSet presAssocID="{A7EF50DC-D10F-47E0-94F6-B771FED02AF8}" presName="composite" presStyleCnt="0"/>
       <dgm:spPr/>
     </dgm:pt>
-    <dgm:pt modelId="{B38F9C0C-5E46-4D64-BA3A-B370CE5B091E}" type="pres">
-      <dgm:prSet presAssocID="{FC0D3654-1C27-4EE9-AEE7-5BC8D0515CDC}" presName="textRect" presStyleLbl="revTx" presStyleIdx="0" presStyleCnt="3">
+    <dgm:pt modelId="{AC8565F0-B51A-4ADC-9FB1-EBEF00894120}" type="pres">
+      <dgm:prSet presAssocID="{A7EF50DC-D10F-47E0-94F6-B771FED02AF8}" presName="background" presStyleLbl="node0" presStyleIdx="0" presStyleCnt="1"/>
+      <dgm:spPr>
+        <a:solidFill>
+          <a:schemeClr val="accent1">
+            <a:lumMod val="40000"/>
+            <a:lumOff val="60000"/>
+          </a:schemeClr>
+        </a:solidFill>
+      </dgm:spPr>
+    </dgm:pt>
+    <dgm:pt modelId="{E8B368D1-49B6-455E-891D-A9BB8497C95D}" type="pres">
+      <dgm:prSet presAssocID="{A7EF50DC-D10F-47E0-94F6-B771FED02AF8}" presName="text" presStyleLbl="fgAcc0" presStyleIdx="0" presStyleCnt="1">
         <dgm:presLayoutVars>
-          <dgm:chMax val="1"/>
-          <dgm:chPref val="1"/>
+          <dgm:chPref val="3"/>
         </dgm:presLayoutVars>
       </dgm:prSet>
       <dgm:spPr/>
     </dgm:pt>
-    <dgm:pt modelId="{68C292D9-28C5-4C42-9ED6-27FA9DFB482F}" type="pres">
-      <dgm:prSet presAssocID="{34D1EEA8-59F1-43DD-B3F2-8F7B9FFAB0F7}" presName="sibTrans" presStyleCnt="0"/>
-      <dgm:spPr/>
-    </dgm:pt>
-    <dgm:pt modelId="{64837203-C66B-485E-BD14-9C43E72FA176}" type="pres">
-      <dgm:prSet presAssocID="{E4768DBF-608E-40D7-AFA2-B91C558FE73C}" presName="compNode" presStyleCnt="0"/>
-      <dgm:spPr/>
-    </dgm:pt>
-    <dgm:pt modelId="{4767C609-56AE-433B-9E59-2B5425577849}" type="pres">
-      <dgm:prSet presAssocID="{E4768DBF-608E-40D7-AFA2-B91C558FE73C}" presName="iconRect" presStyleLbl="node1" presStyleIdx="1" presStyleCnt="3"/>
-      <dgm:spPr>
-        <a:blipFill>
-          <a:blip xmlns:r="http://schemas.openxmlformats.org/officeDocument/2006/relationships" r:embed="rId3">
-            <a:extLst>
-              <a:ext uri="{28A0092B-C50C-407E-A947-70E740481C1C}">
-                <a14:useLocalDpi xmlns:a14="http://schemas.microsoft.com/office/drawing/2010/main" val="0"/>
-              </a:ext>
-              <a:ext uri="{96DAC541-7B7A-43D3-8B79-37D633B846F1}">
-                <asvg:svgBlip xmlns:asvg="http://schemas.microsoft.com/office/drawing/2016/SVG/main" r:embed="rId4"/>
-              </a:ext>
-            </a:extLst>
-          </a:blip>
-          <a:stretch>
-            <a:fillRect/>
-          </a:stretch>
-        </a:blipFill>
-      </dgm:spPr>
-      <dgm:extLst>
-        <a:ext uri="{E40237B7-FDA0-4F09-8148-C483321AD2D9}">
-          <dgm14:cNvPr xmlns:dgm14="http://schemas.microsoft.com/office/drawing/2010/diagram" id="0" name="" descr="Group of People"/>
-        </a:ext>
-      </dgm:extLst>
-    </dgm:pt>
-    <dgm:pt modelId="{C2BA0AFD-FB0D-4938-BB04-48D40DD5E79A}" type="pres">
-      <dgm:prSet presAssocID="{E4768DBF-608E-40D7-AFA2-B91C558FE73C}" presName="spaceRect" presStyleCnt="0"/>
-      <dgm:spPr/>
-    </dgm:pt>
-    <dgm:pt modelId="{D4C74954-6B61-4DBF-B95C-4895B70C46FA}" type="pres">
-      <dgm:prSet presAssocID="{E4768DBF-608E-40D7-AFA2-B91C558FE73C}" presName="textRect" presStyleLbl="revTx" presStyleIdx="1" presStyleCnt="3">
-        <dgm:presLayoutVars>
-          <dgm:chMax val="1"/>
-          <dgm:chPref val="1"/>
-        </dgm:presLayoutVars>
-      </dgm:prSet>
-      <dgm:spPr/>
-    </dgm:pt>
-    <dgm:pt modelId="{C2416079-12EF-41B2-93AC-91E42239EDE5}" type="pres">
-      <dgm:prSet presAssocID="{230F5A2F-B706-4EEB-9ABC-FF9E447EA5F6}" presName="sibTrans" presStyleCnt="0"/>
-      <dgm:spPr/>
-    </dgm:pt>
-    <dgm:pt modelId="{2575B8B5-4A27-40F1-8627-AAC356113C63}" type="pres">
-      <dgm:prSet presAssocID="{50468EDB-9F2C-4FA0-B8EE-13932E1D12A9}" presName="compNode" presStyleCnt="0"/>
-      <dgm:spPr/>
-    </dgm:pt>
-    <dgm:pt modelId="{372C9B18-E975-412B-9F7E-79BE0B617340}" type="pres">
-      <dgm:prSet presAssocID="{50468EDB-9F2C-4FA0-B8EE-13932E1D12A9}" presName="iconRect" presStyleLbl="node1" presStyleIdx="2" presStyleCnt="3"/>
-      <dgm:spPr>
-        <a:blipFill>
-          <a:blip xmlns:r="http://schemas.openxmlformats.org/officeDocument/2006/relationships" r:embed="rId5">
-            <a:extLst>
-              <a:ext uri="{28A0092B-C50C-407E-A947-70E740481C1C}">
-                <a14:useLocalDpi xmlns:a14="http://schemas.microsoft.com/office/drawing/2010/main" val="0"/>
-              </a:ext>
-              <a:ext uri="{96DAC541-7B7A-43D3-8B79-37D633B846F1}">
-                <asvg:svgBlip xmlns:asvg="http://schemas.microsoft.com/office/drawing/2016/SVG/main" r:embed="rId6"/>
-              </a:ext>
-            </a:extLst>
-          </a:blip>
-          <a:stretch>
-            <a:fillRect/>
-          </a:stretch>
-        </a:blipFill>
-      </dgm:spPr>
-      <dgm:extLst>
-        <a:ext uri="{E40237B7-FDA0-4F09-8148-C483321AD2D9}">
-          <dgm14:cNvPr xmlns:dgm14="http://schemas.microsoft.com/office/drawing/2010/diagram" id="0" name="" descr="Pie chart"/>
-        </a:ext>
-      </dgm:extLst>
-    </dgm:pt>
-    <dgm:pt modelId="{11ECFCEC-487A-457B-9961-40F63ED41B64}" type="pres">
-      <dgm:prSet presAssocID="{50468EDB-9F2C-4FA0-B8EE-13932E1D12A9}" presName="spaceRect" presStyleCnt="0"/>
-      <dgm:spPr/>
-    </dgm:pt>
-    <dgm:pt modelId="{3B54AA02-EB7A-48DE-824A-9016FACD82A4}" type="pres">
-      <dgm:prSet presAssocID="{50468EDB-9F2C-4FA0-B8EE-13932E1D12A9}" presName="textRect" presStyleLbl="revTx" presStyleIdx="2" presStyleCnt="3">
-        <dgm:presLayoutVars>
-          <dgm:chMax val="1"/>
-          <dgm:chPref val="1"/>
-        </dgm:presLayoutVars>
-      </dgm:prSet>
+    <dgm:pt modelId="{B345BF2B-80BD-4D0C-BD26-FADE29E8A9E4}" type="pres">
+      <dgm:prSet presAssocID="{A7EF50DC-D10F-47E0-94F6-B771FED02AF8}" presName="hierChild2" presStyleCnt="0"/>
       <dgm:spPr/>
     </dgm:pt>
   </dgm:ptLst>
   <dgm:cxnLst>
-    <dgm:cxn modelId="{6D34F735-0B53-4FD2-A9C9-A201BEA288E8}" type="presOf" srcId="{50468EDB-9F2C-4FA0-B8EE-13932E1D12A9}" destId="{3B54AA02-EB7A-48DE-824A-9016FACD82A4}" srcOrd="0" destOrd="0" presId="urn:microsoft.com/office/officeart/2018/2/layout/IconLabelList"/>
-    <dgm:cxn modelId="{D46A1950-96FA-468D-981B-035C91CDFBC6}" type="presOf" srcId="{71E03FBB-6F9C-4A15-AA3C-790C60EB03E9}" destId="{2CAE49CE-505E-4F1C-92A6-C4387FE2D270}" srcOrd="0" destOrd="0" presId="urn:microsoft.com/office/officeart/2018/2/layout/IconLabelList"/>
-    <dgm:cxn modelId="{4D7C6270-CE87-4D05-8F04-67D5FAF9B239}" type="presOf" srcId="{E4768DBF-608E-40D7-AFA2-B91C558FE73C}" destId="{D4C74954-6B61-4DBF-B95C-4895B70C46FA}" srcOrd="0" destOrd="0" presId="urn:microsoft.com/office/officeart/2018/2/layout/IconLabelList"/>
-    <dgm:cxn modelId="{96FB9FCA-1DB6-4CB4-92F9-D3973FE4B21E}" type="presOf" srcId="{FC0D3654-1C27-4EE9-AEE7-5BC8D0515CDC}" destId="{B38F9C0C-5E46-4D64-BA3A-B370CE5B091E}" srcOrd="0" destOrd="0" presId="urn:microsoft.com/office/officeart/2018/2/layout/IconLabelList"/>
-    <dgm:cxn modelId="{6C5620DD-1A32-4CC5-AF86-327D6602F0E9}" srcId="{71E03FBB-6F9C-4A15-AA3C-790C60EB03E9}" destId="{FC0D3654-1C27-4EE9-AEE7-5BC8D0515CDC}" srcOrd="0" destOrd="0" parTransId="{D0C23112-1B1A-4AE5-B532-45590F22C601}" sibTransId="{34D1EEA8-59F1-43DD-B3F2-8F7B9FFAB0F7}"/>
-    <dgm:cxn modelId="{77F933E2-C213-49B8-B925-A73ADC45AFAC}" srcId="{71E03FBB-6F9C-4A15-AA3C-790C60EB03E9}" destId="{50468EDB-9F2C-4FA0-B8EE-13932E1D12A9}" srcOrd="2" destOrd="0" parTransId="{4763B0BB-68F0-4126-AC1A-D48DDA586C35}" sibTransId="{3AB23604-1BF1-4913-8698-E8071FEF0A93}"/>
-    <dgm:cxn modelId="{8F6255EB-95B2-41E3-A39D-05CA1248193C}" srcId="{71E03FBB-6F9C-4A15-AA3C-790C60EB03E9}" destId="{E4768DBF-608E-40D7-AFA2-B91C558FE73C}" srcOrd="1" destOrd="0" parTransId="{5EE5B35D-AE96-4B48-A487-3C99E93D2169}" sibTransId="{230F5A2F-B706-4EEB-9ABC-FF9E447EA5F6}"/>
-    <dgm:cxn modelId="{D1E434D7-81F2-4E48-8CD5-066706762403}" type="presParOf" srcId="{2CAE49CE-505E-4F1C-92A6-C4387FE2D270}" destId="{48FD6BD6-9CE9-4BE8-8583-0E1221A7D3A2}" srcOrd="0" destOrd="0" presId="urn:microsoft.com/office/officeart/2018/2/layout/IconLabelList"/>
-    <dgm:cxn modelId="{A64810DD-C2DA-4E24-8ED4-D37B9FDF8028}" type="presParOf" srcId="{48FD6BD6-9CE9-4BE8-8583-0E1221A7D3A2}" destId="{50C80047-AD51-44D8-805F-0816CD66C234}" srcOrd="0" destOrd="0" presId="urn:microsoft.com/office/officeart/2018/2/layout/IconLabelList"/>
-    <dgm:cxn modelId="{B057D71F-CA67-4000-BAF2-527B0AA56B19}" type="presParOf" srcId="{48FD6BD6-9CE9-4BE8-8583-0E1221A7D3A2}" destId="{A5BC9361-F0BE-4DDA-9926-08922EEA5F8A}" srcOrd="1" destOrd="0" presId="urn:microsoft.com/office/officeart/2018/2/layout/IconLabelList"/>
-    <dgm:cxn modelId="{04A08CA6-9257-4608-BDDD-D164F030CD09}" type="presParOf" srcId="{48FD6BD6-9CE9-4BE8-8583-0E1221A7D3A2}" destId="{B38F9C0C-5E46-4D64-BA3A-B370CE5B091E}" srcOrd="2" destOrd="0" presId="urn:microsoft.com/office/officeart/2018/2/layout/IconLabelList"/>
-    <dgm:cxn modelId="{C77B2D52-2E64-41D5-B4AA-E79A092A5C29}" type="presParOf" srcId="{2CAE49CE-505E-4F1C-92A6-C4387FE2D270}" destId="{68C292D9-28C5-4C42-9ED6-27FA9DFB482F}" srcOrd="1" destOrd="0" presId="urn:microsoft.com/office/officeart/2018/2/layout/IconLabelList"/>
-    <dgm:cxn modelId="{E56DC789-6063-4C9A-B24F-0A75C94EDDB1}" type="presParOf" srcId="{2CAE49CE-505E-4F1C-92A6-C4387FE2D270}" destId="{64837203-C66B-485E-BD14-9C43E72FA176}" srcOrd="2" destOrd="0" presId="urn:microsoft.com/office/officeart/2018/2/layout/IconLabelList"/>
-    <dgm:cxn modelId="{7FE769CE-6017-46AA-A7BF-20B5EE791C70}" type="presParOf" srcId="{64837203-C66B-485E-BD14-9C43E72FA176}" destId="{4767C609-56AE-433B-9E59-2B5425577849}" srcOrd="0" destOrd="0" presId="urn:microsoft.com/office/officeart/2018/2/layout/IconLabelList"/>
-    <dgm:cxn modelId="{495F3FE5-0ADB-439E-A4FA-4F4FD9310152}" type="presParOf" srcId="{64837203-C66B-485E-BD14-9C43E72FA176}" destId="{C2BA0AFD-FB0D-4938-BB04-48D40DD5E79A}" srcOrd="1" destOrd="0" presId="urn:microsoft.com/office/officeart/2018/2/layout/IconLabelList"/>
-    <dgm:cxn modelId="{DDC69F8C-7584-4BCB-8D8B-8CB476AAB3A5}" type="presParOf" srcId="{64837203-C66B-485E-BD14-9C43E72FA176}" destId="{D4C74954-6B61-4DBF-B95C-4895B70C46FA}" srcOrd="2" destOrd="0" presId="urn:microsoft.com/office/officeart/2018/2/layout/IconLabelList"/>
-    <dgm:cxn modelId="{1FAA9372-00F4-4440-A6E6-7328951D50FD}" type="presParOf" srcId="{2CAE49CE-505E-4F1C-92A6-C4387FE2D270}" destId="{C2416079-12EF-41B2-93AC-91E42239EDE5}" srcOrd="3" destOrd="0" presId="urn:microsoft.com/office/officeart/2018/2/layout/IconLabelList"/>
-    <dgm:cxn modelId="{C0CD3FF9-93EF-4228-A660-838578D3E891}" type="presParOf" srcId="{2CAE49CE-505E-4F1C-92A6-C4387FE2D270}" destId="{2575B8B5-4A27-40F1-8627-AAC356113C63}" srcOrd="4" destOrd="0" presId="urn:microsoft.com/office/officeart/2018/2/layout/IconLabelList"/>
-    <dgm:cxn modelId="{C797B0DC-A3C6-4B10-AD98-32043F2D2825}" type="presParOf" srcId="{2575B8B5-4A27-40F1-8627-AAC356113C63}" destId="{372C9B18-E975-412B-9F7E-79BE0B617340}" srcOrd="0" destOrd="0" presId="urn:microsoft.com/office/officeart/2018/2/layout/IconLabelList"/>
-    <dgm:cxn modelId="{0ABEDB8A-23BC-4717-AF53-494F01C15B27}" type="presParOf" srcId="{2575B8B5-4A27-40F1-8627-AAC356113C63}" destId="{11ECFCEC-487A-457B-9961-40F63ED41B64}" srcOrd="1" destOrd="0" presId="urn:microsoft.com/office/officeart/2018/2/layout/IconLabelList"/>
-    <dgm:cxn modelId="{85904E6D-F8BC-4A43-809C-3F979E14CE69}" type="presParOf" srcId="{2575B8B5-4A27-40F1-8627-AAC356113C63}" destId="{3B54AA02-EB7A-48DE-824A-9016FACD82A4}" srcOrd="2" destOrd="0" presId="urn:microsoft.com/office/officeart/2018/2/layout/IconLabelList"/>
+    <dgm:cxn modelId="{259B7057-40B0-4EEA-BE7F-B2DD85485DC3}" type="presOf" srcId="{BBA5FE00-853C-4EE2-B6B3-FF12EDC60646}" destId="{21FF2DD6-B910-491B-8C46-5589608E0CF9}" srcOrd="0" destOrd="0" presId="urn:microsoft.com/office/officeart/2005/8/layout/hierarchy1"/>
+    <dgm:cxn modelId="{420B4DC6-2FA4-4C92-99F5-CD7D37CA17E8}" type="presOf" srcId="{A7EF50DC-D10F-47E0-94F6-B771FED02AF8}" destId="{E8B368D1-49B6-455E-891D-A9BB8497C95D}" srcOrd="0" destOrd="0" presId="urn:microsoft.com/office/officeart/2005/8/layout/hierarchy1"/>
+    <dgm:cxn modelId="{244233DF-77A0-458B-85D3-E57F3DB68ADC}" srcId="{BBA5FE00-853C-4EE2-B6B3-FF12EDC60646}" destId="{A7EF50DC-D10F-47E0-94F6-B771FED02AF8}" srcOrd="0" destOrd="0" parTransId="{4AC17F75-C2D0-42A8-A61F-2AAC9ED9CBAF}" sibTransId="{F8166C0D-950B-491F-95EA-831AC66F71F7}"/>
+    <dgm:cxn modelId="{71324EFA-1767-4BE0-BB33-B65C518C866C}" type="presParOf" srcId="{21FF2DD6-B910-491B-8C46-5589608E0CF9}" destId="{CE95ECD5-6890-4F1C-8B9C-2751A058F93E}" srcOrd="0" destOrd="0" presId="urn:microsoft.com/office/officeart/2005/8/layout/hierarchy1"/>
+    <dgm:cxn modelId="{54CDB48D-F5EA-4CA7-8A1D-1CF364FFAC19}" type="presParOf" srcId="{CE95ECD5-6890-4F1C-8B9C-2751A058F93E}" destId="{F897C3D2-7A64-43F3-AF1D-BC19CDBE3764}" srcOrd="0" destOrd="0" presId="urn:microsoft.com/office/officeart/2005/8/layout/hierarchy1"/>
+    <dgm:cxn modelId="{B8530C37-41A0-4B56-A1D1-401FC5A69BA5}" type="presParOf" srcId="{F897C3D2-7A64-43F3-AF1D-BC19CDBE3764}" destId="{AC8565F0-B51A-4ADC-9FB1-EBEF00894120}" srcOrd="0" destOrd="0" presId="urn:microsoft.com/office/officeart/2005/8/layout/hierarchy1"/>
+    <dgm:cxn modelId="{D0020926-0474-4264-A631-73857EC526DA}" type="presParOf" srcId="{F897C3D2-7A64-43F3-AF1D-BC19CDBE3764}" destId="{E8B368D1-49B6-455E-891D-A9BB8497C95D}" srcOrd="1" destOrd="0" presId="urn:microsoft.com/office/officeart/2005/8/layout/hierarchy1"/>
+    <dgm:cxn modelId="{3CAE0F78-B182-4545-A259-24B4F3D17A15}" type="presParOf" srcId="{CE95ECD5-6890-4F1C-8B9C-2751A058F93E}" destId="{B345BF2B-80BD-4D0C-BD26-FADE29E8A9E4}" srcOrd="1" destOrd="0" presId="urn:microsoft.com/office/officeart/2005/8/layout/hierarchy1"/>
   </dgm:cxnLst>
   <dgm:bg/>
   <dgm:whole/>
   <dgm:extLst>
     <a:ext uri="http://schemas.microsoft.com/office/drawing/2008/diagram">
-      <dsp:dataModelExt xmlns:dsp="http://schemas.microsoft.com/office/drawing/2008/diagram" relId="rId6" minVer="http://schemas.openxmlformats.org/drawingml/2006/diagram"/>
+      <dsp:dataModelExt xmlns:dsp="http://schemas.microsoft.com/office/drawing/2008/diagram" relId="rId7" minVer="http://schemas.openxmlformats.org/drawingml/2006/diagram"/>
     </a:ext>
   </dgm:extLst>
 </dgm:dataModel>
@@ -2295,12 +2100,12 @@
         <a:fontRef idx="minor"/>
       </dsp:style>
       <dsp:txBody>
-        <a:bodyPr spcFirstLastPara="0" vert="horz" wrap="square" lIns="91440" tIns="91440" rIns="91440" bIns="91440" numCol="1" spcCol="1270" anchor="ctr" anchorCtr="0">
+        <a:bodyPr spcFirstLastPara="0" vert="horz" wrap="square" lIns="72390" tIns="72390" rIns="72390" bIns="72390" numCol="1" spcCol="1270" anchor="ctr" anchorCtr="0">
           <a:noAutofit/>
         </a:bodyPr>
         <a:lstStyle/>
         <a:p>
-          <a:pPr marL="0" lvl="0" indent="0" algn="ctr" defTabSz="1066800">
+          <a:pPr marL="0" lvl="0" indent="0" algn="ctr" defTabSz="844550">
             <a:lnSpc>
               <a:spcPct val="90000"/>
             </a:lnSpc>
@@ -2310,12 +2115,14 @@
             <a:spcAft>
               <a:spcPct val="35000"/>
             </a:spcAft>
+            <a:buFont typeface="+mj-lt"/>
             <a:buNone/>
           </a:pPr>
           <a:r>
-            <a:rPr lang="en-US" sz="2400" kern="1200" dirty="0"/>
-            <a:t>37 women in early follicular faze of natural cycle. </a:t>
+            <a:rPr lang="en-US" sz="1900" b="0" i="0" kern="1200" dirty="0"/>
+            <a:t>Create a table of participants individual information (age, weight, height, BMI) used in experiment.</a:t>
           </a:r>
+          <a:endParaRPr lang="en-US" sz="1900" kern="1200" dirty="0"/>
         </a:p>
       </dsp:txBody>
       <dsp:txXfrm>
@@ -2323,7 +2130,7 @@
         <a:ext cx="2847502" cy="1768010"/>
       </dsp:txXfrm>
     </dsp:sp>
-    <dsp:sp modelId="{01B8EF86-A001-4039-8460-5B3199BEE668}">
+    <dsp:sp modelId="{6DA0F3F4-494E-4B4F-A6C4-F3CAB74D8255}">
       <dsp:nvSpPr>
         <dsp:cNvPr id="0" name=""/>
         <dsp:cNvSpPr/>
@@ -2340,8 +2147,10 @@
         </a:prstGeom>
         <a:solidFill>
           <a:schemeClr val="accent1">
-            <a:lumMod val="40000"/>
-            <a:lumOff val="60000"/>
+            <a:hueOff val="0"/>
+            <a:satOff val="0"/>
+            <a:lumOff val="0"/>
+            <a:alphaOff val="0"/>
           </a:schemeClr>
         </a:solidFill>
         <a:ln w="19050" cap="flat" cmpd="sng" algn="ctr">
@@ -2373,7 +2182,7 @@
         </a:fontRef>
       </dsp:style>
     </dsp:sp>
-    <dsp:sp modelId="{421CB19A-4CB6-4C63-83BB-686A3FD89078}">
+    <dsp:sp modelId="{1167760C-85D4-4EE3-98DA-2FBF27D93BB9}">
       <dsp:nvSpPr>
         <dsp:cNvPr id="0" name=""/>
         <dsp:cNvSpPr/>
@@ -2424,12 +2233,12 @@
         <a:fontRef idx="minor"/>
       </dsp:style>
       <dsp:txBody>
-        <a:bodyPr spcFirstLastPara="0" vert="horz" wrap="square" lIns="91440" tIns="91440" rIns="91440" bIns="91440" numCol="1" spcCol="1270" anchor="ctr" anchorCtr="0">
+        <a:bodyPr spcFirstLastPara="0" vert="horz" wrap="square" lIns="72390" tIns="72390" rIns="72390" bIns="72390" numCol="1" spcCol="1270" anchor="ctr" anchorCtr="0">
           <a:noAutofit/>
         </a:bodyPr>
         <a:lstStyle/>
         <a:p>
-          <a:pPr marL="0" lvl="0" indent="0" algn="ctr" defTabSz="1066800">
+          <a:pPr marL="0" lvl="0" indent="0" algn="ctr" defTabSz="844550">
             <a:lnSpc>
               <a:spcPct val="90000"/>
             </a:lnSpc>
@@ -2439,12 +2248,14 @@
             <a:spcAft>
               <a:spcPct val="35000"/>
             </a:spcAft>
+            <a:buFont typeface="+mj-lt"/>
             <a:buNone/>
           </a:pPr>
           <a:r>
-            <a:rPr lang="en-US" sz="2400" kern="1200"/>
-            <a:t>Data were collected after emotion regulation task during resting state.</a:t>
+            <a:rPr lang="en-US" sz="1900" b="0" i="0" kern="1200" dirty="0"/>
+            <a:t>Obtaining and comparing alpha waves power parameters between participants graphically and store information in tables.</a:t>
           </a:r>
+          <a:endParaRPr lang="en-US" sz="1900" kern="1200" dirty="0"/>
         </a:p>
       </dsp:txBody>
       <dsp:txXfrm>
@@ -2452,7 +2263,7 @@
         <a:ext cx="2847502" cy="1768010"/>
       </dsp:txXfrm>
     </dsp:sp>
-    <dsp:sp modelId="{86E4DEA7-C152-4E1C-8E9C-FF5A8E713F83}">
+    <dsp:sp modelId="{3A5C9F08-4E33-4028-8B18-979A1EAEF5BB}">
       <dsp:nvSpPr>
         <dsp:cNvPr id="0" name=""/>
         <dsp:cNvSpPr/>
@@ -2469,8 +2280,10 @@
         </a:prstGeom>
         <a:solidFill>
           <a:schemeClr val="accent1">
-            <a:lumMod val="40000"/>
-            <a:lumOff val="60000"/>
+            <a:hueOff val="0"/>
+            <a:satOff val="0"/>
+            <a:lumOff val="0"/>
+            <a:alphaOff val="0"/>
           </a:schemeClr>
         </a:solidFill>
         <a:ln w="19050" cap="flat" cmpd="sng" algn="ctr">
@@ -2502,7 +2315,7 @@
         </a:fontRef>
       </dsp:style>
     </dsp:sp>
-    <dsp:sp modelId="{A4C6638E-D41E-435E-984E-DD8CE2616EEA}">
+    <dsp:sp modelId="{AA8D0632-A59B-4A9D-BB56-9E3F312E6E25}">
       <dsp:nvSpPr>
         <dsp:cNvPr id="0" name=""/>
         <dsp:cNvSpPr/>
@@ -2553,12 +2366,12 @@
         <a:fontRef idx="minor"/>
       </dsp:style>
       <dsp:txBody>
-        <a:bodyPr spcFirstLastPara="0" vert="horz" wrap="square" lIns="91440" tIns="91440" rIns="91440" bIns="91440" numCol="1" spcCol="1270" anchor="ctr" anchorCtr="0">
+        <a:bodyPr spcFirstLastPara="0" vert="horz" wrap="square" lIns="72390" tIns="72390" rIns="72390" bIns="72390" numCol="1" spcCol="1270" anchor="ctr" anchorCtr="0">
           <a:noAutofit/>
         </a:bodyPr>
         <a:lstStyle/>
         <a:p>
-          <a:pPr marL="0" lvl="0" indent="0" algn="ctr" defTabSz="1066800">
+          <a:pPr marL="0" lvl="0" indent="0" algn="ctr" defTabSz="844550">
             <a:lnSpc>
               <a:spcPct val="90000"/>
             </a:lnSpc>
@@ -2568,12 +2381,14 @@
             <a:spcAft>
               <a:spcPct val="35000"/>
             </a:spcAft>
+            <a:buFont typeface="+mj-lt"/>
             <a:buNone/>
           </a:pPr>
           <a:r>
-            <a:rPr lang="en-US" sz="2400" kern="1200"/>
-            <a:t>The main object of interest is alpha power, individual alpha and 1/f slope.</a:t>
+            <a:rPr lang="en-US" sz="1900" b="0" i="0" kern="1200" dirty="0"/>
+            <a:t>Obtaining 1/f offset values in  graphs and in excel files.</a:t>
           </a:r>
+          <a:endParaRPr lang="en-US" sz="1900" kern="1200" dirty="0"/>
         </a:p>
       </dsp:txBody>
       <dsp:txXfrm>
@@ -2593,34 +2408,27 @@
       <dsp:cNvGrpSpPr/>
     </dsp:nvGrpSpPr>
     <dsp:grpSpPr/>
-    <dsp:sp modelId="{50C80047-AD51-44D8-805F-0816CD66C234}">
+    <dsp:sp modelId="{AC8565F0-B51A-4ADC-9FB1-EBEF00894120}">
       <dsp:nvSpPr>
         <dsp:cNvPr id="0" name=""/>
         <dsp:cNvSpPr/>
       </dsp:nvSpPr>
       <dsp:spPr>
         <a:xfrm>
-          <a:off x="1212569" y="987197"/>
-          <a:ext cx="1300252" cy="1300252"/>
+          <a:off x="1997347" y="2577"/>
+          <a:ext cx="5868813" cy="3726696"/>
         </a:xfrm>
-        <a:prstGeom prst="rect">
-          <a:avLst/>
+        <a:prstGeom prst="roundRect">
+          <a:avLst>
+            <a:gd name="adj" fmla="val 10000"/>
+          </a:avLst>
         </a:prstGeom>
-        <a:blipFill>
-          <a:blip xmlns:r="http://schemas.openxmlformats.org/officeDocument/2006/relationships" r:embed="rId1">
-            <a:extLst>
-              <a:ext uri="{28A0092B-C50C-407E-A947-70E740481C1C}">
-                <a14:useLocalDpi xmlns:a14="http://schemas.microsoft.com/office/drawing/2010/main" val="0"/>
-              </a:ext>
-              <a:ext uri="{96DAC541-7B7A-43D3-8B79-37D633B846F1}">
-                <asvg:svgBlip xmlns:asvg="http://schemas.microsoft.com/office/drawing/2016/SVG/main" r:embed="rId2"/>
-              </a:ext>
-            </a:extLst>
-          </a:blip>
-          <a:stretch>
-            <a:fillRect/>
-          </a:stretch>
-        </a:blipFill>
+        <a:solidFill>
+          <a:schemeClr val="accent1">
+            <a:lumMod val="40000"/>
+            <a:lumOff val="60000"/>
+          </a:schemeClr>
+        </a:solidFill>
         <a:ln w="19050" cap="flat" cmpd="sng" algn="ctr">
           <a:solidFill>
             <a:schemeClr val="lt1">
@@ -2650,97 +2458,33 @@
         </a:fontRef>
       </dsp:style>
     </dsp:sp>
-    <dsp:sp modelId="{B38F9C0C-5E46-4D64-BA3A-B370CE5B091E}">
+    <dsp:sp modelId="{E8B368D1-49B6-455E-891D-A9BB8497C95D}">
       <dsp:nvSpPr>
         <dsp:cNvPr id="0" name=""/>
         <dsp:cNvSpPr/>
       </dsp:nvSpPr>
       <dsp:spPr>
         <a:xfrm>
-          <a:off x="417971" y="2644140"/>
-          <a:ext cx="2889450" cy="720000"/>
+          <a:off x="2649438" y="622063"/>
+          <a:ext cx="5868813" cy="3726696"/>
         </a:xfrm>
-        <a:prstGeom prst="rect">
-          <a:avLst/>
+        <a:prstGeom prst="roundRect">
+          <a:avLst>
+            <a:gd name="adj" fmla="val 10000"/>
+          </a:avLst>
         </a:prstGeom>
-        <a:noFill/>
-        <a:ln>
-          <a:noFill/>
-        </a:ln>
-        <a:effectLst/>
-      </dsp:spPr>
-      <dsp:style>
-        <a:lnRef idx="0">
-          <a:scrgbClr r="0" g="0" b="0"/>
-        </a:lnRef>
-        <a:fillRef idx="0">
-          <a:scrgbClr r="0" g="0" b="0"/>
-        </a:fillRef>
-        <a:effectRef idx="0">
-          <a:scrgbClr r="0" g="0" b="0"/>
-        </a:effectRef>
-        <a:fontRef idx="minor"/>
-      </dsp:style>
-      <dsp:txBody>
-        <a:bodyPr spcFirstLastPara="0" vert="horz" wrap="square" lIns="0" tIns="0" rIns="0" bIns="0" numCol="1" spcCol="1270" anchor="t" anchorCtr="0">
-          <a:noAutofit/>
-        </a:bodyPr>
-        <a:lstStyle/>
-        <a:p>
-          <a:pPr marL="0" lvl="0" indent="0" algn="ctr" defTabSz="755650">
-            <a:lnSpc>
-              <a:spcPct val="100000"/>
-            </a:lnSpc>
-            <a:spcBef>
-              <a:spcPct val="0"/>
-            </a:spcBef>
-            <a:spcAft>
-              <a:spcPct val="35000"/>
-            </a:spcAft>
-            <a:buNone/>
-          </a:pPr>
-          <a:r>
-            <a:rPr lang="en-US" sz="1700" kern="1200"/>
-            <a:t>To try extract frequencies and PSDs using only Phyton.</a:t>
-          </a:r>
-        </a:p>
-      </dsp:txBody>
-      <dsp:txXfrm>
-        <a:off x="417971" y="2644140"/>
-        <a:ext cx="2889450" cy="720000"/>
-      </dsp:txXfrm>
-    </dsp:sp>
-    <dsp:sp modelId="{4767C609-56AE-433B-9E59-2B5425577849}">
-      <dsp:nvSpPr>
-        <dsp:cNvPr id="0" name=""/>
-        <dsp:cNvSpPr/>
-      </dsp:nvSpPr>
-      <dsp:spPr>
-        <a:xfrm>
-          <a:off x="4607673" y="987197"/>
-          <a:ext cx="1300252" cy="1300252"/>
-        </a:xfrm>
-        <a:prstGeom prst="rect">
-          <a:avLst/>
-        </a:prstGeom>
-        <a:blipFill>
-          <a:blip xmlns:r="http://schemas.openxmlformats.org/officeDocument/2006/relationships" r:embed="rId3">
-            <a:extLst>
-              <a:ext uri="{28A0092B-C50C-407E-A947-70E740481C1C}">
-                <a14:useLocalDpi xmlns:a14="http://schemas.microsoft.com/office/drawing/2010/main" val="0"/>
-              </a:ext>
-              <a:ext uri="{96DAC541-7B7A-43D3-8B79-37D633B846F1}">
-                <asvg:svgBlip xmlns:asvg="http://schemas.microsoft.com/office/drawing/2016/SVG/main" r:embed="rId4"/>
-              </a:ext>
-            </a:extLst>
-          </a:blip>
-          <a:stretch>
-            <a:fillRect/>
-          </a:stretch>
-        </a:blipFill>
+        <a:solidFill>
+          <a:schemeClr val="lt1">
+            <a:alpha val="90000"/>
+            <a:hueOff val="0"/>
+            <a:satOff val="0"/>
+            <a:lumOff val="0"/>
+            <a:alphaOff val="0"/>
+          </a:schemeClr>
+        </a:solidFill>
         <a:ln w="19050" cap="flat" cmpd="sng" algn="ctr">
           <a:solidFill>
-            <a:schemeClr val="lt1">
+            <a:schemeClr val="accent1">
               <a:hueOff val="0"/>
               <a:satOff val="0"/>
               <a:lumOff val="0"/>
@@ -2762,51 +2506,17 @@
         <a:effectRef idx="0">
           <a:scrgbClr r="0" g="0" b="0"/>
         </a:effectRef>
-        <a:fontRef idx="minor">
-          <a:schemeClr val="lt1"/>
-        </a:fontRef>
-      </dsp:style>
-    </dsp:sp>
-    <dsp:sp modelId="{D4C74954-6B61-4DBF-B95C-4895B70C46FA}">
-      <dsp:nvSpPr>
-        <dsp:cNvPr id="0" name=""/>
-        <dsp:cNvSpPr/>
-      </dsp:nvSpPr>
-      <dsp:spPr>
-        <a:xfrm>
-          <a:off x="3813075" y="2644140"/>
-          <a:ext cx="2889450" cy="720000"/>
-        </a:xfrm>
-        <a:prstGeom prst="rect">
-          <a:avLst/>
-        </a:prstGeom>
-        <a:noFill/>
-        <a:ln>
-          <a:noFill/>
-        </a:ln>
-        <a:effectLst/>
-      </dsp:spPr>
-      <dsp:style>
-        <a:lnRef idx="0">
-          <a:scrgbClr r="0" g="0" b="0"/>
-        </a:lnRef>
-        <a:fillRef idx="0">
-          <a:scrgbClr r="0" g="0" b="0"/>
-        </a:fillRef>
-        <a:effectRef idx="0">
-          <a:scrgbClr r="0" g="0" b="0"/>
-        </a:effectRef>
         <a:fontRef idx="minor"/>
       </dsp:style>
       <dsp:txBody>
-        <a:bodyPr spcFirstLastPara="0" vert="horz" wrap="square" lIns="0" tIns="0" rIns="0" bIns="0" numCol="1" spcCol="1270" anchor="t" anchorCtr="0">
+        <a:bodyPr spcFirstLastPara="0" vert="horz" wrap="square" lIns="247650" tIns="247650" rIns="247650" bIns="247650" numCol="1" spcCol="1270" anchor="ctr" anchorCtr="0">
           <a:noAutofit/>
         </a:bodyPr>
         <a:lstStyle/>
         <a:p>
-          <a:pPr marL="0" lvl="0" indent="0" algn="ctr" defTabSz="755650">
+          <a:pPr marL="0" lvl="0" indent="0" algn="ctr" defTabSz="2889250">
             <a:lnSpc>
-              <a:spcPct val="100000"/>
+              <a:spcPct val="90000"/>
             </a:lnSpc>
             <a:spcBef>
               <a:spcPct val="0"/>
@@ -2816,132 +2526,12 @@
             </a:spcAft>
             <a:buNone/>
           </a:pPr>
-          <a:r>
-            <a:rPr lang="en-US" sz="1700" kern="1200"/>
-            <a:t>To plot the PSDs of all participants in one spectrum.</a:t>
-          </a:r>
+          <a:endParaRPr lang="en-US" sz="6500" kern="1200" dirty="0"/>
         </a:p>
       </dsp:txBody>
       <dsp:txXfrm>
-        <a:off x="3813075" y="2644140"/>
-        <a:ext cx="2889450" cy="720000"/>
-      </dsp:txXfrm>
-    </dsp:sp>
-    <dsp:sp modelId="{372C9B18-E975-412B-9F7E-79BE0B617340}">
-      <dsp:nvSpPr>
-        <dsp:cNvPr id="0" name=""/>
-        <dsp:cNvSpPr/>
-      </dsp:nvSpPr>
-      <dsp:spPr>
-        <a:xfrm>
-          <a:off x="8002777" y="987197"/>
-          <a:ext cx="1300252" cy="1300252"/>
-        </a:xfrm>
-        <a:prstGeom prst="rect">
-          <a:avLst/>
-        </a:prstGeom>
-        <a:blipFill>
-          <a:blip xmlns:r="http://schemas.openxmlformats.org/officeDocument/2006/relationships" r:embed="rId5">
-            <a:extLst>
-              <a:ext uri="{28A0092B-C50C-407E-A947-70E740481C1C}">
-                <a14:useLocalDpi xmlns:a14="http://schemas.microsoft.com/office/drawing/2010/main" val="0"/>
-              </a:ext>
-              <a:ext uri="{96DAC541-7B7A-43D3-8B79-37D633B846F1}">
-                <asvg:svgBlip xmlns:asvg="http://schemas.microsoft.com/office/drawing/2016/SVG/main" r:embed="rId6"/>
-              </a:ext>
-            </a:extLst>
-          </a:blip>
-          <a:stretch>
-            <a:fillRect/>
-          </a:stretch>
-        </a:blipFill>
-        <a:ln w="19050" cap="flat" cmpd="sng" algn="ctr">
-          <a:solidFill>
-            <a:schemeClr val="lt1">
-              <a:hueOff val="0"/>
-              <a:satOff val="0"/>
-              <a:lumOff val="0"/>
-              <a:alphaOff val="0"/>
-            </a:schemeClr>
-          </a:solidFill>
-          <a:prstDash val="solid"/>
-          <a:miter lim="800000"/>
-        </a:ln>
-        <a:effectLst/>
-      </dsp:spPr>
-      <dsp:style>
-        <a:lnRef idx="2">
-          <a:scrgbClr r="0" g="0" b="0"/>
-        </a:lnRef>
-        <a:fillRef idx="1">
-          <a:scrgbClr r="0" g="0" b="0"/>
-        </a:fillRef>
-        <a:effectRef idx="0">
-          <a:scrgbClr r="0" g="0" b="0"/>
-        </a:effectRef>
-        <a:fontRef idx="minor">
-          <a:schemeClr val="lt1"/>
-        </a:fontRef>
-      </dsp:style>
-    </dsp:sp>
-    <dsp:sp modelId="{3B54AA02-EB7A-48DE-824A-9016FACD82A4}">
-      <dsp:nvSpPr>
-        <dsp:cNvPr id="0" name=""/>
-        <dsp:cNvSpPr/>
-      </dsp:nvSpPr>
-      <dsp:spPr>
-        <a:xfrm>
-          <a:off x="7208178" y="2644140"/>
-          <a:ext cx="2889450" cy="720000"/>
-        </a:xfrm>
-        <a:prstGeom prst="rect">
-          <a:avLst/>
-        </a:prstGeom>
-        <a:noFill/>
-        <a:ln>
-          <a:noFill/>
-        </a:ln>
-        <a:effectLst/>
-      </dsp:spPr>
-      <dsp:style>
-        <a:lnRef idx="0">
-          <a:scrgbClr r="0" g="0" b="0"/>
-        </a:lnRef>
-        <a:fillRef idx="0">
-          <a:scrgbClr r="0" g="0" b="0"/>
-        </a:fillRef>
-        <a:effectRef idx="0">
-          <a:scrgbClr r="0" g="0" b="0"/>
-        </a:effectRef>
-        <a:fontRef idx="minor"/>
-      </dsp:style>
-      <dsp:txBody>
-        <a:bodyPr spcFirstLastPara="0" vert="horz" wrap="square" lIns="0" tIns="0" rIns="0" bIns="0" numCol="1" spcCol="1270" anchor="t" anchorCtr="0">
-          <a:noAutofit/>
-        </a:bodyPr>
-        <a:lstStyle/>
-        <a:p>
-          <a:pPr marL="0" lvl="0" indent="0" algn="ctr" defTabSz="755650">
-            <a:lnSpc>
-              <a:spcPct val="100000"/>
-            </a:lnSpc>
-            <a:spcBef>
-              <a:spcPct val="0"/>
-            </a:spcBef>
-            <a:spcAft>
-              <a:spcPct val="35000"/>
-            </a:spcAft>
-            <a:buNone/>
-          </a:pPr>
-          <a:r>
-            <a:rPr lang="en-US" sz="1700" kern="1200"/>
-            <a:t>Try to extract 1/f slope from the data and store it in excel.</a:t>
-          </a:r>
-        </a:p>
-      </dsp:txBody>
-      <dsp:txXfrm>
-        <a:off x="7208178" y="2644140"/>
-        <a:ext cx="2889450" cy="720000"/>
+        <a:off x="2758589" y="731214"/>
+        <a:ext cx="5650511" cy="3508394"/>
       </dsp:txXfrm>
     </dsp:sp>
   </dsp:spTree>
@@ -3512,57 +3102,106 @@
 </file>
 
 <file path=ppt/diagrams/layout2.xml><?xml version="1.0" encoding="utf-8"?>
-<dgm:layoutDef xmlns:dgm="http://schemas.openxmlformats.org/drawingml/2006/diagram" xmlns:a="http://schemas.openxmlformats.org/drawingml/2006/main" uniqueId="urn:microsoft.com/office/officeart/2018/2/layout/IconLabelList">
-  <dgm:title val="Icon Label List"/>
-  <dgm:desc val="Use to show non-sequential or grouped chunks of information accompanied by a related visuals. Works best with icons or small pictures with short text captions."/>
+<dgm:layoutDef xmlns:dgm="http://schemas.openxmlformats.org/drawingml/2006/diagram" xmlns:a="http://schemas.openxmlformats.org/drawingml/2006/main" uniqueId="urn:microsoft.com/office/officeart/2005/8/layout/hierarchy1">
+  <dgm:title val=""/>
+  <dgm:desc val=""/>
   <dgm:catLst>
-    <dgm:cat type="icon" pri="500"/>
+    <dgm:cat type="hierarchy" pri="2000"/>
   </dgm:catLst>
-  <dgm:sampData useDef="1">
+  <dgm:sampData>
     <dgm:dataModel>
-      <dgm:ptLst/>
+      <dgm:ptLst>
+        <dgm:pt modelId="0" type="doc"/>
+        <dgm:pt modelId="1">
+          <dgm:prSet phldr="1"/>
+        </dgm:pt>
+        <dgm:pt modelId="2">
+          <dgm:prSet phldr="1"/>
+        </dgm:pt>
+        <dgm:pt modelId="21">
+          <dgm:prSet phldr="1"/>
+        </dgm:pt>
+        <dgm:pt modelId="22">
+          <dgm:prSet phldr="1"/>
+        </dgm:pt>
+        <dgm:pt modelId="3">
+          <dgm:prSet phldr="1"/>
+        </dgm:pt>
+        <dgm:pt modelId="31">
+          <dgm:prSet phldr="1"/>
+        </dgm:pt>
+      </dgm:ptLst>
+      <dgm:cxnLst>
+        <dgm:cxn modelId="4" srcId="0" destId="1" srcOrd="0" destOrd="0"/>
+        <dgm:cxn modelId="5" srcId="1" destId="2" srcOrd="0" destOrd="0"/>
+        <dgm:cxn modelId="6" srcId="1" destId="3" srcOrd="1" destOrd="0"/>
+        <dgm:cxn modelId="23" srcId="2" destId="21" srcOrd="0" destOrd="0"/>
+        <dgm:cxn modelId="24" srcId="2" destId="22" srcOrd="1" destOrd="0"/>
+        <dgm:cxn modelId="33" srcId="3" destId="31" srcOrd="0" destOrd="0"/>
+      </dgm:cxnLst>
       <dgm:bg/>
       <dgm:whole/>
     </dgm:dataModel>
   </dgm:sampData>
-  <dgm:styleData useDef="1">
+  <dgm:styleData>
     <dgm:dataModel>
-      <dgm:ptLst/>
+      <dgm:ptLst>
+        <dgm:pt modelId="0" type="doc"/>
+        <dgm:pt modelId="1"/>
+        <dgm:pt modelId="11"/>
+        <dgm:pt modelId="12"/>
+      </dgm:ptLst>
+      <dgm:cxnLst>
+        <dgm:cxn modelId="2" srcId="0" destId="1" srcOrd="0" destOrd="0"/>
+        <dgm:cxn modelId="13" srcId="1" destId="11" srcOrd="0" destOrd="0"/>
+        <dgm:cxn modelId="14" srcId="1" destId="12" srcOrd="1" destOrd="0"/>
+      </dgm:cxnLst>
       <dgm:bg/>
       <dgm:whole/>
     </dgm:dataModel>
   </dgm:styleData>
-  <dgm:clrData useDef="1">
+  <dgm:clrData>
     <dgm:dataModel>
-      <dgm:ptLst/>
+      <dgm:ptLst>
+        <dgm:pt modelId="0" type="doc"/>
+        <dgm:pt modelId="1"/>
+        <dgm:pt modelId="2"/>
+        <dgm:pt modelId="21"/>
+        <dgm:pt modelId="211"/>
+        <dgm:pt modelId="3"/>
+        <dgm:pt modelId="31"/>
+        <dgm:pt modelId="311"/>
+      </dgm:ptLst>
+      <dgm:cxnLst>
+        <dgm:cxn modelId="4" srcId="0" destId="1" srcOrd="0" destOrd="0"/>
+        <dgm:cxn modelId="5" srcId="1" destId="2" srcOrd="0" destOrd="0"/>
+        <dgm:cxn modelId="6" srcId="1" destId="3" srcOrd="1" destOrd="0"/>
+        <dgm:cxn modelId="23" srcId="2" destId="21" srcOrd="0" destOrd="0"/>
+        <dgm:cxn modelId="24" srcId="21" destId="211" srcOrd="0" destOrd="0"/>
+        <dgm:cxn modelId="33" srcId="3" destId="31" srcOrd="0" destOrd="0"/>
+        <dgm:cxn modelId="34" srcId="31" destId="311" srcOrd="0" destOrd="0"/>
+      </dgm:cxnLst>
       <dgm:bg/>
       <dgm:whole/>
     </dgm:dataModel>
   </dgm:clrData>
-  <dgm:layoutNode name="root">
+  <dgm:layoutNode name="hierChild1">
     <dgm:varLst>
+      <dgm:chPref val="1"/>
       <dgm:dir/>
-      <dgm:resizeHandles val="exact"/>
+      <dgm:animOne val="branch"/>
+      <dgm:animLvl val="lvl"/>
+      <dgm:resizeHandles/>
     </dgm:varLst>
     <dgm:choose name="Name0">
-      <dgm:if name="Name1" axis="self" func="var" arg="dir" op="equ" val="norm">
-        <dgm:alg type="snake">
-          <dgm:param type="grDir" val="tL"/>
-          <dgm:param type="flowDir" val="row"/>
-          <dgm:param type="contDir" val="sameDir"/>
-          <dgm:param type="off" val="ctr"/>
-          <dgm:param type="vertAlign" val="mid"/>
-          <dgm:param type="horzAlign" val="ctr"/>
+      <dgm:if name="Name1" func="var" arg="dir" op="equ" val="norm">
+        <dgm:alg type="hierChild">
+          <dgm:param type="linDir" val="fromL"/>
         </dgm:alg>
       </dgm:if>
       <dgm:else name="Name2">
-        <dgm:alg type="snake">
-          <dgm:param type="grDir" val="tR"/>
-          <dgm:param type="flowDir" val="row"/>
-          <dgm:param type="contDir" val="sameDir"/>
-          <dgm:param type="off" val="ctr"/>
-          <dgm:param type="vertAlign" val="mid"/>
-          <dgm:param type="horzAlign" val="ctr"/>
+        <dgm:alg type="hierChild">
+          <dgm:param type="linDir" val="fromR"/>
         </dgm:alg>
       </dgm:else>
     </dgm:choose>
@@ -3570,134 +3209,458 @@
       <dgm:adjLst/>
     </dgm:shape>
     <dgm:presOf/>
-    <dgm:choose name="Name3">
-      <dgm:if name="Name4" axis="ch" ptType="node" func="cnt" op="lte" val="2">
-        <dgm:constrLst>
-          <dgm:constr type="h" for="ch" forName="compNode" refType="h" fact="0.4"/>
-          <dgm:constr type="w" for="ch" forName="compNode" val="120"/>
-          <dgm:constr type="w" for="ch" forName="sibTrans" refType="w" refFor="ch" refForName="compNode" fact="0.175"/>
-          <dgm:constr type="sp" refType="w" refFor="ch" refForName="compNode" op="equ" fact="0.25"/>
-          <dgm:constr type="primFontSz" for="des" ptType="node" op="equ" val="50"/>
-          <dgm:constr type="h" for="des" forName="compNode" op="equ"/>
-          <dgm:constr type="h" for="des" forName="textRect" op="equ"/>
-        </dgm:constrLst>
-      </dgm:if>
-      <dgm:if name="Name5" axis="ch" ptType="node" func="cnt" op="lte" val="4">
-        <dgm:constrLst>
-          <dgm:constr type="h" for="ch" forName="compNode" refType="h" fact="0.4"/>
-          <dgm:constr type="w" for="ch" forName="compNode" refType="w"/>
-          <dgm:constr type="w" for="ch" forName="sibTrans" refType="w" refFor="ch" refForName="compNode" fact="0.175"/>
-          <dgm:constr type="sp" refType="w" refFor="ch" refForName="compNode" op="equ" fact="0.25"/>
-          <dgm:constr type="primFontSz" for="des" ptType="node" op="equ" val="36"/>
-          <dgm:constr type="h" for="des" forName="compNode" op="equ"/>
-          <dgm:constr type="h" for="des" forName="textRect" op="equ"/>
-        </dgm:constrLst>
-      </dgm:if>
-      <dgm:else name="Name6">
-        <dgm:constrLst>
-          <dgm:constr type="h" for="ch" forName="compNode" refType="h" fact="0.4"/>
-          <dgm:constr type="w" for="ch" forName="compNode" refType="w"/>
-          <dgm:constr type="w" for="ch" forName="sibTrans" refType="w" refFor="ch" refForName="compNode" fact="0.175"/>
-          <dgm:constr type="sp" refType="w" refFor="ch" refForName="compNode" op="equ" fact="0.25"/>
-          <dgm:constr type="primFontSz" for="des" ptType="node" op="equ" val="24"/>
-          <dgm:constr type="h" for="des" forName="compNode" op="equ"/>
-          <dgm:constr type="h" for="des" forName="textRect" op="equ"/>
-        </dgm:constrLst>
-      </dgm:else>
-    </dgm:choose>
-    <dgm:ruleLst>
-      <dgm:rule type="w" for="ch" forName="compNode" val="50" fact="NaN" max="NaN"/>
-    </dgm:ruleLst>
-    <dgm:forEach name="Name7" axis="ch" ptType="node">
-      <dgm:layoutNode name="compNode">
-        <dgm:alg type="composite"/>
-        <dgm:shape xmlns:r="http://schemas.openxmlformats.org/officeDocument/2006/relationships" r:blip="">
-          <dgm:adjLst/>
-        </dgm:shape>
-        <dgm:presOf axis="self"/>
-        <dgm:constrLst>
-          <dgm:constr type="w" for="ch" forName="iconRect" refType="w" fact="0.45"/>
-          <dgm:constr type="h" for="ch" forName="iconRect" refType="w" refFor="ch" refForName="iconRect"/>
-          <dgm:constr type="ctrX" for="ch" forName="iconRect" refType="w" fact="0.5"/>
-          <dgm:constr type="t" for="ch" forName="iconRect"/>
-          <dgm:constr type="h" for="ch" forName="spaceRect" refType="h" fact="0.15"/>
-          <dgm:constr type="w" for="ch" forName="spaceRect" refType="w"/>
-          <dgm:constr type="l" for="ch" forName="spaceRect"/>
-          <dgm:constr type="t" for="ch" forName="spaceRect" refType="b" refFor="ch" refForName="iconRect"/>
-          <dgm:constr type="h" for="ch" forName="textRect" val="20"/>
-          <dgm:constr type="w" for="ch" forName="textRect" refType="w"/>
-          <dgm:constr type="l" for="ch" forName="textRect"/>
-          <dgm:constr type="t" for="ch" forName="textRect" refType="b" refFor="ch" refForName="spaceRect"/>
-        </dgm:constrLst>
-        <dgm:ruleLst>
-          <dgm:rule type="h" val="INF" fact="NaN" max="NaN"/>
-        </dgm:ruleLst>
-        <dgm:layoutNode name="iconRect" styleLbl="node1">
-          <dgm:alg type="sp"/>
-          <dgm:shape xmlns:r="http://schemas.openxmlformats.org/officeDocument/2006/relationships" type="rect" r:blip="" blipPhldr="1">
-            <dgm:adjLst/>
-          </dgm:shape>
-          <dgm:presOf/>
-          <dgm:constrLst/>
-          <dgm:ruleLst/>
-        </dgm:layoutNode>
-        <dgm:layoutNode name="spaceRect">
-          <dgm:alg type="sp"/>
+    <dgm:constrLst>
+      <dgm:constr type="primFontSz" for="des" ptType="node" op="equ" val="65"/>
+      <dgm:constr type="w" for="des" forName="composite" refType="w"/>
+      <dgm:constr type="h" for="des" forName="composite" refType="w" refFor="des" refForName="composite" fact="0.667"/>
+      <dgm:constr type="w" for="des" forName="composite2" refType="w" refFor="des" refForName="composite"/>
+      <dgm:constr type="h" for="des" forName="composite2" refType="h" refFor="des" refForName="composite"/>
+      <dgm:constr type="w" for="des" forName="composite3" refType="w" refFor="des" refForName="composite"/>
+      <dgm:constr type="h" for="des" forName="composite3" refType="h" refFor="des" refForName="composite"/>
+      <dgm:constr type="w" for="des" forName="composite4" refType="w" refFor="des" refForName="composite"/>
+      <dgm:constr type="h" for="des" forName="composite4" refType="h" refFor="des" refForName="composite"/>
+      <dgm:constr type="w" for="des" forName="composite5" refType="w" refFor="des" refForName="composite"/>
+      <dgm:constr type="h" for="des" forName="composite5" refType="h" refFor="des" refForName="composite"/>
+      <dgm:constr type="sibSp" refType="w" refFor="des" refForName="composite" fact="0.1"/>
+      <dgm:constr type="sibSp" for="des" forName="hierChild2" refType="sibSp"/>
+      <dgm:constr type="sibSp" for="des" forName="hierChild3" refType="sibSp"/>
+      <dgm:constr type="sibSp" for="des" forName="hierChild4" refType="sibSp"/>
+      <dgm:constr type="sibSp" for="des" forName="hierChild5" refType="sibSp"/>
+      <dgm:constr type="sibSp" for="des" forName="hierChild6" refType="sibSp"/>
+      <dgm:constr type="sp" for="des" forName="hierRoot1" refType="h" refFor="des" refForName="composite" fact="0.25"/>
+      <dgm:constr type="sp" for="des" forName="hierRoot2" refType="sp" refFor="des" refForName="hierRoot1"/>
+      <dgm:constr type="sp" for="des" forName="hierRoot3" refType="sp" refFor="des" refForName="hierRoot1"/>
+      <dgm:constr type="sp" for="des" forName="hierRoot4" refType="sp" refFor="des" refForName="hierRoot1"/>
+      <dgm:constr type="sp" for="des" forName="hierRoot5" refType="sp" refFor="des" refForName="hierRoot1"/>
+    </dgm:constrLst>
+    <dgm:ruleLst/>
+    <dgm:forEach name="Name3" axis="ch">
+      <dgm:forEach name="Name4" axis="self" ptType="node">
+        <dgm:layoutNode name="hierRoot1">
+          <dgm:alg type="hierRoot"/>
           <dgm:shape xmlns:r="http://schemas.openxmlformats.org/officeDocument/2006/relationships" r:blip="">
             <dgm:adjLst/>
           </dgm:shape>
           <dgm:presOf/>
-          <dgm:constrLst/>
+          <dgm:constrLst>
+            <dgm:constr type="bendDist" for="des" ptType="parTrans" refType="sp" fact="0.5"/>
+          </dgm:constrLst>
           <dgm:ruleLst/>
-        </dgm:layoutNode>
-        <dgm:layoutNode name="textRect" styleLbl="revTx">
-          <dgm:varLst>
-            <dgm:chMax val="1"/>
-            <dgm:chPref val="1"/>
-          </dgm:varLst>
-          <dgm:alg type="tx">
-            <dgm:param type="txAnchorVert" val="t"/>
-          </dgm:alg>
-          <dgm:shape xmlns:r="http://schemas.openxmlformats.org/officeDocument/2006/relationships" type="rect" r:blip="">
-            <dgm:adjLst/>
-          </dgm:shape>
-          <dgm:presOf axis="self" ptType="node"/>
-          <dgm:constrLst>
-            <dgm:constr type="lMarg"/>
-            <dgm:constr type="rMarg"/>
-            <dgm:constr type="tMarg"/>
-            <dgm:constr type="bMarg"/>
-          </dgm:constrLst>
-          <dgm:ruleLst>
-            <dgm:rule type="primFontSz" val="11" fact="NaN" max="NaN"/>
-            <dgm:rule type="h" val="INF" fact="NaN" max="NaN"/>
-          </dgm:ruleLst>
-        </dgm:layoutNode>
-      </dgm:layoutNode>
-      <dgm:forEach name="Name8" axis="followSib" ptType="sibTrans" cnt="1">
-        <dgm:layoutNode name="sibTrans">
-          <dgm:alg type="sp"/>
-          <dgm:shape xmlns:r="http://schemas.openxmlformats.org/officeDocument/2006/relationships" r:blip="">
-            <dgm:adjLst/>
-          </dgm:shape>
-          <dgm:presOf axis="self"/>
-          <dgm:constrLst/>
-          <dgm:ruleLst/>
+          <dgm:layoutNode name="composite">
+            <dgm:alg type="composite"/>
+            <dgm:shape xmlns:r="http://schemas.openxmlformats.org/officeDocument/2006/relationships" r:blip="">
+              <dgm:adjLst/>
+            </dgm:shape>
+            <dgm:presOf/>
+            <dgm:constrLst>
+              <dgm:constr type="w" for="ch" forName="background" refType="w" fact="0.9"/>
+              <dgm:constr type="h" for="ch" forName="background" refType="w" refFor="ch" refForName="background" fact="0.635"/>
+              <dgm:constr type="t" for="ch" forName="background"/>
+              <dgm:constr type="l" for="ch" forName="background"/>
+              <dgm:constr type="w" for="ch" forName="text" refType="w" fact="0.9"/>
+              <dgm:constr type="h" for="ch" forName="text" refType="w" refFor="ch" refForName="text" fact="0.635"/>
+              <dgm:constr type="t" for="ch" forName="text" refType="w" fact="0.095"/>
+              <dgm:constr type="l" for="ch" forName="text" refType="w" fact="0.1"/>
+            </dgm:constrLst>
+            <dgm:ruleLst/>
+            <dgm:layoutNode name="background" styleLbl="node0" moveWith="text">
+              <dgm:alg type="sp"/>
+              <dgm:shape xmlns:r="http://schemas.openxmlformats.org/officeDocument/2006/relationships" type="roundRect" r:blip="">
+                <dgm:adjLst>
+                  <dgm:adj idx="1" val="0.1"/>
+                </dgm:adjLst>
+              </dgm:shape>
+              <dgm:presOf/>
+              <dgm:constrLst/>
+              <dgm:ruleLst/>
+            </dgm:layoutNode>
+            <dgm:layoutNode name="text" styleLbl="fgAcc0">
+              <dgm:varLst>
+                <dgm:chPref val="3"/>
+              </dgm:varLst>
+              <dgm:alg type="tx"/>
+              <dgm:shape xmlns:r="http://schemas.openxmlformats.org/officeDocument/2006/relationships" type="roundRect" r:blip="">
+                <dgm:adjLst>
+                  <dgm:adj idx="1" val="0.1"/>
+                </dgm:adjLst>
+              </dgm:shape>
+              <dgm:presOf axis="self"/>
+              <dgm:constrLst>
+                <dgm:constr type="tMarg" refType="primFontSz" fact="0.3"/>
+                <dgm:constr type="bMarg" refType="primFontSz" fact="0.3"/>
+                <dgm:constr type="lMarg" refType="primFontSz" fact="0.3"/>
+                <dgm:constr type="rMarg" refType="primFontSz" fact="0.3"/>
+              </dgm:constrLst>
+              <dgm:ruleLst>
+                <dgm:rule type="primFontSz" val="5" fact="NaN" max="NaN"/>
+              </dgm:ruleLst>
+            </dgm:layoutNode>
+          </dgm:layoutNode>
+          <dgm:layoutNode name="hierChild2">
+            <dgm:choose name="Name5">
+              <dgm:if name="Name6" func="var" arg="dir" op="equ" val="norm">
+                <dgm:alg type="hierChild">
+                  <dgm:param type="linDir" val="fromL"/>
+                </dgm:alg>
+              </dgm:if>
+              <dgm:else name="Name7">
+                <dgm:alg type="hierChild">
+                  <dgm:param type="linDir" val="fromR"/>
+                </dgm:alg>
+              </dgm:else>
+            </dgm:choose>
+            <dgm:shape xmlns:r="http://schemas.openxmlformats.org/officeDocument/2006/relationships" r:blip="">
+              <dgm:adjLst/>
+            </dgm:shape>
+            <dgm:presOf/>
+            <dgm:constrLst/>
+            <dgm:ruleLst/>
+            <dgm:forEach name="Name8" axis="ch">
+              <dgm:forEach name="Name9" axis="self" ptType="parTrans" cnt="1">
+                <dgm:layoutNode name="Name10">
+                  <dgm:alg type="conn">
+                    <dgm:param type="dim" val="1D"/>
+                    <dgm:param type="endSty" val="noArr"/>
+                    <dgm:param type="connRout" val="bend"/>
+                    <dgm:param type="bendPt" val="end"/>
+                    <dgm:param type="begPts" val="bCtr"/>
+                    <dgm:param type="endPts" val="tCtr"/>
+                    <dgm:param type="srcNode" val="background"/>
+                    <dgm:param type="dstNode" val="background2"/>
+                  </dgm:alg>
+                  <dgm:shape xmlns:r="http://schemas.openxmlformats.org/officeDocument/2006/relationships" type="conn" r:blip="" zOrderOff="-999">
+                    <dgm:adjLst/>
+                  </dgm:shape>
+                  <dgm:presOf axis="self"/>
+                  <dgm:constrLst>
+                    <dgm:constr type="begPad"/>
+                    <dgm:constr type="endPad"/>
+                  </dgm:constrLst>
+                  <dgm:ruleLst/>
+                </dgm:layoutNode>
+              </dgm:forEach>
+              <dgm:forEach name="Name11" axis="self" ptType="node">
+                <dgm:layoutNode name="hierRoot2">
+                  <dgm:alg type="hierRoot"/>
+                  <dgm:shape xmlns:r="http://schemas.openxmlformats.org/officeDocument/2006/relationships" r:blip="">
+                    <dgm:adjLst/>
+                  </dgm:shape>
+                  <dgm:presOf/>
+                  <dgm:constrLst>
+                    <dgm:constr type="bendDist" for="des" ptType="parTrans" refType="sp" fact="0.5"/>
+                  </dgm:constrLst>
+                  <dgm:ruleLst/>
+                  <dgm:layoutNode name="composite2">
+                    <dgm:alg type="composite"/>
+                    <dgm:shape xmlns:r="http://schemas.openxmlformats.org/officeDocument/2006/relationships" r:blip="">
+                      <dgm:adjLst/>
+                    </dgm:shape>
+                    <dgm:presOf/>
+                    <dgm:constrLst>
+                      <dgm:constr type="w" for="ch" forName="background2" refType="w" fact="0.9"/>
+                      <dgm:constr type="h" for="ch" forName="background2" refType="w" refFor="ch" refForName="background2" fact="0.635"/>
+                      <dgm:constr type="t" for="ch" forName="background2"/>
+                      <dgm:constr type="l" for="ch" forName="background2"/>
+                      <dgm:constr type="w" for="ch" forName="text2" refType="w" fact="0.9"/>
+                      <dgm:constr type="h" for="ch" forName="text2" refType="w" refFor="ch" refForName="text2" fact="0.635"/>
+                      <dgm:constr type="t" for="ch" forName="text2" refType="w" fact="0.095"/>
+                      <dgm:constr type="l" for="ch" forName="text2" refType="w" fact="0.1"/>
+                    </dgm:constrLst>
+                    <dgm:ruleLst/>
+                    <dgm:layoutNode name="background2" moveWith="text2">
+                      <dgm:alg type="sp"/>
+                      <dgm:shape xmlns:r="http://schemas.openxmlformats.org/officeDocument/2006/relationships" type="roundRect" r:blip="">
+                        <dgm:adjLst>
+                          <dgm:adj idx="1" val="0.1"/>
+                        </dgm:adjLst>
+                      </dgm:shape>
+                      <dgm:presOf/>
+                      <dgm:constrLst/>
+                      <dgm:ruleLst/>
+                    </dgm:layoutNode>
+                    <dgm:layoutNode name="text2" styleLbl="fgAcc2">
+                      <dgm:varLst>
+                        <dgm:chPref val="3"/>
+                      </dgm:varLst>
+                      <dgm:alg type="tx"/>
+                      <dgm:shape xmlns:r="http://schemas.openxmlformats.org/officeDocument/2006/relationships" type="roundRect" r:blip="">
+                        <dgm:adjLst>
+                          <dgm:adj idx="1" val="0.1"/>
+                        </dgm:adjLst>
+                      </dgm:shape>
+                      <dgm:presOf axis="self"/>
+                      <dgm:constrLst>
+                        <dgm:constr type="tMarg" refType="primFontSz" fact="0.3"/>
+                        <dgm:constr type="bMarg" refType="primFontSz" fact="0.3"/>
+                        <dgm:constr type="lMarg" refType="primFontSz" fact="0.3"/>
+                        <dgm:constr type="rMarg" refType="primFontSz" fact="0.3"/>
+                      </dgm:constrLst>
+                      <dgm:ruleLst>
+                        <dgm:rule type="primFontSz" val="5" fact="NaN" max="NaN"/>
+                      </dgm:ruleLst>
+                    </dgm:layoutNode>
+                  </dgm:layoutNode>
+                  <dgm:layoutNode name="hierChild3">
+                    <dgm:choose name="Name12">
+                      <dgm:if name="Name13" func="var" arg="dir" op="equ" val="norm">
+                        <dgm:alg type="hierChild">
+                          <dgm:param type="linDir" val="fromL"/>
+                        </dgm:alg>
+                      </dgm:if>
+                      <dgm:else name="Name14">
+                        <dgm:alg type="hierChild">
+                          <dgm:param type="linDir" val="fromR"/>
+                        </dgm:alg>
+                      </dgm:else>
+                    </dgm:choose>
+                    <dgm:shape xmlns:r="http://schemas.openxmlformats.org/officeDocument/2006/relationships" r:blip="">
+                      <dgm:adjLst/>
+                    </dgm:shape>
+                    <dgm:presOf/>
+                    <dgm:constrLst/>
+                    <dgm:ruleLst/>
+                    <dgm:forEach name="Name15" axis="ch">
+                      <dgm:forEach name="Name16" axis="self" ptType="parTrans" cnt="1">
+                        <dgm:layoutNode name="Name17">
+                          <dgm:alg type="conn">
+                            <dgm:param type="dim" val="1D"/>
+                            <dgm:param type="endSty" val="noArr"/>
+                            <dgm:param type="connRout" val="bend"/>
+                            <dgm:param type="bendPt" val="end"/>
+                            <dgm:param type="begPts" val="bCtr"/>
+                            <dgm:param type="endPts" val="tCtr"/>
+                            <dgm:param type="srcNode" val="background2"/>
+                            <dgm:param type="dstNode" val="background3"/>
+                          </dgm:alg>
+                          <dgm:shape xmlns:r="http://schemas.openxmlformats.org/officeDocument/2006/relationships" type="conn" r:blip="" zOrderOff="-999">
+                            <dgm:adjLst/>
+                          </dgm:shape>
+                          <dgm:presOf axis="self"/>
+                          <dgm:constrLst>
+                            <dgm:constr type="begPad"/>
+                            <dgm:constr type="endPad"/>
+                          </dgm:constrLst>
+                          <dgm:ruleLst/>
+                        </dgm:layoutNode>
+                      </dgm:forEach>
+                      <dgm:forEach name="Name18" axis="self" ptType="node">
+                        <dgm:layoutNode name="hierRoot3">
+                          <dgm:alg type="hierRoot"/>
+                          <dgm:shape xmlns:r="http://schemas.openxmlformats.org/officeDocument/2006/relationships" r:blip="">
+                            <dgm:adjLst/>
+                          </dgm:shape>
+                          <dgm:presOf/>
+                          <dgm:constrLst>
+                            <dgm:constr type="bendDist" for="des" ptType="parTrans" refType="sp" fact="0.5"/>
+                          </dgm:constrLst>
+                          <dgm:ruleLst/>
+                          <dgm:layoutNode name="composite3">
+                            <dgm:alg type="composite"/>
+                            <dgm:shape xmlns:r="http://schemas.openxmlformats.org/officeDocument/2006/relationships" r:blip="">
+                              <dgm:adjLst/>
+                            </dgm:shape>
+                            <dgm:presOf/>
+                            <dgm:constrLst>
+                              <dgm:constr type="w" for="ch" forName="background3" refType="w" fact="0.9"/>
+                              <dgm:constr type="h" for="ch" forName="background3" refType="w" refFor="ch" refForName="background3" fact="0.635"/>
+                              <dgm:constr type="t" for="ch" forName="background3"/>
+                              <dgm:constr type="l" for="ch" forName="background3"/>
+                              <dgm:constr type="w" for="ch" forName="text3" refType="w" fact="0.9"/>
+                              <dgm:constr type="h" for="ch" forName="text3" refType="w" refFor="ch" refForName="text3" fact="0.635"/>
+                              <dgm:constr type="t" for="ch" forName="text3" refType="w" fact="0.095"/>
+                              <dgm:constr type="l" for="ch" forName="text3" refType="w" fact="0.1"/>
+                            </dgm:constrLst>
+                            <dgm:ruleLst/>
+                            <dgm:layoutNode name="background3" moveWith="text3">
+                              <dgm:alg type="sp"/>
+                              <dgm:shape xmlns:r="http://schemas.openxmlformats.org/officeDocument/2006/relationships" type="roundRect" r:blip="">
+                                <dgm:adjLst>
+                                  <dgm:adj idx="1" val="0.1"/>
+                                </dgm:adjLst>
+                              </dgm:shape>
+                              <dgm:presOf/>
+                              <dgm:constrLst/>
+                              <dgm:ruleLst/>
+                            </dgm:layoutNode>
+                            <dgm:layoutNode name="text3" styleLbl="fgAcc3">
+                              <dgm:varLst>
+                                <dgm:chPref val="3"/>
+                              </dgm:varLst>
+                              <dgm:alg type="tx"/>
+                              <dgm:shape xmlns:r="http://schemas.openxmlformats.org/officeDocument/2006/relationships" type="roundRect" r:blip="">
+                                <dgm:adjLst>
+                                  <dgm:adj idx="1" val="0.1"/>
+                                </dgm:adjLst>
+                              </dgm:shape>
+                              <dgm:presOf axis="self"/>
+                              <dgm:constrLst>
+                                <dgm:constr type="tMarg" refType="primFontSz" fact="0.3"/>
+                                <dgm:constr type="bMarg" refType="primFontSz" fact="0.3"/>
+                                <dgm:constr type="lMarg" refType="primFontSz" fact="0.3"/>
+                                <dgm:constr type="rMarg" refType="primFontSz" fact="0.3"/>
+                              </dgm:constrLst>
+                              <dgm:ruleLst>
+                                <dgm:rule type="primFontSz" val="5" fact="NaN" max="NaN"/>
+                              </dgm:ruleLst>
+                            </dgm:layoutNode>
+                          </dgm:layoutNode>
+                          <dgm:layoutNode name="hierChild4">
+                            <dgm:choose name="Name19">
+                              <dgm:if name="Name20" func="var" arg="dir" op="equ" val="norm">
+                                <dgm:alg type="hierChild">
+                                  <dgm:param type="linDir" val="fromL"/>
+                                </dgm:alg>
+                              </dgm:if>
+                              <dgm:else name="Name21">
+                                <dgm:alg type="hierChild">
+                                  <dgm:param type="linDir" val="fromR"/>
+                                </dgm:alg>
+                              </dgm:else>
+                            </dgm:choose>
+                            <dgm:shape xmlns:r="http://schemas.openxmlformats.org/officeDocument/2006/relationships" r:blip="">
+                              <dgm:adjLst/>
+                            </dgm:shape>
+                            <dgm:presOf/>
+                            <dgm:constrLst/>
+                            <dgm:ruleLst/>
+                            <dgm:forEach name="repeat" axis="ch">
+                              <dgm:forEach name="Name22" axis="self" ptType="parTrans" cnt="1">
+                                <dgm:layoutNode name="Name23">
+                                  <dgm:choose name="Name24">
+                                    <dgm:if name="Name25" axis="self" func="depth" op="lte" val="4">
+                                      <dgm:alg type="conn">
+                                        <dgm:param type="dim" val="1D"/>
+                                        <dgm:param type="endSty" val="noArr"/>
+                                        <dgm:param type="connRout" val="bend"/>
+                                        <dgm:param type="bendPt" val="end"/>
+                                        <dgm:param type="begPts" val="bCtr"/>
+                                        <dgm:param type="endPts" val="tCtr"/>
+                                        <dgm:param type="srcNode" val="background3"/>
+                                        <dgm:param type="dstNode" val="background4"/>
+                                      </dgm:alg>
+                                    </dgm:if>
+                                    <dgm:else name="Name26">
+                                      <dgm:alg type="conn">
+                                        <dgm:param type="dim" val="1D"/>
+                                        <dgm:param type="endSty" val="noArr"/>
+                                        <dgm:param type="connRout" val="bend"/>
+                                        <dgm:param type="bendPt" val="end"/>
+                                        <dgm:param type="begPts" val="bCtr"/>
+                                        <dgm:param type="endPts" val="tCtr"/>
+                                        <dgm:param type="srcNode" val="background4"/>
+                                        <dgm:param type="dstNode" val="background4"/>
+                                      </dgm:alg>
+                                    </dgm:else>
+                                  </dgm:choose>
+                                  <dgm:shape xmlns:r="http://schemas.openxmlformats.org/officeDocument/2006/relationships" type="conn" r:blip="" zOrderOff="-999">
+                                    <dgm:adjLst/>
+                                  </dgm:shape>
+                                  <dgm:presOf axis="self"/>
+                                  <dgm:constrLst>
+                                    <dgm:constr type="begPad"/>
+                                    <dgm:constr type="endPad"/>
+                                  </dgm:constrLst>
+                                  <dgm:ruleLst/>
+                                </dgm:layoutNode>
+                              </dgm:forEach>
+                              <dgm:forEach name="Name27" axis="self" ptType="node">
+                                <dgm:layoutNode name="hierRoot4">
+                                  <dgm:alg type="hierRoot"/>
+                                  <dgm:shape xmlns:r="http://schemas.openxmlformats.org/officeDocument/2006/relationships" r:blip="">
+                                    <dgm:adjLst/>
+                                  </dgm:shape>
+                                  <dgm:presOf/>
+                                  <dgm:constrLst>
+                                    <dgm:constr type="bendDist" for="des" ptType="parTrans" refType="sp" fact="0.5"/>
+                                  </dgm:constrLst>
+                                  <dgm:ruleLst/>
+                                  <dgm:layoutNode name="composite4">
+                                    <dgm:alg type="composite"/>
+                                    <dgm:shape xmlns:r="http://schemas.openxmlformats.org/officeDocument/2006/relationships" r:blip="">
+                                      <dgm:adjLst/>
+                                    </dgm:shape>
+                                    <dgm:presOf/>
+                                    <dgm:constrLst>
+                                      <dgm:constr type="w" for="ch" forName="background4" refType="w" fact="0.9"/>
+                                      <dgm:constr type="h" for="ch" forName="background4" refType="w" refFor="ch" refForName="background4" fact="0.635"/>
+                                      <dgm:constr type="t" for="ch" forName="background4"/>
+                                      <dgm:constr type="l" for="ch" forName="background4"/>
+                                      <dgm:constr type="w" for="ch" forName="text4" refType="w" fact="0.9"/>
+                                      <dgm:constr type="h" for="ch" forName="text4" refType="w" refFor="ch" refForName="text4" fact="0.635"/>
+                                      <dgm:constr type="t" for="ch" forName="text4" refType="w" fact="0.095"/>
+                                      <dgm:constr type="l" for="ch" forName="text4" refType="w" fact="0.1"/>
+                                    </dgm:constrLst>
+                                    <dgm:ruleLst/>
+                                    <dgm:layoutNode name="background4" moveWith="text4">
+                                      <dgm:alg type="sp"/>
+                                      <dgm:shape xmlns:r="http://schemas.openxmlformats.org/officeDocument/2006/relationships" type="roundRect" r:blip="">
+                                        <dgm:adjLst>
+                                          <dgm:adj idx="1" val="0.1"/>
+                                        </dgm:adjLst>
+                                      </dgm:shape>
+                                      <dgm:presOf/>
+                                      <dgm:constrLst/>
+                                      <dgm:ruleLst/>
+                                    </dgm:layoutNode>
+                                    <dgm:layoutNode name="text4" styleLbl="fgAcc4">
+                                      <dgm:varLst>
+                                        <dgm:chPref val="3"/>
+                                      </dgm:varLst>
+                                      <dgm:alg type="tx"/>
+                                      <dgm:shape xmlns:r="http://schemas.openxmlformats.org/officeDocument/2006/relationships" type="roundRect" r:blip="">
+                                        <dgm:adjLst>
+                                          <dgm:adj idx="1" val="0.1"/>
+                                        </dgm:adjLst>
+                                      </dgm:shape>
+                                      <dgm:presOf axis="self"/>
+                                      <dgm:constrLst>
+                                        <dgm:constr type="tMarg" refType="primFontSz" fact="0.3"/>
+                                        <dgm:constr type="bMarg" refType="primFontSz" fact="0.3"/>
+                                        <dgm:constr type="lMarg" refType="primFontSz" fact="0.3"/>
+                                        <dgm:constr type="rMarg" refType="primFontSz" fact="0.3"/>
+                                      </dgm:constrLst>
+                                      <dgm:ruleLst>
+                                        <dgm:rule type="primFontSz" val="5" fact="NaN" max="NaN"/>
+                                      </dgm:ruleLst>
+                                    </dgm:layoutNode>
+                                  </dgm:layoutNode>
+                                  <dgm:layoutNode name="hierChild5">
+                                    <dgm:choose name="Name28">
+                                      <dgm:if name="Name29" func="var" arg="dir" op="equ" val="norm">
+                                        <dgm:alg type="hierChild">
+                                          <dgm:param type="linDir" val="fromL"/>
+                                        </dgm:alg>
+                                      </dgm:if>
+                                      <dgm:else name="Name30">
+                                        <dgm:alg type="hierChild">
+                                          <dgm:param type="linDir" val="fromR"/>
+                                        </dgm:alg>
+                                      </dgm:else>
+                                    </dgm:choose>
+                                    <dgm:shape xmlns:r="http://schemas.openxmlformats.org/officeDocument/2006/relationships" r:blip="">
+                                      <dgm:adjLst/>
+                                    </dgm:shape>
+                                    <dgm:presOf/>
+                                    <dgm:constrLst/>
+                                    <dgm:ruleLst/>
+                                    <dgm:forEach name="Name31" ref="repeat"/>
+                                  </dgm:layoutNode>
+                                </dgm:layoutNode>
+                              </dgm:forEach>
+                            </dgm:forEach>
+                          </dgm:layoutNode>
+                        </dgm:layoutNode>
+                      </dgm:forEach>
+                    </dgm:forEach>
+                  </dgm:layoutNode>
+                </dgm:layoutNode>
+              </dgm:forEach>
+            </dgm:forEach>
+          </dgm:layoutNode>
         </dgm:layoutNode>
       </dgm:forEach>
     </dgm:forEach>
   </dgm:layoutNode>
-  <dgm:extLst>
-    <a:ext uri="{68A01E43-0DF5-4B5B-8FA6-DAF915123BFB}">
-      <dgm1612:lstStyle xmlns:dgm1612="http://schemas.microsoft.com/office/drawing/2016/12/diagram">
-        <a:lvl1pPr>
-          <a:lnSpc>
-            <a:spcPct val="100000"/>
-          </a:lnSpc>
-        </a:lvl1pPr>
-      </dgm1612:lstStyle>
-    </a:ext>
-  </dgm:extLst>
 </dgm:layoutDef>
 </file>
 
@@ -5851,7 +5814,7 @@
           <a:p>
             <a:fld id="{B2A4334E-DE83-4DBE-9296-021874FBF6F9}" type="datetimeFigureOut">
               <a:rPr lang="lt-LT" smtClean="0"/>
-              <a:t>2024-12-18</a:t>
+              <a:t>2025-01-22</a:t>
             </a:fld>
             <a:endParaRPr lang="lt-LT"/>
           </a:p>
@@ -6123,7 +6086,13 @@
   <p:cSld>
     <p:spTree>
       <p:nvGrpSpPr>
-        <p:cNvPr id="1" name=""/>
+        <p:cNvPr id="1" name="">
+          <a:extLst>
+            <a:ext uri="{FF2B5EF4-FFF2-40B4-BE49-F238E27FC236}">
+              <a16:creationId xmlns:a16="http://schemas.microsoft.com/office/drawing/2014/main" id="{5569725F-9DDB-5947-2CE2-B5F440EEF4FD}"/>
+            </a:ext>
+          </a:extLst>
+        </p:cNvPr>
         <p:cNvGrpSpPr/>
         <p:nvPr/>
       </p:nvGrpSpPr>
@@ -6137,7 +6106,13 @@
       </p:grpSpPr>
       <p:sp>
         <p:nvSpPr>
-          <p:cNvPr id="2" name="Skaidrės vaizdo vietos rezervavimo ženklas 1"/>
+          <p:cNvPr id="2" name="Skaidrės vaizdo vietos rezervavimo ženklas 1">
+            <a:extLst>
+              <a:ext uri="{FF2B5EF4-FFF2-40B4-BE49-F238E27FC236}">
+                <a16:creationId xmlns:a16="http://schemas.microsoft.com/office/drawing/2014/main" id="{0C9B620F-F74C-7070-0CEC-86C506F15DA0}"/>
+              </a:ext>
+            </a:extLst>
+          </p:cNvPr>
           <p:cNvSpPr>
             <a:spLocks noGrp="1" noRot="1" noChangeAspect="1"/>
           </p:cNvSpPr>
@@ -6149,7 +6124,13 @@
       </p:sp>
       <p:sp>
         <p:nvSpPr>
-          <p:cNvPr id="3" name="Pastabų vietos rezervavimo ženklas 2"/>
+          <p:cNvPr id="3" name="Pastabų vietos rezervavimo ženklas 2">
+            <a:extLst>
+              <a:ext uri="{FF2B5EF4-FFF2-40B4-BE49-F238E27FC236}">
+                <a16:creationId xmlns:a16="http://schemas.microsoft.com/office/drawing/2014/main" id="{70ED9FCF-0296-0DB0-6337-6DB9E522005A}"/>
+              </a:ext>
+            </a:extLst>
+          </p:cNvPr>
           <p:cNvSpPr>
             <a:spLocks noGrp="1"/>
           </p:cNvSpPr>
@@ -6163,8 +6144,14 @@
           <a:lstStyle/>
           <a:p>
             <a:r>
-              <a:rPr lang="en-US" dirty="0"/>
-              <a:t>Some participants are missing due to broad artefacts in EEG data. </a:t>
+              <a:rPr lang="en-US" b="0" i="0" dirty="0">
+                <a:solidFill>
+                  <a:srgbClr val="212529"/>
+                </a:solidFill>
+                <a:effectLst/>
+                <a:latin typeface="Roboto" panose="02000000000000000000" pitchFamily="2" charset="0"/>
+              </a:rPr>
+              <a:t>Resting state EEG data after emotional task will be analyzed using FOOOF library. During analysis the main objects will be alpha waves, power spectral density and 1/f slope differences between two participants. The goal of project is analyze the available data and create the environment to analyze data for Master thesis.</a:t>
             </a:r>
             <a:endParaRPr lang="lt-LT" dirty="0"/>
           </a:p>
@@ -6172,7 +6159,13 @@
       </p:sp>
       <p:sp>
         <p:nvSpPr>
-          <p:cNvPr id="4" name="Skaidrės numerio vietos rezervavimo ženklas 3"/>
+          <p:cNvPr id="4" name="Skaidrės numerio vietos rezervavimo ženklas 3">
+            <a:extLst>
+              <a:ext uri="{FF2B5EF4-FFF2-40B4-BE49-F238E27FC236}">
+                <a16:creationId xmlns:a16="http://schemas.microsoft.com/office/drawing/2014/main" id="{7EBA9333-1816-5EEA-D9A3-69AABEAED8EF}"/>
+              </a:ext>
+            </a:extLst>
+          </p:cNvPr>
           <p:cNvSpPr>
             <a:spLocks noGrp="1"/>
           </p:cNvSpPr>
@@ -6196,7 +6189,7 @@
     </p:spTree>
     <p:extLst>
       <p:ext uri="{BB962C8B-B14F-4D97-AF65-F5344CB8AC3E}">
-        <p14:creationId xmlns:p14="http://schemas.microsoft.com/office/powerpoint/2010/main" val="3163036671"/>
+        <p14:creationId xmlns:p14="http://schemas.microsoft.com/office/powerpoint/2010/main" val="909121946"/>
       </p:ext>
     </p:extLst>
   </p:cSld>
@@ -6251,95 +6244,8 @@
           <a:lstStyle/>
           <a:p>
             <a:r>
-              <a:rPr lang="en-US" b="1" dirty="0" err="1"/>
-              <a:t>os</a:t>
-            </a:r>
-            <a:r>
               <a:rPr lang="en-US" dirty="0"/>
-              <a:t>: Used for interacting with the operating system (e.g., working with file paths).</a:t>
-            </a:r>
-          </a:p>
-          <a:p>
-            <a:r>
-              <a:rPr lang="en-US" b="1" dirty="0"/>
-              <a:t>pandas</a:t>
-            </a:r>
-            <a:r>
-              <a:rPr lang="en-US" dirty="0"/>
-              <a:t>: A powerful library for working with </a:t>
-            </a:r>
-            <a:r>
-              <a:rPr lang="en-US" b="1" dirty="0"/>
-              <a:t>tabular data</a:t>
-            </a:r>
-            <a:r>
-              <a:rPr lang="en-US" dirty="0"/>
-              <a:t> (Excel, CSV files, etc.).</a:t>
-            </a:r>
-          </a:p>
-          <a:p>
-            <a:r>
-              <a:rPr lang="en-US" b="1" dirty="0" err="1"/>
-              <a:t>numpy</a:t>
-            </a:r>
-            <a:r>
-              <a:rPr lang="en-US" dirty="0"/>
-              <a:t>: Used for numerical operations, like arrays and mathematical calculations.</a:t>
-            </a:r>
-          </a:p>
-          <a:p>
-            <a:r>
-              <a:rPr lang="en-US" b="1" dirty="0" err="1"/>
-              <a:t>matplotlib.pyplot</a:t>
-            </a:r>
-            <a:r>
-              <a:rPr lang="en-US" dirty="0"/>
-              <a:t>: A library for </a:t>
-            </a:r>
-            <a:r>
-              <a:rPr lang="en-US" b="1" dirty="0"/>
-              <a:t>plotting and visualizing data</a:t>
-            </a:r>
-            <a:r>
-              <a:rPr lang="en-US" dirty="0"/>
-              <a:t>.</a:t>
-            </a:r>
-          </a:p>
-          <a:p>
-            <a:r>
-              <a:rPr lang="en-US" b="1" dirty="0" err="1"/>
-              <a:t>scipy.io.loadmat</a:t>
-            </a:r>
-            <a:r>
-              <a:rPr lang="en-US" dirty="0"/>
-              <a:t>: Allows reading .mat files (MATLAB files containing data).</a:t>
-            </a:r>
-          </a:p>
-          <a:p>
-            <a:endParaRPr lang="en-US" dirty="0"/>
-          </a:p>
-          <a:p>
-            <a:r>
-              <a:rPr lang="en-US" dirty="0" err="1"/>
-              <a:t>pd.read_excel</a:t>
-            </a:r>
-            <a:r>
-              <a:rPr lang="en-US" dirty="0"/>
-              <a:t>: Reads the Excel file dem_info.xlsx and loads it into a </a:t>
-            </a:r>
-            <a:r>
-              <a:rPr lang="en-US" dirty="0" err="1"/>
-              <a:t>DataFrame</a:t>
-            </a:r>
-            <a:r>
-              <a:rPr lang="en-US" dirty="0"/>
-              <a:t>.</a:t>
-            </a:r>
-          </a:p>
-          <a:p>
-            <a:r>
-              <a:rPr lang="en-US" dirty="0"/>
-              <a:t>head(): Displays the first few rows of the data.</a:t>
+              <a:t>Some participants are missing due to broad artefacts in EEG data. </a:t>
             </a:r>
             <a:endParaRPr lang="lt-LT" dirty="0"/>
           </a:p>
@@ -6371,7 +6277,7 @@
     </p:spTree>
     <p:extLst>
       <p:ext uri="{BB962C8B-B14F-4D97-AF65-F5344CB8AC3E}">
-        <p14:creationId xmlns:p14="http://schemas.microsoft.com/office/powerpoint/2010/main" val="3308120813"/>
+        <p14:creationId xmlns:p14="http://schemas.microsoft.com/office/powerpoint/2010/main" val="3163036671"/>
       </p:ext>
     </p:extLst>
   </p:cSld>
@@ -6425,41 +6331,31 @@
           <a:bodyPr/>
           <a:lstStyle/>
           <a:p>
+            <a:r>
+              <a:rPr lang="en-US" dirty="0"/>
+              <a:t>The </a:t>
+            </a:r>
+            <a:r>
+              <a:rPr lang="en-US" dirty="0" err="1"/>
+              <a:t>inplace</a:t>
+            </a:r>
+            <a:r>
+              <a:rPr lang="en-US" dirty="0"/>
+              <a:t>=True ensures the changes are applied directly to the data variable.</a:t>
+            </a:r>
+          </a:p>
+          <a:p>
             <a:pPr>
               <a:buFont typeface="Arial" panose="020B0604020202020204" pitchFamily="34" charset="0"/>
               <a:buChar char="•"/>
             </a:pPr>
             <a:r>
               <a:rPr lang="en-US" b="1" dirty="0"/>
-              <a:t>Why?</a:t>
+              <a:t>data[['age', 'weight', 'height', 'BMI']]</a:t>
             </a:r>
             <a:r>
               <a:rPr lang="en-US" dirty="0"/>
-              <a:t>: The EEG power spectral density (PSD) data is stored in a MATLAB .mat </a:t>
-            </a:r>
-            <a:r>
-              <a:rPr lang="en-US" dirty="0" err="1"/>
-              <a:t>file.</a:t>
-            </a:r>
-            <a:r>
-              <a:rPr lang="en-US" b="1" dirty="0" err="1"/>
-              <a:t>What</a:t>
-            </a:r>
-            <a:r>
-              <a:rPr lang="en-US" b="1" dirty="0"/>
-              <a:t> it </a:t>
-            </a:r>
-            <a:r>
-              <a:rPr lang="en-US" b="1" dirty="0" err="1"/>
-              <a:t>does</a:t>
-            </a:r>
-            <a:r>
-              <a:rPr lang="en-US" dirty="0" err="1"/>
-              <a:t>:loadmat</a:t>
-            </a:r>
-            <a:r>
-              <a:rPr lang="en-US" dirty="0"/>
-              <a:t>: Loads the MATLAB file and stores the data in a Python dictionary.</a:t>
+              <a:t>: This selects specific columns from the dataset.</a:t>
             </a:r>
           </a:p>
           <a:p>
@@ -6468,70 +6364,73 @@
               <a:buChar char="•"/>
             </a:pPr>
             <a:r>
+              <a:rPr lang="en-US" b="1" dirty="0"/>
+              <a:t>.describe()</a:t>
+            </a:r>
+            <a:r>
+              <a:rPr lang="en-US" dirty="0"/>
+              <a:t>: It calculates summary statistics for these columns:</a:t>
+            </a:r>
+          </a:p>
+          <a:p>
+            <a:pPr marL="742950" lvl="1" indent="-285750">
+              <a:buFont typeface="Arial" panose="020B0604020202020204" pitchFamily="34" charset="0"/>
+              <a:buChar char="•"/>
+            </a:pPr>
+            <a:r>
+              <a:rPr lang="en-US" dirty="0"/>
+              <a:t>Count (number of values)</a:t>
+            </a:r>
+          </a:p>
+          <a:p>
+            <a:pPr marL="742950" lvl="1" indent="-285750">
+              <a:buFont typeface="Arial" panose="020B0604020202020204" pitchFamily="34" charset="0"/>
+              <a:buChar char="•"/>
+            </a:pPr>
+            <a:r>
+              <a:rPr lang="en-US" dirty="0"/>
+              <a:t>Mean (average)</a:t>
+            </a:r>
+          </a:p>
+          <a:p>
+            <a:pPr marL="742950" lvl="1" indent="-285750">
+              <a:buFont typeface="Arial" panose="020B0604020202020204" pitchFamily="34" charset="0"/>
+              <a:buChar char="•"/>
+            </a:pPr>
+            <a:r>
+              <a:rPr lang="en-US" dirty="0"/>
+              <a:t>Standard deviation (how spread out the values are)</a:t>
+            </a:r>
+          </a:p>
+          <a:p>
+            <a:pPr marL="742950" lvl="1" indent="-285750">
+              <a:buFont typeface="Arial" panose="020B0604020202020204" pitchFamily="34" charset="0"/>
+              <a:buChar char="•"/>
+            </a:pPr>
+            <a:r>
+              <a:rPr lang="en-US" dirty="0"/>
+              <a:t>Min, Max, and Percentiles (like 25%, 50%, 75% of the values).</a:t>
+            </a:r>
+          </a:p>
+          <a:p>
+            <a:r>
+              <a:rPr lang="en-US" dirty="0"/>
+              <a:t>You also print these statistics to see the summary.</a:t>
+            </a:r>
+          </a:p>
+          <a:p>
+            <a:r>
+              <a:rPr lang="en-US" dirty="0"/>
+              <a:t>This saves the summary statistics into a new Excel file called </a:t>
+            </a:r>
+            <a:r>
               <a:rPr lang="en-US" dirty="0" err="1"/>
-              <a:t>psd_data</a:t>
+              <a:t>descriptive_statistics_output.xlsx.The</a:t>
             </a:r>
             <a:r>
               <a:rPr lang="en-US" dirty="0"/>
-              <a:t>: Accesses the '</a:t>
-            </a:r>
-            <a:r>
-              <a:rPr lang="en-US" dirty="0" err="1"/>
-              <a:t>psd</a:t>
-            </a:r>
-            <a:r>
-              <a:rPr lang="en-US" dirty="0"/>
-              <a:t>' key inside the loaded MATLAB data, which contains EEG data.</a:t>
-            </a:r>
-          </a:p>
-          <a:p>
-            <a:pPr>
-              <a:buFont typeface="Arial" panose="020B0604020202020204" pitchFamily="34" charset="0"/>
-              <a:buNone/>
-            </a:pPr>
-            <a:r>
-              <a:rPr lang="en-US" dirty="0" err="1"/>
-              <a:t>participant_ids</a:t>
-            </a:r>
-            <a:r>
-              <a:rPr lang="en-US" dirty="0"/>
-              <a:t>: To store participant IDs.</a:t>
-            </a:r>
-          </a:p>
-          <a:p>
-            <a:pPr>
-              <a:buFont typeface="Arial" panose="020B0604020202020204" pitchFamily="34" charset="0"/>
-              <a:buNone/>
-            </a:pPr>
-            <a:r>
-              <a:rPr lang="en-US" dirty="0" err="1"/>
-              <a:t>alpha_means</a:t>
-            </a:r>
-            <a:r>
-              <a:rPr lang="en-US" dirty="0"/>
-              <a:t>: To store the mean power in the alpha band (8–13 Hz).</a:t>
-            </a:r>
-          </a:p>
-          <a:p>
-            <a:pPr>
-              <a:buFont typeface="Arial" panose="020B0604020202020204" pitchFamily="34" charset="0"/>
-              <a:buNone/>
-            </a:pPr>
-            <a:r>
-              <a:rPr lang="en-US" dirty="0" err="1"/>
-              <a:t>alpha_sums</a:t>
-            </a:r>
-            <a:r>
-              <a:rPr lang="en-US" dirty="0"/>
-              <a:t>: To store the sum of power in the alpha band.</a:t>
-            </a:r>
-          </a:p>
-          <a:p>
-            <a:pPr>
-              <a:buFont typeface="Arial" panose="020B0604020202020204" pitchFamily="34" charset="0"/>
-              <a:buNone/>
-            </a:pPr>
-            <a:endParaRPr lang="en-US" dirty="0"/>
+              <a:t> sheet name in the file will be Descriptive Stats</a:t>
+            </a:r>
           </a:p>
           <a:p>
             <a:pPr>
@@ -6540,41 +6439,21 @@
             </a:pPr>
             <a:r>
               <a:rPr lang="en-US" b="1" dirty="0"/>
-              <a:t>Why?</a:t>
+              <a:t>Goal</a:t>
             </a:r>
             <a:r>
               <a:rPr lang="en-US" dirty="0"/>
-              <a:t>: The alpha band (8–13 Hz) is the focus of analysis.</a:t>
-            </a:r>
-          </a:p>
-          <a:p>
-            <a:pPr>
+              <a:t>: This creates a histogram for each variable (age, weight, height, and BMI).</a:t>
+            </a:r>
+          </a:p>
+          <a:p>
+            <a:pPr marL="742950" lvl="1" indent="-285750">
               <a:buFont typeface="Arial" panose="020B0604020202020204" pitchFamily="34" charset="0"/>
-              <a:buNone/>
+              <a:buChar char="•"/>
             </a:pPr>
             <a:r>
-              <a:rPr lang="en-US" b="1" dirty="0"/>
-              <a:t>What it </a:t>
-            </a:r>
-            <a:r>
-              <a:rPr lang="en-US" b="1" dirty="0" err="1"/>
-              <a:t>does</a:t>
-            </a:r>
-            <a:r>
-              <a:rPr lang="en-US" dirty="0" err="1"/>
-              <a:t>:alpha_mask</a:t>
-            </a:r>
-            <a:r>
               <a:rPr lang="en-US" dirty="0"/>
-              <a:t>: A </a:t>
-            </a:r>
-            <a:r>
-              <a:rPr lang="en-US" dirty="0" err="1"/>
-              <a:t>boolean</a:t>
-            </a:r>
-            <a:r>
-              <a:rPr lang="en-US" dirty="0"/>
-              <a:t> array where True values indicate frequencies between 8 and 13 Hz.</a:t>
+              <a:t>A histogram shows how frequently different values appear (e.g., how many people weigh 60kg, 70kg, etc.).</a:t>
             </a:r>
           </a:p>
           <a:p>
@@ -6583,12 +6462,24 @@
               <a:buChar char="•"/>
             </a:pPr>
             <a:r>
+              <a:rPr lang="en-US" b="1" dirty="0" err="1"/>
+              <a:t>sns.histplot</a:t>
+            </a:r>
+            <a:r>
+              <a:rPr lang="en-US" b="1" dirty="0"/>
+              <a:t>()</a:t>
+            </a:r>
+            <a:r>
+              <a:rPr lang="en-US" dirty="0"/>
+              <a:t>: Makes the histogram and adds a smooth curve (</a:t>
+            </a:r>
+            <a:r>
               <a:rPr lang="en-US" dirty="0" err="1"/>
-              <a:t>alpha_freq</a:t>
+              <a:t>kde</a:t>
             </a:r>
             <a:r>
               <a:rPr lang="en-US" dirty="0"/>
-              <a:t>: Extracts frequencies in the alpha range.</a:t>
+              <a:t>=True).</a:t>
             </a:r>
           </a:p>
           <a:p>
@@ -6597,20 +6488,17 @@
               <a:buChar char="•"/>
             </a:pPr>
             <a:r>
-              <a:rPr lang="en-US" dirty="0" err="1"/>
-              <a:t>alpha_power</a:t>
+              <a:rPr lang="en-US" b="1" dirty="0" err="1"/>
+              <a:t>plt.figure</a:t>
+            </a:r>
+            <a:r>
+              <a:rPr lang="en-US" b="1" dirty="0"/>
+              <a:t>()</a:t>
             </a:r>
             <a:r>
               <a:rPr lang="en-US" dirty="0"/>
-              <a:t>: Extracts the power values corresponding to those frequencies.</a:t>
-            </a:r>
-          </a:p>
-          <a:p>
-            <a:pPr>
-              <a:buFont typeface="Arial" panose="020B0604020202020204" pitchFamily="34" charset="0"/>
-              <a:buNone/>
-            </a:pPr>
-            <a:endParaRPr lang="en-US" dirty="0"/>
+              <a:t>: Adjusts the size of the chart.</a:t>
+            </a:r>
           </a:p>
           <a:p>
             <a:pPr>
@@ -6618,36 +6506,28 @@
               <a:buChar char="•"/>
             </a:pPr>
             <a:r>
+              <a:rPr lang="en-US" b="1" dirty="0" err="1"/>
+              <a:t>plt.title</a:t>
+            </a:r>
+            <a:r>
               <a:rPr lang="en-US" b="1" dirty="0"/>
-              <a:t>Why?</a:t>
+              <a:t>, </a:t>
+            </a:r>
+            <a:r>
+              <a:rPr lang="en-US" b="1" dirty="0" err="1"/>
+              <a:t>plt.xlabel</a:t>
+            </a:r>
+            <a:r>
+              <a:rPr lang="en-US" b="1" dirty="0"/>
+              <a:t>, </a:t>
+            </a:r>
+            <a:r>
+              <a:rPr lang="en-US" b="1" dirty="0" err="1"/>
+              <a:t>plt.ylabel</a:t>
             </a:r>
             <a:r>
               <a:rPr lang="en-US" dirty="0"/>
-              <a:t>: To quantify the power in the alpha </a:t>
-            </a:r>
-            <a:r>
-              <a:rPr lang="en-US" dirty="0" err="1"/>
-              <a:t>band.</a:t>
-            </a:r>
-            <a:r>
-              <a:rPr lang="en-US" b="1" dirty="0" err="1"/>
-              <a:t>What</a:t>
-            </a:r>
-            <a:r>
-              <a:rPr lang="en-US" b="1" dirty="0"/>
-              <a:t> it </a:t>
-            </a:r>
-            <a:r>
-              <a:rPr lang="en-US" b="1" dirty="0" err="1"/>
-              <a:t>does</a:t>
-            </a:r>
-            <a:r>
-              <a:rPr lang="en-US" dirty="0" err="1"/>
-              <a:t>:np.mean</a:t>
-            </a:r>
-            <a:r>
-              <a:rPr lang="en-US" dirty="0"/>
-              <a:t>: Calculates the average (mean) power in the alpha band.</a:t>
+              <a:t>: Add labels to the chart to make it readable.</a:t>
             </a:r>
           </a:p>
           <a:p>
@@ -6656,280 +6536,25 @@
               <a:buChar char="•"/>
             </a:pPr>
             <a:r>
-              <a:rPr lang="en-US" dirty="0" err="1"/>
-              <a:t>np.sum</a:t>
+              <a:rPr lang="en-US" b="1" dirty="0" err="1"/>
+              <a:t>plt.show</a:t>
+            </a:r>
+            <a:r>
+              <a:rPr lang="en-US" b="1" dirty="0"/>
+              <a:t>()</a:t>
             </a:r>
             <a:r>
               <a:rPr lang="en-US" dirty="0"/>
-              <a:t>: Calculates the total (sum) power in the alpha band.</a:t>
-            </a:r>
-          </a:p>
-          <a:p>
-            <a:pPr>
-              <a:buFont typeface="Arial" panose="020B0604020202020204" pitchFamily="34" charset="0"/>
-              <a:buChar char="•"/>
-            </a:pPr>
+              <a:t>: Displays the chart.</a:t>
+            </a:r>
+          </a:p>
+          <a:p>
             <a:r>
               <a:rPr lang="en-US" dirty="0"/>
-              <a:t>Appends these metrics to their respective lists.</a:t>
-            </a:r>
-          </a:p>
-          <a:p>
-            <a:pPr>
-              <a:buFont typeface="Arial" panose="020B0604020202020204" pitchFamily="34" charset="0"/>
-              <a:buNone/>
-            </a:pPr>
-            <a:endParaRPr lang="en-US"/>
-          </a:p>
-          <a:p>
-            <a:pPr>
-              <a:buFont typeface="Arial" panose="020B0604020202020204" pitchFamily="34" charset="0"/>
-              <a:buNone/>
-            </a:pPr>
-            <a:endParaRPr lang="en-US" dirty="0"/>
-          </a:p>
-          <a:p>
-            <a:pPr>
-              <a:buFont typeface="Arial" panose="020B0604020202020204" pitchFamily="34" charset="0"/>
-              <a:buNone/>
-            </a:pPr>
-            <a:endParaRPr lang="en-US" dirty="0"/>
-          </a:p>
-          <a:p>
-            <a:pPr>
-              <a:buFont typeface="Arial" panose="020B0604020202020204" pitchFamily="34" charset="0"/>
-              <a:buChar char="•"/>
-            </a:pPr>
-            <a:r>
-              <a:rPr lang="en-US" b="1" dirty="0"/>
-              <a:t>Why?</a:t>
-            </a:r>
-            <a:r>
-              <a:rPr lang="en-US" dirty="0"/>
-              <a:t>: The </a:t>
-            </a:r>
-            <a:r>
-              <a:rPr lang="en-US" dirty="0" err="1"/>
-              <a:t>freq</a:t>
-            </a:r>
-            <a:r>
-              <a:rPr lang="en-US" dirty="0"/>
-              <a:t> (frequency) and </a:t>
-            </a:r>
-            <a:r>
-              <a:rPr lang="en-US" dirty="0" err="1"/>
-              <a:t>spect</a:t>
-            </a:r>
-            <a:r>
-              <a:rPr lang="en-US" dirty="0"/>
-              <a:t> (power spectrum) arrays may have different lengths. Padding ensures they match.</a:t>
-            </a:r>
-          </a:p>
-          <a:p>
-            <a:pPr>
-              <a:buFont typeface="Arial" panose="020B0604020202020204" pitchFamily="34" charset="0"/>
-              <a:buNone/>
-            </a:pPr>
-            <a:r>
-              <a:rPr lang="en-US" b="1" dirty="0"/>
-              <a:t>What it does</a:t>
-            </a:r>
-            <a:r>
-              <a:rPr lang="en-US" dirty="0"/>
-              <a:t>: </a:t>
-            </a:r>
-            <a:r>
-              <a:rPr lang="en-US" dirty="0" err="1"/>
-              <a:t>np.pad</a:t>
-            </a:r>
-            <a:r>
-              <a:rPr lang="en-US" dirty="0"/>
-              <a:t>: Adds zeros to the shorter array so both arrays become the same length.</a:t>
-            </a:r>
-          </a:p>
-          <a:p>
-            <a:pPr>
-              <a:buFont typeface="Arial" panose="020B0604020202020204" pitchFamily="34" charset="0"/>
-              <a:buNone/>
-            </a:pPr>
-            <a:r>
-              <a:rPr lang="en-US" dirty="0"/>
-              <a:t>Returns the updated </a:t>
-            </a:r>
-            <a:r>
-              <a:rPr lang="en-US" dirty="0" err="1"/>
-              <a:t>freq</a:t>
-            </a:r>
-            <a:r>
-              <a:rPr lang="en-US" dirty="0"/>
-              <a:t> and </a:t>
-            </a:r>
-            <a:r>
-              <a:rPr lang="en-US" dirty="0" err="1"/>
-              <a:t>spect</a:t>
-            </a:r>
-            <a:r>
-              <a:rPr lang="en-US" dirty="0"/>
-              <a:t> arrays.</a:t>
-            </a:r>
-          </a:p>
-          <a:p>
-            <a:pPr>
-              <a:buFont typeface="Arial" panose="020B0604020202020204" pitchFamily="34" charset="0"/>
-              <a:buNone/>
-            </a:pPr>
-            <a:endParaRPr lang="en-US" dirty="0"/>
-          </a:p>
-          <a:p>
-            <a:pPr>
-              <a:buFont typeface="Arial" panose="020B0604020202020204" pitchFamily="34" charset="0"/>
-              <a:buChar char="•"/>
-            </a:pPr>
-            <a:r>
-              <a:rPr lang="en-US" b="1" dirty="0"/>
-              <a:t>Why?</a:t>
-            </a:r>
-            <a:r>
-              <a:rPr lang="en-US" dirty="0"/>
-              <a:t>: EEG data for each participant must be processed </a:t>
-            </a:r>
-            <a:r>
-              <a:rPr lang="en-US" dirty="0" err="1"/>
-              <a:t>individually.</a:t>
-            </a:r>
-            <a:r>
-              <a:rPr lang="en-US" b="1" dirty="0" err="1"/>
-              <a:t>What</a:t>
-            </a:r>
-            <a:r>
-              <a:rPr lang="en-US" b="1" dirty="0"/>
-              <a:t> it </a:t>
-            </a:r>
-            <a:r>
-              <a:rPr lang="en-US" b="1" dirty="0" err="1"/>
-              <a:t>does</a:t>
-            </a:r>
-            <a:r>
-              <a:rPr lang="en-US" dirty="0" err="1"/>
-              <a:t>:psd_data.shape</a:t>
-            </a:r>
-            <a:r>
-              <a:rPr lang="en-US" dirty="0"/>
-              <a:t>[1]: Loops over each participant's PSD data.</a:t>
-            </a:r>
-          </a:p>
-          <a:p>
-            <a:pPr>
-              <a:buFont typeface="Arial" panose="020B0604020202020204" pitchFamily="34" charset="0"/>
-              <a:buChar char="•"/>
-            </a:pPr>
-            <a:r>
-              <a:rPr lang="en-US" b="1" dirty="0"/>
-              <a:t>Extracts</a:t>
-            </a:r>
-            <a:r>
-              <a:rPr lang="en-US" dirty="0"/>
-              <a:t>:</a:t>
-            </a:r>
-          </a:p>
-          <a:p>
-            <a:pPr marL="742950" lvl="1" indent="-285750">
-              <a:buFont typeface="Arial" panose="020B0604020202020204" pitchFamily="34" charset="0"/>
-              <a:buChar char="•"/>
-            </a:pPr>
-            <a:r>
-              <a:rPr lang="en-US" dirty="0" err="1"/>
-              <a:t>freq</a:t>
-            </a:r>
-            <a:r>
-              <a:rPr lang="en-US" dirty="0"/>
-              <a:t>: Frequency values.</a:t>
-            </a:r>
-          </a:p>
-          <a:p>
-            <a:pPr marL="742950" lvl="1" indent="-285750">
-              <a:buFont typeface="Arial" panose="020B0604020202020204" pitchFamily="34" charset="0"/>
-              <a:buChar char="•"/>
-            </a:pPr>
-            <a:r>
-              <a:rPr lang="en-US" dirty="0" err="1"/>
-              <a:t>spect</a:t>
-            </a:r>
-            <a:r>
-              <a:rPr lang="en-US" dirty="0"/>
-              <a:t>: Power spectrum values corresponding to the frequencies.</a:t>
-            </a:r>
-          </a:p>
-          <a:p>
-            <a:pPr marL="742950" lvl="1" indent="-285750">
-              <a:buFont typeface="Arial" panose="020B0604020202020204" pitchFamily="34" charset="0"/>
-              <a:buChar char="•"/>
-            </a:pPr>
-            <a:r>
-              <a:rPr lang="en-US" dirty="0" err="1"/>
-              <a:t>participant_id</a:t>
-            </a:r>
-            <a:r>
-              <a:rPr lang="en-US" dirty="0"/>
-              <a:t>: ID of the participant.</a:t>
-            </a:r>
-          </a:p>
-          <a:p>
-            <a:pPr>
-              <a:buFont typeface="Arial" panose="020B0604020202020204" pitchFamily="34" charset="0"/>
-              <a:buChar char="•"/>
-            </a:pPr>
-            <a:r>
-              <a:rPr lang="en-US" dirty="0"/>
-              <a:t>squeeze: Removes unnecessary dimensions to clean up the data.</a:t>
-            </a:r>
-          </a:p>
-          <a:p>
-            <a:pPr>
-              <a:buFont typeface="Arial" panose="020B0604020202020204" pitchFamily="34" charset="0"/>
-              <a:buChar char="•"/>
-            </a:pPr>
-            <a:r>
-              <a:rPr lang="en-US" dirty="0"/>
-              <a:t>Calls </a:t>
-            </a:r>
-            <a:r>
-              <a:rPr lang="en-US" dirty="0" err="1"/>
-              <a:t>pad_arrays</a:t>
-            </a:r>
-            <a:r>
-              <a:rPr lang="en-US" dirty="0"/>
-              <a:t> to ensure </a:t>
-            </a:r>
-            <a:r>
-              <a:rPr lang="en-US" dirty="0" err="1"/>
-              <a:t>freq</a:t>
-            </a:r>
-            <a:r>
-              <a:rPr lang="en-US" dirty="0"/>
-              <a:t> and </a:t>
-            </a:r>
-            <a:r>
-              <a:rPr lang="en-US" dirty="0" err="1"/>
-              <a:t>spect</a:t>
-            </a:r>
-            <a:r>
-              <a:rPr lang="en-US" dirty="0"/>
-              <a:t> arrays are the same size.</a:t>
-            </a:r>
-          </a:p>
-          <a:p>
-            <a:pPr>
-              <a:buFont typeface="Arial" panose="020B0604020202020204" pitchFamily="34" charset="0"/>
-              <a:buNone/>
-            </a:pPr>
-            <a:endParaRPr lang="en-US" dirty="0"/>
-          </a:p>
-          <a:p>
-            <a:pPr>
-              <a:buFont typeface="Arial" panose="020B0604020202020204" pitchFamily="34" charset="0"/>
-              <a:buNone/>
-            </a:pPr>
+              <a:t>This loop repeats for all 4 variables.</a:t>
+            </a:r>
+          </a:p>
+          <a:p>
             <a:endParaRPr lang="en-US" dirty="0"/>
           </a:p>
           <a:p>
@@ -6963,7 +6588,7 @@
     </p:spTree>
     <p:extLst>
       <p:ext uri="{BB962C8B-B14F-4D97-AF65-F5344CB8AC3E}">
-        <p14:creationId xmlns:p14="http://schemas.microsoft.com/office/powerpoint/2010/main" val="2168068476"/>
+        <p14:creationId xmlns:p14="http://schemas.microsoft.com/office/powerpoint/2010/main" val="3308120813"/>
       </p:ext>
     </p:extLst>
   </p:cSld>
@@ -7022,42 +6647,12 @@
               <a:buChar char="•"/>
             </a:pPr>
             <a:r>
-              <a:rPr lang="en-US" b="1" dirty="0"/>
-              <a:t>Why?</a:t>
+              <a:rPr lang="en-US" b="1" dirty="0" err="1"/>
+              <a:t>all_psd_data</a:t>
             </a:r>
             <a:r>
               <a:rPr lang="en-US" dirty="0"/>
-              <a:t>: The alpha band (8–13 Hz) is the focus of analysis.</a:t>
-            </a:r>
-          </a:p>
-          <a:p>
-            <a:pPr>
-              <a:buFont typeface="Arial" panose="020B0604020202020204" pitchFamily="34" charset="0"/>
-              <a:buNone/>
-            </a:pPr>
-            <a:r>
-              <a:rPr lang="en-US" b="1" dirty="0"/>
-              <a:t>What it </a:t>
-            </a:r>
-            <a:r>
-              <a:rPr lang="en-US" b="1" dirty="0" err="1"/>
-              <a:t>does</a:t>
-            </a:r>
-            <a:r>
-              <a:rPr lang="en-US" dirty="0" err="1"/>
-              <a:t>:alpha_mask</a:t>
-            </a:r>
-            <a:r>
-              <a:rPr lang="en-US" dirty="0"/>
-              <a:t>: A </a:t>
-            </a:r>
-            <a:r>
-              <a:rPr lang="en-US" dirty="0" err="1"/>
-              <a:t>boolean</a:t>
-            </a:r>
-            <a:r>
-              <a:rPr lang="en-US" dirty="0"/>
-              <a:t> array where True values indicate frequencies between 8 and 13 Hz.</a:t>
+              <a:t>: To store PSD values for all files.</a:t>
             </a:r>
           </a:p>
           <a:p>
@@ -7066,12 +6661,12 @@
               <a:buChar char="•"/>
             </a:pPr>
             <a:r>
-              <a:rPr lang="en-US" dirty="0" err="1"/>
-              <a:t>alpha_freq</a:t>
+              <a:rPr lang="en-US" b="1" dirty="0" err="1"/>
+              <a:t>all_freqs</a:t>
             </a:r>
             <a:r>
               <a:rPr lang="en-US" dirty="0"/>
-              <a:t>: Extracts frequencies in the alpha range.</a:t>
+              <a:t>: To store the frequency values corresponding to the PSD (initialized as None until we get data).</a:t>
             </a:r>
           </a:p>
           <a:p>
@@ -7080,12 +6675,458 @@
               <a:buChar char="•"/>
             </a:pPr>
             <a:r>
+              <a:rPr lang="en-US" b="1" dirty="0" err="1"/>
+              <a:t>file_alpha_means</a:t>
+            </a:r>
+            <a:r>
+              <a:rPr lang="en-US" b="1" dirty="0"/>
+              <a:t> &amp; </a:t>
+            </a:r>
+            <a:r>
+              <a:rPr lang="en-US" b="1" dirty="0" err="1"/>
+              <a:t>file_alpha_sums</a:t>
+            </a:r>
+            <a:r>
+              <a:rPr lang="en-US" dirty="0"/>
+              <a:t>: To store alpha power stats (mean and sum) for each file.</a:t>
+            </a:r>
+          </a:p>
+          <a:p>
+            <a:pPr>
+              <a:buFont typeface="Arial" panose="020B0604020202020204" pitchFamily="34" charset="0"/>
+              <a:buChar char="•"/>
+            </a:pPr>
+            <a:r>
+              <a:rPr lang="en-US" b="1" dirty="0" err="1"/>
+              <a:t>file_channel_names</a:t>
+            </a:r>
+            <a:r>
+              <a:rPr lang="en-US" dirty="0"/>
+              <a:t>: To store the names of EEG channels for each file.</a:t>
+            </a:r>
+          </a:p>
+          <a:p>
+            <a:pPr>
+              <a:buFont typeface="Arial" panose="020B0604020202020204" pitchFamily="34" charset="0"/>
+              <a:buChar char="•"/>
+            </a:pPr>
+            <a:r>
+              <a:rPr lang="en-US" b="1" dirty="0"/>
+              <a:t>colors</a:t>
+            </a:r>
+            <a:r>
+              <a:rPr lang="en-US" dirty="0"/>
+              <a:t>: A color map to assign unique colors to the bar plots for different files.</a:t>
+            </a:r>
+          </a:p>
+          <a:p>
+            <a:r>
+              <a:rPr lang="en-US" dirty="0"/>
+              <a:t>This </a:t>
+            </a:r>
+            <a:r>
+              <a:rPr lang="en-US" b="1" dirty="0"/>
+              <a:t>loop processes each file</a:t>
+            </a:r>
+            <a:r>
+              <a:rPr lang="en-US" dirty="0"/>
+              <a:t> in </a:t>
+            </a:r>
+            <a:r>
               <a:rPr lang="en-US" dirty="0" err="1"/>
-              <a:t>alpha_power</a:t>
+              <a:t>file_paths.</a:t>
+            </a:r>
+            <a:r>
+              <a:rPr lang="en-US" b="1" dirty="0" err="1"/>
+              <a:t>mne.io.read_raw_eeglab</a:t>
+            </a:r>
+            <a:r>
+              <a:rPr lang="en-US" b="1" dirty="0"/>
+              <a:t>()</a:t>
             </a:r>
             <a:r>
               <a:rPr lang="en-US" dirty="0"/>
-              <a:t>: Extracts the power values corresponding to those frequencies.</a:t>
+              <a:t>: Reads the EEG file in .set format. The preload=True argument loads the data into memory for analysis.</a:t>
+            </a:r>
+          </a:p>
+          <a:p>
+            <a:endParaRPr lang="en-US" dirty="0"/>
+          </a:p>
+          <a:p>
+            <a:endParaRPr lang="en-US" dirty="0"/>
+          </a:p>
+          <a:p>
+            <a:pPr>
+              <a:buFont typeface="Arial" panose="020B0604020202020204" pitchFamily="34" charset="0"/>
+              <a:buChar char="•"/>
+            </a:pPr>
+            <a:r>
+              <a:rPr lang="en-US" b="1" dirty="0" err="1"/>
+              <a:t>raw.get_data</a:t>
+            </a:r>
+            <a:r>
+              <a:rPr lang="en-US" b="1" dirty="0"/>
+              <a:t>()</a:t>
+            </a:r>
+            <a:r>
+              <a:rPr lang="en-US" dirty="0"/>
+              <a:t>: Retrieves the EEG data as a 2D array </a:t>
+            </a:r>
+            <a:r>
+              <a:rPr lang="en-US" dirty="0" err="1"/>
+              <a:t>where:Rows</a:t>
+            </a:r>
+            <a:r>
+              <a:rPr lang="en-US" dirty="0"/>
+              <a:t> = channels.</a:t>
+            </a:r>
+          </a:p>
+          <a:p>
+            <a:pPr>
+              <a:buFont typeface="Arial" panose="020B0604020202020204" pitchFamily="34" charset="0"/>
+              <a:buChar char="•"/>
+            </a:pPr>
+            <a:r>
+              <a:rPr lang="en-US" dirty="0"/>
+              <a:t>Columns = time points (signal values at each time).</a:t>
+            </a:r>
+          </a:p>
+          <a:p>
+            <a:r>
+              <a:rPr lang="en-US" b="1" dirty="0"/>
+              <a:t>raw.info['</a:t>
+            </a:r>
+            <a:r>
+              <a:rPr lang="en-US" b="1" dirty="0" err="1"/>
+              <a:t>sfreq</a:t>
+            </a:r>
+            <a:r>
+              <a:rPr lang="en-US" b="1" dirty="0"/>
+              <a:t>']</a:t>
+            </a:r>
+            <a:r>
+              <a:rPr lang="en-US" dirty="0"/>
+              <a:t>: Sampling frequency of the EEG recording (how many data points per second).</a:t>
+            </a:r>
+            <a:r>
+              <a:rPr lang="en-US" b="1" dirty="0"/>
+              <a:t>raw.info['</a:t>
+            </a:r>
+            <a:r>
+              <a:rPr lang="en-US" b="1" dirty="0" err="1"/>
+              <a:t>ch_names</a:t>
+            </a:r>
+            <a:r>
+              <a:rPr lang="en-US" b="1" dirty="0"/>
+              <a:t>']</a:t>
+            </a:r>
+            <a:r>
+              <a:rPr lang="en-US" dirty="0"/>
+              <a:t>: Names of the EEG channels (e.g., Fz, </a:t>
+            </a:r>
+            <a:r>
+              <a:rPr lang="en-US" dirty="0" err="1"/>
+              <a:t>Cz</a:t>
+            </a:r>
+            <a:r>
+              <a:rPr lang="en-US" dirty="0"/>
+              <a:t>, etc.).Add the channel names for the current file to the </a:t>
+            </a:r>
+            <a:r>
+              <a:rPr lang="en-US" dirty="0" err="1"/>
+              <a:t>file_channel_names</a:t>
+            </a:r>
+            <a:r>
+              <a:rPr lang="en-US" dirty="0"/>
+              <a:t> list.</a:t>
+            </a:r>
+          </a:p>
+          <a:p>
+            <a:endParaRPr lang="en-US" dirty="0"/>
+          </a:p>
+          <a:p>
+            <a:pPr>
+              <a:buFont typeface="Arial" panose="020B0604020202020204" pitchFamily="34" charset="0"/>
+              <a:buChar char="•"/>
+            </a:pPr>
+            <a:r>
+              <a:rPr lang="en-US" dirty="0"/>
+              <a:t>For each channel in the EEG data:</a:t>
+            </a:r>
+          </a:p>
+          <a:p>
+            <a:pPr marL="742950" lvl="1" indent="-285750">
+              <a:buFont typeface="Arial" panose="020B0604020202020204" pitchFamily="34" charset="0"/>
+              <a:buChar char="•"/>
+            </a:pPr>
+            <a:r>
+              <a:rPr lang="en-US" b="1" dirty="0"/>
+              <a:t>welch()</a:t>
+            </a:r>
+            <a:r>
+              <a:rPr lang="en-US" dirty="0"/>
+              <a:t> computes the power spectral density (PSD) for the channel:</a:t>
+            </a:r>
+          </a:p>
+          <a:p>
+            <a:pPr marL="1143000" lvl="2" indent="-228600">
+              <a:buFont typeface="Arial" panose="020B0604020202020204" pitchFamily="34" charset="0"/>
+              <a:buChar char="•"/>
+            </a:pPr>
+            <a:r>
+              <a:rPr lang="en-US" dirty="0"/>
+              <a:t>f: Frequencies.</a:t>
+            </a:r>
+          </a:p>
+          <a:p>
+            <a:pPr marL="1143000" lvl="2" indent="-228600">
+              <a:buFont typeface="Arial" panose="020B0604020202020204" pitchFamily="34" charset="0"/>
+              <a:buChar char="•"/>
+            </a:pPr>
+            <a:r>
+              <a:rPr lang="en-US" dirty="0" err="1"/>
+              <a:t>Pxx</a:t>
+            </a:r>
+            <a:r>
+              <a:rPr lang="en-US" dirty="0"/>
+              <a:t>: Power values at each frequency.</a:t>
+            </a:r>
+          </a:p>
+          <a:p>
+            <a:pPr marL="742950" lvl="1" indent="-285750">
+              <a:buFont typeface="Arial" panose="020B0604020202020204" pitchFamily="34" charset="0"/>
+              <a:buChar char="•"/>
+            </a:pPr>
+            <a:r>
+              <a:rPr lang="en-US" dirty="0"/>
+              <a:t>Save the frequencies (f) only once (the first time) in </a:t>
+            </a:r>
+            <a:r>
+              <a:rPr lang="en-US" dirty="0" err="1"/>
+              <a:t>all_freqs</a:t>
+            </a:r>
+            <a:r>
+              <a:rPr lang="en-US" dirty="0"/>
+              <a:t>.</a:t>
+            </a:r>
+          </a:p>
+          <a:p>
+            <a:pPr marL="742950" lvl="1" indent="-285750">
+              <a:buFont typeface="Arial" panose="020B0604020202020204" pitchFamily="34" charset="0"/>
+              <a:buChar char="•"/>
+            </a:pPr>
+            <a:r>
+              <a:rPr lang="en-US" dirty="0"/>
+              <a:t>Append the PSD values for each channel to </a:t>
+            </a:r>
+            <a:r>
+              <a:rPr lang="en-US" dirty="0" err="1"/>
+              <a:t>psds</a:t>
+            </a:r>
+            <a:r>
+              <a:rPr lang="en-US" dirty="0"/>
+              <a:t>.</a:t>
+            </a:r>
+          </a:p>
+          <a:p>
+            <a:pPr>
+              <a:buFont typeface="Arial" panose="020B0604020202020204" pitchFamily="34" charset="0"/>
+              <a:buChar char="•"/>
+            </a:pPr>
+            <a:r>
+              <a:rPr lang="en-US" b="1" dirty="0" err="1"/>
+              <a:t>all_psd_data.append</a:t>
+            </a:r>
+            <a:r>
+              <a:rPr lang="en-US" b="1" dirty="0"/>
+              <a:t>(</a:t>
+            </a:r>
+            <a:r>
+              <a:rPr lang="en-US" b="1" dirty="0" err="1"/>
+              <a:t>psds</a:t>
+            </a:r>
+            <a:r>
+              <a:rPr lang="en-US" b="1" dirty="0"/>
+              <a:t>)</a:t>
+            </a:r>
+            <a:r>
+              <a:rPr lang="en-US" dirty="0"/>
+              <a:t>: Add the PSD values for this file to the overall data.</a:t>
+            </a:r>
+          </a:p>
+          <a:p>
+            <a:endParaRPr lang="en-US" dirty="0"/>
+          </a:p>
+          <a:p>
+            <a:endParaRPr lang="en-US" dirty="0"/>
+          </a:p>
+          <a:p>
+            <a:pPr>
+              <a:buFont typeface="Arial" panose="020B0604020202020204" pitchFamily="34" charset="0"/>
+              <a:buChar char="•"/>
+            </a:pPr>
+            <a:r>
+              <a:rPr lang="en-US" b="1" dirty="0"/>
+              <a:t>Alpha Band</a:t>
+            </a:r>
+            <a:r>
+              <a:rPr lang="en-US" dirty="0"/>
+              <a:t>: A specific frequency range (8-13 Hz) in brainwave signals linked to </a:t>
+            </a:r>
+            <a:r>
+              <a:rPr lang="en-US" dirty="0" err="1"/>
+              <a:t>relaxation.</a:t>
+            </a:r>
+            <a:r>
+              <a:rPr lang="en-US" b="1" dirty="0" err="1"/>
+              <a:t>alpha_mask</a:t>
+            </a:r>
+            <a:r>
+              <a:rPr lang="en-US" dirty="0"/>
+              <a:t>: Identifies the frequencies in the alpha </a:t>
+            </a:r>
+            <a:r>
+              <a:rPr lang="en-US" dirty="0" err="1"/>
+              <a:t>band.For</a:t>
+            </a:r>
+            <a:r>
+              <a:rPr lang="en-US" dirty="0"/>
+              <a:t> each </a:t>
+            </a:r>
+            <a:r>
+              <a:rPr lang="en-US" dirty="0" err="1"/>
+              <a:t>channel:</a:t>
+            </a:r>
+            <a:r>
+              <a:rPr lang="en-US" b="1" dirty="0" err="1"/>
+              <a:t>psd</a:t>
+            </a:r>
+            <a:r>
+              <a:rPr lang="en-US" b="1" dirty="0"/>
+              <a:t>[</a:t>
+            </a:r>
+            <a:r>
+              <a:rPr lang="en-US" b="1" dirty="0" err="1"/>
+              <a:t>alpha_mask</a:t>
+            </a:r>
+            <a:r>
+              <a:rPr lang="en-US" b="1" dirty="0"/>
+              <a:t>]</a:t>
+            </a:r>
+            <a:r>
+              <a:rPr lang="en-US" dirty="0"/>
+              <a:t>: Extracts the PSD values within the alpha band.</a:t>
+            </a:r>
+          </a:p>
+          <a:p>
+            <a:pPr>
+              <a:buFont typeface="Arial" panose="020B0604020202020204" pitchFamily="34" charset="0"/>
+              <a:buChar char="•"/>
+            </a:pPr>
+            <a:r>
+              <a:rPr lang="en-US" b="1" dirty="0" err="1"/>
+              <a:t>np.mean</a:t>
+            </a:r>
+            <a:r>
+              <a:rPr lang="en-US" b="1" dirty="0"/>
+              <a:t>()</a:t>
+            </a:r>
+            <a:r>
+              <a:rPr lang="en-US" dirty="0"/>
+              <a:t>: Calculates the average alpha power.</a:t>
+            </a:r>
+          </a:p>
+          <a:p>
+            <a:pPr>
+              <a:buFont typeface="Arial" panose="020B0604020202020204" pitchFamily="34" charset="0"/>
+              <a:buChar char="•"/>
+            </a:pPr>
+            <a:r>
+              <a:rPr lang="en-US" b="1" dirty="0" err="1"/>
+              <a:t>np.sum</a:t>
+            </a:r>
+            <a:r>
+              <a:rPr lang="en-US" b="1" dirty="0"/>
+              <a:t>()</a:t>
+            </a:r>
+            <a:r>
+              <a:rPr lang="en-US" dirty="0"/>
+              <a:t>: Calculates the total alpha power.</a:t>
+            </a:r>
+          </a:p>
+          <a:p>
+            <a:r>
+              <a:rPr lang="en-US" dirty="0"/>
+              <a:t>Save these values for each file.</a:t>
+            </a:r>
+          </a:p>
+          <a:p>
+            <a:endParaRPr lang="en-US" dirty="0"/>
+          </a:p>
+          <a:p>
+            <a:pPr>
+              <a:buFont typeface="Arial" panose="020B0604020202020204" pitchFamily="34" charset="0"/>
+              <a:buChar char="•"/>
+            </a:pPr>
+            <a:r>
+              <a:rPr lang="en-US" b="1" dirty="0" err="1"/>
+              <a:t>np.vstack</a:t>
+            </a:r>
+            <a:r>
+              <a:rPr lang="en-US" b="1" dirty="0"/>
+              <a:t>(</a:t>
+            </a:r>
+            <a:r>
+              <a:rPr lang="en-US" b="1" dirty="0" err="1"/>
+              <a:t>all_psd_data</a:t>
+            </a:r>
+            <a:r>
+              <a:rPr lang="en-US" b="1" dirty="0"/>
+              <a:t>).T</a:t>
+            </a:r>
+            <a:r>
+              <a:rPr lang="en-US" dirty="0"/>
+              <a:t>: Combines PSD data from all files into a single </a:t>
+            </a:r>
+            <a:r>
+              <a:rPr lang="en-US" dirty="0" err="1"/>
+              <a:t>table.</a:t>
+            </a:r>
+            <a:r>
+              <a:rPr lang="en-US" b="1" dirty="0" err="1"/>
+              <a:t>pd.DataFrame</a:t>
+            </a:r>
+            <a:r>
+              <a:rPr lang="en-US" b="1" dirty="0"/>
+              <a:t>()</a:t>
+            </a:r>
+            <a:r>
+              <a:rPr lang="en-US" dirty="0"/>
+              <a:t>: Converts the data into a table </a:t>
+            </a:r>
+            <a:r>
+              <a:rPr lang="en-US" dirty="0" err="1"/>
+              <a:t>format:Columns</a:t>
+            </a:r>
+            <a:r>
+              <a:rPr lang="en-US" dirty="0"/>
+              <a:t> = EEG channels.</a:t>
+            </a:r>
+          </a:p>
+          <a:p>
+            <a:pPr>
+              <a:buFont typeface="Arial" panose="020B0604020202020204" pitchFamily="34" charset="0"/>
+              <a:buChar char="•"/>
+            </a:pPr>
+            <a:r>
+              <a:rPr lang="en-US" dirty="0"/>
+              <a:t>Index = Frequencies.</a:t>
+            </a:r>
+          </a:p>
+          <a:p>
+            <a:r>
+              <a:rPr lang="en-US" dirty="0"/>
+              <a:t>Save this table to an Excel file called combined_psd_data.xlsx</a:t>
             </a:r>
           </a:p>
           <a:p>
@@ -7111,6 +7152,454 @@
             <a:fld id="{5FEA0802-A1D5-4414-8D4D-2FAB01A96018}" type="slidenum">
               <a:rPr lang="lt-LT" smtClean="0"/>
               <a:t>5</a:t>
+            </a:fld>
+            <a:endParaRPr lang="lt-LT"/>
+          </a:p>
+        </p:txBody>
+      </p:sp>
+    </p:spTree>
+    <p:extLst>
+      <p:ext uri="{BB962C8B-B14F-4D97-AF65-F5344CB8AC3E}">
+        <p14:creationId xmlns:p14="http://schemas.microsoft.com/office/powerpoint/2010/main" val="2168068476"/>
+      </p:ext>
+    </p:extLst>
+  </p:cSld>
+  <p:clrMapOvr>
+    <a:masterClrMapping/>
+  </p:clrMapOvr>
+</p:notes>
+</file>
+
+<file path=ppt/notesSlides/notesSlide5.xml><?xml version="1.0" encoding="utf-8"?>
+<p:notes xmlns:a="http://schemas.openxmlformats.org/drawingml/2006/main" xmlns:r="http://schemas.openxmlformats.org/officeDocument/2006/relationships" xmlns:p="http://schemas.openxmlformats.org/presentationml/2006/main">
+  <p:cSld>
+    <p:spTree>
+      <p:nvGrpSpPr>
+        <p:cNvPr id="1" name=""/>
+        <p:cNvGrpSpPr/>
+        <p:nvPr/>
+      </p:nvGrpSpPr>
+      <p:grpSpPr>
+        <a:xfrm>
+          <a:off x="0" y="0"/>
+          <a:ext cx="0" cy="0"/>
+          <a:chOff x="0" y="0"/>
+          <a:chExt cx="0" cy="0"/>
+        </a:xfrm>
+      </p:grpSpPr>
+      <p:sp>
+        <p:nvSpPr>
+          <p:cNvPr id="2" name="Skaidrės vaizdo vietos rezervavimo ženklas 1"/>
+          <p:cNvSpPr>
+            <a:spLocks noGrp="1" noRot="1" noChangeAspect="1"/>
+          </p:cNvSpPr>
+          <p:nvPr>
+            <p:ph type="sldImg"/>
+          </p:nvPr>
+        </p:nvSpPr>
+        <p:spPr/>
+      </p:sp>
+      <p:sp>
+        <p:nvSpPr>
+          <p:cNvPr id="3" name="Pastabų vietos rezervavimo ženklas 2"/>
+          <p:cNvSpPr>
+            <a:spLocks noGrp="1"/>
+          </p:cNvSpPr>
+          <p:nvPr>
+            <p:ph type="body" idx="1"/>
+          </p:nvPr>
+        </p:nvSpPr>
+        <p:spPr/>
+        <p:txBody>
+          <a:bodyPr/>
+          <a:lstStyle/>
+          <a:p>
+            <a:r>
+              <a:rPr lang="en-US" b="1" dirty="0" err="1"/>
+              <a:t>all_psd_data</a:t>
+            </a:r>
+            <a:r>
+              <a:rPr lang="en-US" dirty="0"/>
+              <a:t>: Will store the PSD data for all </a:t>
+            </a:r>
+            <a:r>
+              <a:rPr lang="en-US" dirty="0" err="1"/>
+              <a:t>files.</a:t>
+            </a:r>
+            <a:r>
+              <a:rPr lang="en-US" b="1" dirty="0" err="1"/>
+              <a:t>all_freqs</a:t>
+            </a:r>
+            <a:r>
+              <a:rPr lang="en-US" dirty="0"/>
+              <a:t>: Will store the frequency values corresponding to the PSD (initialized as None).</a:t>
+            </a:r>
+            <a:r>
+              <a:rPr lang="en-US" b="1" dirty="0" err="1"/>
+              <a:t>all_channel_names</a:t>
+            </a:r>
+            <a:r>
+              <a:rPr lang="en-US" dirty="0"/>
+              <a:t>: Will store the names of EEG channels across all </a:t>
+            </a:r>
+            <a:r>
+              <a:rPr lang="en-US" dirty="0" err="1"/>
+              <a:t>files.</a:t>
+            </a:r>
+            <a:r>
+              <a:rPr lang="en-US" b="1" dirty="0" err="1"/>
+              <a:t>colors</a:t>
+            </a:r>
+            <a:r>
+              <a:rPr lang="en-US" dirty="0"/>
+              <a:t>: Assigns unique colors to each file for plotting, using a colormap (</a:t>
+            </a:r>
+            <a:r>
+              <a:rPr lang="en-US" dirty="0" err="1"/>
+              <a:t>viridis</a:t>
+            </a:r>
+            <a:r>
+              <a:rPr lang="en-US" dirty="0"/>
+              <a:t>).</a:t>
+            </a:r>
+          </a:p>
+          <a:p>
+            <a:endParaRPr lang="en-US" dirty="0"/>
+          </a:p>
+          <a:p>
+            <a:pPr>
+              <a:buFont typeface="Arial" panose="020B0604020202020204" pitchFamily="34" charset="0"/>
+              <a:buChar char="•"/>
+            </a:pPr>
+            <a:r>
+              <a:rPr lang="en-US" b="1" dirty="0" err="1"/>
+              <a:t>raw.get_data</a:t>
+            </a:r>
+            <a:r>
+              <a:rPr lang="en-US" b="1" dirty="0"/>
+              <a:t>()</a:t>
+            </a:r>
+            <a:r>
+              <a:rPr lang="en-US" dirty="0"/>
+              <a:t>: Retrieves the EEG data as a 2D array </a:t>
+            </a:r>
+            <a:r>
+              <a:rPr lang="en-US" dirty="0" err="1"/>
+              <a:t>where:Rows</a:t>
+            </a:r>
+            <a:r>
+              <a:rPr lang="en-US" dirty="0"/>
+              <a:t> = channels.</a:t>
+            </a:r>
+          </a:p>
+          <a:p>
+            <a:pPr>
+              <a:buFont typeface="Arial" panose="020B0604020202020204" pitchFamily="34" charset="0"/>
+              <a:buChar char="•"/>
+            </a:pPr>
+            <a:r>
+              <a:rPr lang="en-US" dirty="0"/>
+              <a:t>Columns = time points (signal values at each time point).</a:t>
+            </a:r>
+          </a:p>
+          <a:p>
+            <a:r>
+              <a:rPr lang="en-US" b="1" dirty="0"/>
+              <a:t>raw.info['</a:t>
+            </a:r>
+            <a:r>
+              <a:rPr lang="en-US" b="1" dirty="0" err="1"/>
+              <a:t>sfreq</a:t>
+            </a:r>
+            <a:r>
+              <a:rPr lang="en-US" b="1" dirty="0"/>
+              <a:t>']</a:t>
+            </a:r>
+            <a:r>
+              <a:rPr lang="en-US" dirty="0"/>
+              <a:t>: Gets the sampling frequency of the EEG recording (how many data points per second).</a:t>
+            </a:r>
+          </a:p>
+          <a:p>
+            <a:pPr>
+              <a:buFont typeface="Arial" panose="020B0604020202020204" pitchFamily="34" charset="0"/>
+              <a:buChar char="•"/>
+            </a:pPr>
+            <a:r>
+              <a:rPr lang="en-US" dirty="0"/>
+              <a:t>For each channel in the EEG </a:t>
+            </a:r>
+            <a:r>
+              <a:rPr lang="en-US" dirty="0" err="1"/>
+              <a:t>data:</a:t>
+            </a:r>
+            <a:r>
+              <a:rPr lang="en-US" b="1" dirty="0" err="1"/>
+              <a:t>welch</a:t>
+            </a:r>
+            <a:r>
+              <a:rPr lang="en-US" b="1" dirty="0"/>
+              <a:t>()</a:t>
+            </a:r>
+            <a:r>
+              <a:rPr lang="en-US" dirty="0"/>
+              <a:t> computes the power spectral density (PSD):</a:t>
+            </a:r>
+          </a:p>
+          <a:p>
+            <a:pPr marL="742950" lvl="1" indent="-285750">
+              <a:buFont typeface="Arial" panose="020B0604020202020204" pitchFamily="34" charset="0"/>
+              <a:buChar char="•"/>
+            </a:pPr>
+            <a:r>
+              <a:rPr lang="en-US" dirty="0"/>
+              <a:t>f: Frequencies.</a:t>
+            </a:r>
+          </a:p>
+          <a:p>
+            <a:pPr marL="742950" lvl="1" indent="-285750">
+              <a:buFont typeface="Arial" panose="020B0604020202020204" pitchFamily="34" charset="0"/>
+              <a:buChar char="•"/>
+            </a:pPr>
+            <a:r>
+              <a:rPr lang="en-US" dirty="0" err="1"/>
+              <a:t>Pxx</a:t>
+            </a:r>
+            <a:r>
+              <a:rPr lang="en-US" dirty="0"/>
+              <a:t>: Power values at each frequency.</a:t>
+            </a:r>
+          </a:p>
+          <a:p>
+            <a:pPr>
+              <a:buFont typeface="Arial" panose="020B0604020202020204" pitchFamily="34" charset="0"/>
+              <a:buChar char="•"/>
+            </a:pPr>
+            <a:r>
+              <a:rPr lang="en-US" dirty="0"/>
+              <a:t>Save the frequencies (f) only once (the first time) in </a:t>
+            </a:r>
+            <a:r>
+              <a:rPr lang="en-US" dirty="0" err="1"/>
+              <a:t>all_freqs</a:t>
+            </a:r>
+            <a:r>
+              <a:rPr lang="en-US" dirty="0"/>
+              <a:t>.</a:t>
+            </a:r>
+          </a:p>
+          <a:p>
+            <a:pPr>
+              <a:buFont typeface="Arial" panose="020B0604020202020204" pitchFamily="34" charset="0"/>
+              <a:buChar char="•"/>
+            </a:pPr>
+            <a:r>
+              <a:rPr lang="en-US" dirty="0"/>
+              <a:t>Append the PSD values for the channel to the list </a:t>
+            </a:r>
+            <a:r>
+              <a:rPr lang="en-US" dirty="0" err="1"/>
+              <a:t>psds</a:t>
+            </a:r>
+            <a:r>
+              <a:rPr lang="en-US" dirty="0"/>
+              <a:t>.</a:t>
+            </a:r>
+          </a:p>
+          <a:p>
+            <a:endParaRPr lang="en-US" dirty="0"/>
+          </a:p>
+          <a:p>
+            <a:r>
+              <a:rPr lang="en-US" dirty="0"/>
+              <a:t>Convert the PSD list into a </a:t>
+            </a:r>
+            <a:r>
+              <a:rPr lang="en-US" b="1" dirty="0"/>
+              <a:t>NumPy array</a:t>
+            </a:r>
+            <a:r>
+              <a:rPr lang="en-US" dirty="0"/>
+              <a:t> for easier </a:t>
+            </a:r>
+            <a:r>
+              <a:rPr lang="en-US" dirty="0" err="1"/>
+              <a:t>manipulation.Add</a:t>
+            </a:r>
+            <a:r>
+              <a:rPr lang="en-US" dirty="0"/>
+              <a:t> the PSD values for the current file to </a:t>
+            </a:r>
+            <a:r>
+              <a:rPr lang="en-US" dirty="0" err="1"/>
+              <a:t>all_psd_data.Add</a:t>
+            </a:r>
+            <a:r>
+              <a:rPr lang="en-US" dirty="0"/>
+              <a:t> the channel names for this file to </a:t>
+            </a:r>
+            <a:r>
+              <a:rPr lang="en-US" dirty="0" err="1"/>
+              <a:t>all_channel_names</a:t>
+            </a:r>
+            <a:r>
+              <a:rPr lang="en-US" dirty="0"/>
+              <a:t>.</a:t>
+            </a:r>
+          </a:p>
+          <a:p>
+            <a:endParaRPr lang="en-US" dirty="0"/>
+          </a:p>
+          <a:p>
+            <a:pPr>
+              <a:buFont typeface="Arial" panose="020B0604020202020204" pitchFamily="34" charset="0"/>
+              <a:buChar char="•"/>
+            </a:pPr>
+            <a:r>
+              <a:rPr lang="en-US" dirty="0"/>
+              <a:t>Creates a </a:t>
+            </a:r>
+            <a:r>
+              <a:rPr lang="en-US" b="1" dirty="0"/>
+              <a:t>plot</a:t>
+            </a:r>
+            <a:r>
+              <a:rPr lang="en-US" dirty="0"/>
+              <a:t> to visualize the PSD for all channels in all </a:t>
+            </a:r>
+            <a:r>
+              <a:rPr lang="en-US" dirty="0" err="1"/>
+              <a:t>files.</a:t>
+            </a:r>
+            <a:r>
+              <a:rPr lang="en-US" b="1" dirty="0" err="1"/>
+              <a:t>Outer</a:t>
+            </a:r>
+            <a:r>
+              <a:rPr lang="en-US" b="1" dirty="0"/>
+              <a:t> loop</a:t>
+            </a:r>
+            <a:r>
+              <a:rPr lang="en-US" dirty="0"/>
+              <a:t>: Iterates over each file’s PSD </a:t>
+            </a:r>
+            <a:r>
+              <a:rPr lang="en-US" dirty="0" err="1"/>
+              <a:t>data.</a:t>
+            </a:r>
+            <a:r>
+              <a:rPr lang="en-US" b="1" dirty="0" err="1"/>
+              <a:t>Inner</a:t>
+            </a:r>
+            <a:r>
+              <a:rPr lang="en-US" b="1" dirty="0"/>
+              <a:t> loop</a:t>
+            </a:r>
+            <a:r>
+              <a:rPr lang="en-US" dirty="0"/>
+              <a:t>: Iterates over each channel within the </a:t>
+            </a:r>
+            <a:r>
+              <a:rPr lang="en-US" dirty="0" err="1"/>
+              <a:t>file.</a:t>
+            </a:r>
+            <a:r>
+              <a:rPr lang="en-US" b="1" dirty="0" err="1"/>
+              <a:t>plt.plot</a:t>
+            </a:r>
+            <a:r>
+              <a:rPr lang="en-US" b="1" dirty="0"/>
+              <a:t>()</a:t>
+            </a:r>
+            <a:r>
+              <a:rPr lang="en-US" dirty="0"/>
+              <a:t>: Plots the PSD curve for each </a:t>
+            </a:r>
+            <a:r>
+              <a:rPr lang="en-US" dirty="0" err="1"/>
+              <a:t>channel:</a:t>
+            </a:r>
+            <a:r>
+              <a:rPr lang="en-US" b="1" dirty="0" err="1"/>
+              <a:t>all_freqs</a:t>
+            </a:r>
+            <a:r>
+              <a:rPr lang="en-US" dirty="0"/>
+              <a:t>: X-axis (frequency values).</a:t>
+            </a:r>
+          </a:p>
+          <a:p>
+            <a:pPr>
+              <a:buFont typeface="Arial" panose="020B0604020202020204" pitchFamily="34" charset="0"/>
+              <a:buChar char="•"/>
+            </a:pPr>
+            <a:r>
+              <a:rPr lang="en-US" b="1" dirty="0" err="1"/>
+              <a:t>psds</a:t>
+            </a:r>
+            <a:r>
+              <a:rPr lang="en-US" b="1" dirty="0"/>
+              <a:t>[j]</a:t>
+            </a:r>
+            <a:r>
+              <a:rPr lang="en-US" dirty="0"/>
+              <a:t>: Y-axis (PSD values for the channel).</a:t>
+            </a:r>
+          </a:p>
+          <a:p>
+            <a:pPr>
+              <a:buFont typeface="Arial" panose="020B0604020202020204" pitchFamily="34" charset="0"/>
+              <a:buChar char="•"/>
+            </a:pPr>
+            <a:r>
+              <a:rPr lang="en-US" b="1" dirty="0"/>
+              <a:t>color=color</a:t>
+            </a:r>
+            <a:r>
+              <a:rPr lang="en-US" dirty="0"/>
+              <a:t>: Assigns a unique color to each file.</a:t>
+            </a:r>
+          </a:p>
+          <a:p>
+            <a:pPr>
+              <a:buFont typeface="Arial" panose="020B0604020202020204" pitchFamily="34" charset="0"/>
+              <a:buChar char="•"/>
+            </a:pPr>
+            <a:r>
+              <a:rPr lang="en-US" b="1" dirty="0"/>
+              <a:t>alpha=0.2</a:t>
+            </a:r>
+            <a:r>
+              <a:rPr lang="en-US" dirty="0"/>
+              <a:t>: Makes the lines semi-transparent for better visualization.</a:t>
+            </a:r>
+          </a:p>
+          <a:p>
+            <a:endParaRPr lang="en-US" dirty="0"/>
+          </a:p>
+          <a:p>
+            <a:endParaRPr lang="lt-LT" dirty="0"/>
+          </a:p>
+        </p:txBody>
+      </p:sp>
+      <p:sp>
+        <p:nvSpPr>
+          <p:cNvPr id="4" name="Skaidrės numerio vietos rezervavimo ženklas 3"/>
+          <p:cNvSpPr>
+            <a:spLocks noGrp="1"/>
+          </p:cNvSpPr>
+          <p:nvPr>
+            <p:ph type="sldNum" sz="quarter" idx="5"/>
+          </p:nvPr>
+        </p:nvSpPr>
+        <p:spPr/>
+        <p:txBody>
+          <a:bodyPr/>
+          <a:lstStyle/>
+          <a:p>
+            <a:fld id="{5FEA0802-A1D5-4414-8D4D-2FAB01A96018}" type="slidenum">
+              <a:rPr lang="lt-LT" smtClean="0"/>
+              <a:t>6</a:t>
             </a:fld>
             <a:endParaRPr lang="lt-LT"/>
           </a:p>
@@ -7274,9 +7763,9 @@
           <a:bodyPr/>
           <a:lstStyle/>
           <a:p>
-            <a:fld id="{51D0C824-EDF4-4001-AC16-01D2F2435E88}" type="datetimeFigureOut">
+            <a:fld id="{462AEDD3-43D5-4E4C-82E1-E41986F1973A}" type="datetime1">
               <a:rPr lang="lt-LT" smtClean="0"/>
-              <a:t>2024-12-18</a:t>
+              <a:t>2025-01-22</a:t>
             </a:fld>
             <a:endParaRPr lang="lt-LT"/>
           </a:p>
@@ -7472,9 +7961,9 @@
           <a:bodyPr/>
           <a:lstStyle/>
           <a:p>
-            <a:fld id="{51D0C824-EDF4-4001-AC16-01D2F2435E88}" type="datetimeFigureOut">
+            <a:fld id="{AF2873DD-BEBF-4F37-8694-8D3A94062AA9}" type="datetime1">
               <a:rPr lang="lt-LT" smtClean="0"/>
-              <a:t>2024-12-18</a:t>
+              <a:t>2025-01-22</a:t>
             </a:fld>
             <a:endParaRPr lang="lt-LT"/>
           </a:p>
@@ -7680,9 +8169,9 @@
           <a:bodyPr/>
           <a:lstStyle/>
           <a:p>
-            <a:fld id="{51D0C824-EDF4-4001-AC16-01D2F2435E88}" type="datetimeFigureOut">
+            <a:fld id="{81137542-FBDA-4A7F-8F79-7F8989738702}" type="datetime1">
               <a:rPr lang="lt-LT" smtClean="0"/>
-              <a:t>2024-12-18</a:t>
+              <a:t>2025-01-22</a:t>
             </a:fld>
             <a:endParaRPr lang="lt-LT"/>
           </a:p>
@@ -7878,9 +8367,9 @@
           <a:bodyPr/>
           <a:lstStyle/>
           <a:p>
-            <a:fld id="{51D0C824-EDF4-4001-AC16-01D2F2435E88}" type="datetimeFigureOut">
+            <a:fld id="{35B57727-E788-4D7E-9771-BAF39DC1443B}" type="datetime1">
               <a:rPr lang="lt-LT" smtClean="0"/>
-              <a:t>2024-12-18</a:t>
+              <a:t>2025-01-22</a:t>
             </a:fld>
             <a:endParaRPr lang="lt-LT"/>
           </a:p>
@@ -8153,9 +8642,9 @@
           <a:bodyPr/>
           <a:lstStyle/>
           <a:p>
-            <a:fld id="{51D0C824-EDF4-4001-AC16-01D2F2435E88}" type="datetimeFigureOut">
+            <a:fld id="{4F6C943C-18D6-425A-8697-A7D87D871804}" type="datetime1">
               <a:rPr lang="lt-LT" smtClean="0"/>
-              <a:t>2024-12-18</a:t>
+              <a:t>2025-01-22</a:t>
             </a:fld>
             <a:endParaRPr lang="lt-LT"/>
           </a:p>
@@ -8418,9 +8907,9 @@
           <a:bodyPr/>
           <a:lstStyle/>
           <a:p>
-            <a:fld id="{51D0C824-EDF4-4001-AC16-01D2F2435E88}" type="datetimeFigureOut">
+            <a:fld id="{A7B09C76-03DC-440D-A030-AF6D7EFA5573}" type="datetime1">
               <a:rPr lang="lt-LT" smtClean="0"/>
-              <a:t>2024-12-18</a:t>
+              <a:t>2025-01-22</a:t>
             </a:fld>
             <a:endParaRPr lang="lt-LT"/>
           </a:p>
@@ -8830,9 +9319,9 @@
           <a:bodyPr/>
           <a:lstStyle/>
           <a:p>
-            <a:fld id="{51D0C824-EDF4-4001-AC16-01D2F2435E88}" type="datetimeFigureOut">
+            <a:fld id="{6BB0A521-1412-4C8D-BF34-1198C9F254E3}" type="datetime1">
               <a:rPr lang="lt-LT" smtClean="0"/>
-              <a:t>2024-12-18</a:t>
+              <a:t>2025-01-22</a:t>
             </a:fld>
             <a:endParaRPr lang="lt-LT"/>
           </a:p>
@@ -8971,9 +9460,9 @@
           <a:bodyPr/>
           <a:lstStyle/>
           <a:p>
-            <a:fld id="{51D0C824-EDF4-4001-AC16-01D2F2435E88}" type="datetimeFigureOut">
+            <a:fld id="{06E3831E-9C59-4413-AABB-FA64DE970A43}" type="datetime1">
               <a:rPr lang="lt-LT" smtClean="0"/>
-              <a:t>2024-12-18</a:t>
+              <a:t>2025-01-22</a:t>
             </a:fld>
             <a:endParaRPr lang="lt-LT"/>
           </a:p>
@@ -9084,9 +9573,9 @@
           <a:bodyPr/>
           <a:lstStyle/>
           <a:p>
-            <a:fld id="{51D0C824-EDF4-4001-AC16-01D2F2435E88}" type="datetimeFigureOut">
+            <a:fld id="{464938C4-2A10-4A3A-B9AE-AF675ACB06A8}" type="datetime1">
               <a:rPr lang="lt-LT" smtClean="0"/>
-              <a:t>2024-12-18</a:t>
+              <a:t>2025-01-22</a:t>
             </a:fld>
             <a:endParaRPr lang="lt-LT"/>
           </a:p>
@@ -9395,9 +9884,9 @@
           <a:bodyPr/>
           <a:lstStyle/>
           <a:p>
-            <a:fld id="{51D0C824-EDF4-4001-AC16-01D2F2435E88}" type="datetimeFigureOut">
+            <a:fld id="{7CE2184D-FFDA-465C-8814-8F98808DB233}" type="datetime1">
               <a:rPr lang="lt-LT" smtClean="0"/>
-              <a:t>2024-12-18</a:t>
+              <a:t>2025-01-22</a:t>
             </a:fld>
             <a:endParaRPr lang="lt-LT"/>
           </a:p>
@@ -9683,9 +10172,9 @@
           <a:bodyPr/>
           <a:lstStyle/>
           <a:p>
-            <a:fld id="{51D0C824-EDF4-4001-AC16-01D2F2435E88}" type="datetimeFigureOut">
+            <a:fld id="{B2939144-ED5D-4354-98DB-4204D4697BA3}" type="datetime1">
               <a:rPr lang="lt-LT" smtClean="0"/>
-              <a:t>2024-12-18</a:t>
+              <a:t>2025-01-22</a:t>
             </a:fld>
             <a:endParaRPr lang="lt-LT"/>
           </a:p>
@@ -9924,9 +10413,9 @@
             </a:lvl1pPr>
           </a:lstStyle>
           <a:p>
-            <a:fld id="{51D0C824-EDF4-4001-AC16-01D2F2435E88}" type="datetimeFigureOut">
+            <a:fld id="{4B6002A6-1210-4B4D-A781-ED389DBE777A}" type="datetime1">
               <a:rPr lang="lt-LT" smtClean="0"/>
-              <a:t>2024-12-18</a:t>
+              <a:t>2025-01-22</a:t>
             </a:fld>
             <a:endParaRPr lang="lt-LT"/>
           </a:p>
@@ -10043,6 +10532,7 @@
     <p:sldLayoutId id="2147483658" r:id="rId10"/>
     <p:sldLayoutId id="2147483659" r:id="rId11"/>
   </p:sldLayoutIdLst>
+  <p:hf hdr="0" ftr="0" dt="0"/>
   <p:txStyles>
     <p:titleStyle>
       <a:lvl1pPr algn="l" defTabSz="914400" rtl="0" eaLnBrk="1" latinLnBrk="0" hangingPunct="1">
@@ -10430,7 +10920,7 @@
                 <a:ea typeface="ADLaM Display" panose="020F0502020204030204" pitchFamily="2" charset="0"/>
                 <a:cs typeface="ADLaM Display" panose="020F0502020204030204" pitchFamily="2" charset="0"/>
               </a:rPr>
-              <a:t>Resting state EEG alpha waves extraction and calculations of 1/slope using FOOOF library</a:t>
+              <a:t>Resting state EEG alpha waves power extraction and calculations of 1/slope using FOOOF library</a:t>
             </a:r>
             <a:endParaRPr lang="lt-LT" sz="6300" dirty="0">
               <a:ln w="22225">
@@ -10477,10 +10967,10 @@
           <a:p>
             <a:pPr algn="l"/>
             <a:r>
-              <a:rPr lang="en-US" sz="3200"/>
-              <a:t>Presented by Donata Bagdonavičiūtė</a:t>
-            </a:r>
-            <a:endParaRPr lang="lt-LT" sz="3200"/>
+              <a:rPr lang="en-US" sz="3200" dirty="0"/>
+              <a:t>Prepared by Donata Bagdonavičiūtė</a:t>
+            </a:r>
+            <a:endParaRPr lang="lt-LT" sz="3200" dirty="0"/>
           </a:p>
         </p:txBody>
       </p:sp>
@@ -10498,6 +10988,135 @@
 </file>
 
 <file path=ppt/slides/slide2.xml><?xml version="1.0" encoding="utf-8"?>
+<p:sld xmlns:a="http://schemas.openxmlformats.org/drawingml/2006/main" xmlns:r="http://schemas.openxmlformats.org/officeDocument/2006/relationships" xmlns:p="http://schemas.openxmlformats.org/presentationml/2006/main">
+  <p:cSld>
+    <p:spTree>
+      <p:nvGrpSpPr>
+        <p:cNvPr id="1" name="">
+          <a:extLst>
+            <a:ext uri="{FF2B5EF4-FFF2-40B4-BE49-F238E27FC236}">
+              <a16:creationId xmlns:a16="http://schemas.microsoft.com/office/drawing/2014/main" id="{A81E3FBA-59F6-DA64-1341-EBF4EE231055}"/>
+            </a:ext>
+          </a:extLst>
+        </p:cNvPr>
+        <p:cNvGrpSpPr/>
+        <p:nvPr/>
+      </p:nvGrpSpPr>
+      <p:grpSpPr>
+        <a:xfrm>
+          <a:off x="0" y="0"/>
+          <a:ext cx="0" cy="0"/>
+          <a:chOff x="0" y="0"/>
+          <a:chExt cx="0" cy="0"/>
+        </a:xfrm>
+      </p:grpSpPr>
+      <p:sp>
+        <p:nvSpPr>
+          <p:cNvPr id="2" name="Pavadinimas 1">
+            <a:extLst>
+              <a:ext uri="{FF2B5EF4-FFF2-40B4-BE49-F238E27FC236}">
+                <a16:creationId xmlns:a16="http://schemas.microsoft.com/office/drawing/2014/main" id="{74950E12-F22D-46CA-6A1D-7197B74559A7}"/>
+              </a:ext>
+            </a:extLst>
+          </p:cNvPr>
+          <p:cNvSpPr>
+            <a:spLocks noGrp="1"/>
+          </p:cNvSpPr>
+          <p:nvPr>
+            <p:ph type="title"/>
+          </p:nvPr>
+        </p:nvSpPr>
+        <p:spPr/>
+        <p:txBody>
+          <a:bodyPr/>
+          <a:lstStyle/>
+          <a:p>
+            <a:r>
+              <a:rPr lang="en-US" dirty="0">
+                <a:latin typeface="Abadi" panose="020B0604020104020204" pitchFamily="34" charset="0"/>
+              </a:rPr>
+              <a:t>Main steps</a:t>
+            </a:r>
+            <a:endParaRPr lang="lt-LT" dirty="0">
+              <a:latin typeface="Abadi" panose="020B0604020104020204" pitchFamily="34" charset="0"/>
+            </a:endParaRPr>
+          </a:p>
+        </p:txBody>
+      </p:sp>
+      <p:graphicFrame>
+        <p:nvGraphicFramePr>
+          <p:cNvPr id="5" name="Turinio vietos rezervavimo ženklas 2">
+            <a:extLst>
+              <a:ext uri="{FF2B5EF4-FFF2-40B4-BE49-F238E27FC236}">
+                <a16:creationId xmlns:a16="http://schemas.microsoft.com/office/drawing/2014/main" id="{701C8CE8-0387-5AFA-B876-41F559796836}"/>
+              </a:ext>
+            </a:extLst>
+          </p:cNvPr>
+          <p:cNvGraphicFramePr>
+            <a:graphicFrameLocks noGrp="1"/>
+          </p:cNvGraphicFramePr>
+          <p:nvPr>
+            <p:ph idx="1"/>
+            <p:extLst>
+              <p:ext uri="{D42A27DB-BD31-4B8C-83A1-F6EECF244321}">
+                <p14:modId xmlns:p14="http://schemas.microsoft.com/office/powerpoint/2010/main" val="3722129488"/>
+              </p:ext>
+            </p:extLst>
+          </p:nvPr>
+        </p:nvGraphicFramePr>
+        <p:xfrm>
+          <a:off x="838200" y="1825625"/>
+          <a:ext cx="10515600" cy="4351338"/>
+        </p:xfrm>
+        <a:graphic>
+          <a:graphicData uri="http://schemas.openxmlformats.org/drawingml/2006/diagram">
+            <dgm:relIds xmlns:dgm="http://schemas.openxmlformats.org/drawingml/2006/diagram" xmlns:r="http://schemas.openxmlformats.org/officeDocument/2006/relationships" r:dm="rId3" r:lo="rId4" r:qs="rId5" r:cs="rId6"/>
+          </a:graphicData>
+        </a:graphic>
+      </p:graphicFrame>
+      <p:sp>
+        <p:nvSpPr>
+          <p:cNvPr id="4" name="Skaidrės numerio vietos rezervavimo ženklas 3">
+            <a:extLst>
+              <a:ext uri="{FF2B5EF4-FFF2-40B4-BE49-F238E27FC236}">
+                <a16:creationId xmlns:a16="http://schemas.microsoft.com/office/drawing/2014/main" id="{8C69C037-6C73-E584-3356-FE0E4C7D0028}"/>
+              </a:ext>
+            </a:extLst>
+          </p:cNvPr>
+          <p:cNvSpPr>
+            <a:spLocks noGrp="1"/>
+          </p:cNvSpPr>
+          <p:nvPr>
+            <p:ph type="sldNum" sz="quarter" idx="12"/>
+          </p:nvPr>
+        </p:nvSpPr>
+        <p:spPr/>
+        <p:txBody>
+          <a:bodyPr/>
+          <a:lstStyle/>
+          <a:p>
+            <a:fld id="{A41D36CD-BFA7-4CCA-9D29-AA3D415EC4BD}" type="slidenum">
+              <a:rPr lang="lt-LT" smtClean="0"/>
+              <a:t>2</a:t>
+            </a:fld>
+            <a:endParaRPr lang="lt-LT"/>
+          </a:p>
+        </p:txBody>
+      </p:sp>
+    </p:spTree>
+    <p:extLst>
+      <p:ext uri="{BB962C8B-B14F-4D97-AF65-F5344CB8AC3E}">
+        <p14:creationId xmlns:p14="http://schemas.microsoft.com/office/powerpoint/2010/main" val="2578982545"/>
+      </p:ext>
+    </p:extLst>
+  </p:cSld>
+  <p:clrMapOvr>
+    <a:masterClrMapping/>
+  </p:clrMapOvr>
+</p:sld>
+</file>
+
+<file path=ppt/slides/slide3.xml><?xml version="1.0" encoding="utf-8"?>
 <p:sld xmlns:a="http://schemas.openxmlformats.org/drawingml/2006/main" xmlns:r="http://schemas.openxmlformats.org/officeDocument/2006/relationships" xmlns:p="http://schemas.openxmlformats.org/presentationml/2006/main">
   <p:cSld>
     <p:spTree>
@@ -10539,7 +11158,7 @@
               <a:rPr lang="en-US" dirty="0">
                 <a:latin typeface="Abadi" panose="020B0604020104020204" pitchFamily="34" charset="0"/>
               </a:rPr>
-              <a:t>A little bit about data</a:t>
+              <a:t>What kind of libraries was used?</a:t>
             </a:r>
             <a:endParaRPr lang="lt-LT" dirty="0">
               <a:latin typeface="Abadi" panose="020B0604020104020204" pitchFamily="34" charset="0"/>
@@ -10563,7 +11182,7 @@
             <p:ph idx="1"/>
             <p:extLst>
               <p:ext uri="{D42A27DB-BD31-4B8C-83A1-F6EECF244321}">
-                <p14:modId xmlns:p14="http://schemas.microsoft.com/office/powerpoint/2010/main" val="3713038427"/>
+                <p14:modId xmlns:p14="http://schemas.microsoft.com/office/powerpoint/2010/main" val="2084499002"/>
               </p:ext>
             </p:extLst>
           </p:nvPr>
@@ -10578,6 +11197,117 @@
           </a:graphicData>
         </a:graphic>
       </p:graphicFrame>
+      <p:sp>
+        <p:nvSpPr>
+          <p:cNvPr id="3" name="TextBox 2">
+            <a:extLst>
+              <a:ext uri="{FF2B5EF4-FFF2-40B4-BE49-F238E27FC236}">
+                <a16:creationId xmlns:a16="http://schemas.microsoft.com/office/drawing/2014/main" id="{28337E99-BBF2-092C-71F3-9E2EA2DCB60A}"/>
+              </a:ext>
+            </a:extLst>
+          </p:cNvPr>
+          <p:cNvSpPr txBox="1"/>
+          <p:nvPr/>
+        </p:nvSpPr>
+        <p:spPr>
+          <a:xfrm>
+            <a:off x="3960125" y="2661314"/>
+            <a:ext cx="4981433" cy="3108543"/>
+          </a:xfrm>
+          <a:prstGeom prst="rect">
+            <a:avLst/>
+          </a:prstGeom>
+          <a:noFill/>
+        </p:spPr>
+        <p:txBody>
+          <a:bodyPr wrap="square" rtlCol="0">
+            <a:spAutoFit/>
+          </a:bodyPr>
+          <a:lstStyle/>
+          <a:p>
+            <a:pPr algn="ctr"/>
+            <a:r>
+              <a:rPr lang="en-US" sz="2800" dirty="0"/>
+              <a:t>pandas</a:t>
+            </a:r>
+          </a:p>
+          <a:p>
+            <a:pPr algn="ctr"/>
+            <a:r>
+              <a:rPr lang="en-US" sz="2800" dirty="0" err="1"/>
+              <a:t>numpy</a:t>
+            </a:r>
+            <a:endParaRPr lang="en-US" sz="2800" dirty="0"/>
+          </a:p>
+          <a:p>
+            <a:pPr algn="ctr"/>
+            <a:r>
+              <a:rPr lang="en-US" sz="2800" dirty="0" err="1"/>
+              <a:t>scipy</a:t>
+            </a:r>
+            <a:endParaRPr lang="en-US" sz="2800" dirty="0"/>
+          </a:p>
+          <a:p>
+            <a:pPr algn="ctr"/>
+            <a:r>
+              <a:rPr lang="en-US" sz="2800" dirty="0" err="1"/>
+              <a:t>fooof</a:t>
+            </a:r>
+            <a:endParaRPr lang="en-US" sz="2800" dirty="0"/>
+          </a:p>
+          <a:p>
+            <a:pPr algn="ctr"/>
+            <a:r>
+              <a:rPr lang="en-US" sz="2800" dirty="0"/>
+              <a:t>matplotlib</a:t>
+            </a:r>
+          </a:p>
+          <a:p>
+            <a:pPr algn="ctr"/>
+            <a:r>
+              <a:rPr lang="en-US" sz="2800" dirty="0"/>
+              <a:t>seaborn</a:t>
+            </a:r>
+          </a:p>
+          <a:p>
+            <a:pPr algn="ctr"/>
+            <a:r>
+              <a:rPr lang="en-US" sz="2800" dirty="0" err="1"/>
+              <a:t>mne</a:t>
+            </a:r>
+            <a:endParaRPr lang="en-US" sz="2800" dirty="0"/>
+          </a:p>
+        </p:txBody>
+      </p:sp>
+      <p:sp>
+        <p:nvSpPr>
+          <p:cNvPr id="4" name="Skaidrės numerio vietos rezervavimo ženklas 3">
+            <a:extLst>
+              <a:ext uri="{FF2B5EF4-FFF2-40B4-BE49-F238E27FC236}">
+                <a16:creationId xmlns:a16="http://schemas.microsoft.com/office/drawing/2014/main" id="{9535CCE6-210D-3F3B-599D-BC08F1D46243}"/>
+              </a:ext>
+            </a:extLst>
+          </p:cNvPr>
+          <p:cNvSpPr>
+            <a:spLocks noGrp="1"/>
+          </p:cNvSpPr>
+          <p:nvPr>
+            <p:ph type="sldNum" sz="quarter" idx="12"/>
+          </p:nvPr>
+        </p:nvSpPr>
+        <p:spPr/>
+        <p:txBody>
+          <a:bodyPr/>
+          <a:lstStyle/>
+          <a:p>
+            <a:fld id="{A41D36CD-BFA7-4CCA-9D29-AA3D415EC4BD}" type="slidenum">
+              <a:rPr lang="lt-LT" smtClean="0"/>
+              <a:t>3</a:t>
+            </a:fld>
+            <a:endParaRPr lang="lt-LT"/>
+          </a:p>
+        </p:txBody>
+      </p:sp>
     </p:spTree>
     <p:extLst>
       <p:ext uri="{BB962C8B-B14F-4D97-AF65-F5344CB8AC3E}">
@@ -10591,7 +11321,7 @@
 </p:sld>
 </file>
 
-<file path=ppt/slides/slide3.xml><?xml version="1.0" encoding="utf-8"?>
+<file path=ppt/slides/slide4.xml><?xml version="1.0" encoding="utf-8"?>
 <p:sld xmlns:a="http://schemas.openxmlformats.org/drawingml/2006/main" xmlns:r="http://schemas.openxmlformats.org/officeDocument/2006/relationships" xmlns:p="http://schemas.openxmlformats.org/presentationml/2006/main">
   <p:cSld>
     <p:spTree>
@@ -10631,7 +11361,7 @@
           <a:p>
             <a:r>
               <a:rPr lang="en-US" dirty="0"/>
-              <a:t>Demographics data </a:t>
+              <a:t>Handling participants information </a:t>
             </a:r>
             <a:endParaRPr lang="lt-LT" dirty="0"/>
           </a:p>
@@ -10639,10 +11369,10 @@
       </p:sp>
       <p:pic>
         <p:nvPicPr>
-          <p:cNvPr id="5" name="Turinio vietos rezervavimo ženklas 4">
+          <p:cNvPr id="7" name="Turinio vietos rezervavimo ženklas 6">
             <a:extLst>
               <a:ext uri="{FF2B5EF4-FFF2-40B4-BE49-F238E27FC236}">
-                <a16:creationId xmlns:a16="http://schemas.microsoft.com/office/drawing/2014/main" id="{31E09460-4D56-CB69-E0C3-18A860E724BE}"/>
+                <a16:creationId xmlns:a16="http://schemas.microsoft.com/office/drawing/2014/main" id="{333AA628-ABB0-8681-0B73-F178904AB6DE}"/>
               </a:ext>
             </a:extLst>
           </p:cNvPr>
@@ -10661,11 +11391,70 @@
         </p:blipFill>
         <p:spPr>
           <a:xfrm>
-            <a:off x="2333302" y="1690688"/>
-            <a:ext cx="7525395" cy="3956948"/>
+            <a:off x="477174" y="1429840"/>
+            <a:ext cx="5618826" cy="5156672"/>
           </a:xfrm>
         </p:spPr>
       </p:pic>
+      <p:pic>
+        <p:nvPicPr>
+          <p:cNvPr id="9" name="Paveikslėlis 8">
+            <a:extLst>
+              <a:ext uri="{FF2B5EF4-FFF2-40B4-BE49-F238E27FC236}">
+                <a16:creationId xmlns:a16="http://schemas.microsoft.com/office/drawing/2014/main" id="{3AFE5CD0-93BF-A52B-99AF-8044A2822956}"/>
+              </a:ext>
+            </a:extLst>
+          </p:cNvPr>
+          <p:cNvPicPr>
+            <a:picLocks noChangeAspect="1"/>
+          </p:cNvPicPr>
+          <p:nvPr/>
+        </p:nvPicPr>
+        <p:blipFill>
+          <a:blip r:embed="rId4"/>
+          <a:stretch>
+            <a:fillRect/>
+          </a:stretch>
+        </p:blipFill>
+        <p:spPr>
+          <a:xfrm>
+            <a:off x="6333574" y="2316327"/>
+            <a:ext cx="5667925" cy="1325563"/>
+          </a:xfrm>
+          <a:prstGeom prst="rect">
+            <a:avLst/>
+          </a:prstGeom>
+        </p:spPr>
+      </p:pic>
+      <p:sp>
+        <p:nvSpPr>
+          <p:cNvPr id="10" name="Skaidrės numerio vietos rezervavimo ženklas 9">
+            <a:extLst>
+              <a:ext uri="{FF2B5EF4-FFF2-40B4-BE49-F238E27FC236}">
+                <a16:creationId xmlns:a16="http://schemas.microsoft.com/office/drawing/2014/main" id="{21CE7D71-E3C8-5B63-D720-3293DBB91AD0}"/>
+              </a:ext>
+            </a:extLst>
+          </p:cNvPr>
+          <p:cNvSpPr>
+            <a:spLocks noGrp="1"/>
+          </p:cNvSpPr>
+          <p:nvPr>
+            <p:ph type="sldNum" sz="quarter" idx="12"/>
+          </p:nvPr>
+        </p:nvSpPr>
+        <p:spPr/>
+        <p:txBody>
+          <a:bodyPr/>
+          <a:lstStyle/>
+          <a:p>
+            <a:fld id="{A41D36CD-BFA7-4CCA-9D29-AA3D415EC4BD}" type="slidenum">
+              <a:rPr lang="lt-LT" smtClean="0"/>
+              <a:t>4</a:t>
+            </a:fld>
+            <a:endParaRPr lang="lt-LT"/>
+          </a:p>
+        </p:txBody>
+      </p:sp>
     </p:spTree>
     <p:extLst>
       <p:ext uri="{BB962C8B-B14F-4D97-AF65-F5344CB8AC3E}">
@@ -10679,7 +11468,7 @@
 </p:sld>
 </file>
 
-<file path=ppt/slides/slide4.xml><?xml version="1.0" encoding="utf-8"?>
+<file path=ppt/slides/slide5.xml><?xml version="1.0" encoding="utf-8"?>
 <p:sld xmlns:a="http://schemas.openxmlformats.org/drawingml/2006/main" xmlns:r="http://schemas.openxmlformats.org/officeDocument/2006/relationships" xmlns:p="http://schemas.openxmlformats.org/presentationml/2006/main">
   <p:cSld>
     <p:spTree>
@@ -10712,16 +11501,23 @@
             <p:ph type="title"/>
           </p:nvPr>
         </p:nvSpPr>
-        <p:spPr/>
+        <p:spPr>
+          <a:xfrm>
+            <a:off x="838200" y="365125"/>
+            <a:ext cx="10515600" cy="1056241"/>
+          </a:xfrm>
+        </p:spPr>
         <p:txBody>
-          <a:bodyPr/>
+          <a:bodyPr>
+            <a:normAutofit fontScale="90000"/>
+          </a:bodyPr>
           <a:lstStyle/>
           <a:p>
             <a:r>
               <a:rPr lang="en-US" dirty="0">
                 <a:latin typeface="Abadi" panose="020B0604020104020204" pitchFamily="34" charset="0"/>
               </a:rPr>
-              <a:t>Alpha power extraction from .mat file</a:t>
+              <a:t>Alpha power extraction from .set files and comparison between two participants</a:t>
             </a:r>
             <a:endParaRPr lang="lt-LT" dirty="0">
               <a:latin typeface="Abadi" panose="020B0604020104020204" pitchFamily="34" charset="0"/>
@@ -10731,10 +11527,10 @@
       </p:sp>
       <p:pic>
         <p:nvPicPr>
-          <p:cNvPr id="5" name="Turinio vietos rezervavimo ženklas 4">
+          <p:cNvPr id="8" name="Turinio vietos rezervavimo ženklas 7">
             <a:extLst>
               <a:ext uri="{FF2B5EF4-FFF2-40B4-BE49-F238E27FC236}">
-                <a16:creationId xmlns:a16="http://schemas.microsoft.com/office/drawing/2014/main" id="{65594A6B-CF13-2C6B-037F-A1FAC36B8005}"/>
+                <a16:creationId xmlns:a16="http://schemas.microsoft.com/office/drawing/2014/main" id="{8B777A1D-F217-93DD-B62E-99EE63B64AF8}"/>
               </a:ext>
             </a:extLst>
           </p:cNvPr>
@@ -10753,17 +11549,17 @@
         </p:blipFill>
         <p:spPr>
           <a:xfrm>
-            <a:off x="262213" y="2058460"/>
-            <a:ext cx="6964541" cy="4585807"/>
+            <a:off x="539214" y="1525374"/>
+            <a:ext cx="5083664" cy="5124118"/>
           </a:xfrm>
         </p:spPr>
       </p:pic>
       <p:pic>
         <p:nvPicPr>
-          <p:cNvPr id="7" name="Paveikslėlis 6">
+          <p:cNvPr id="11" name="Paveikslėlis 10">
             <a:extLst>
               <a:ext uri="{FF2B5EF4-FFF2-40B4-BE49-F238E27FC236}">
-                <a16:creationId xmlns:a16="http://schemas.microsoft.com/office/drawing/2014/main" id="{1F42FA04-0136-3DE1-5605-18369FA9959D}"/>
+                <a16:creationId xmlns:a16="http://schemas.microsoft.com/office/drawing/2014/main" id="{D9743BC7-0FE8-F055-F738-327B6BC89D1F}"/>
               </a:ext>
             </a:extLst>
           </p:cNvPr>
@@ -10780,8 +11576,8 @@
         </p:blipFill>
         <p:spPr>
           <a:xfrm>
-            <a:off x="7529237" y="1531963"/>
-            <a:ext cx="4400550" cy="2819400"/>
+            <a:off x="5752422" y="1524711"/>
+            <a:ext cx="6323216" cy="3808578"/>
           </a:xfrm>
           <a:prstGeom prst="rect">
             <a:avLst/>
@@ -10790,10 +11586,10 @@
       </p:pic>
       <p:pic>
         <p:nvPicPr>
-          <p:cNvPr id="9" name="Paveikslėlis 8">
+          <p:cNvPr id="13" name="Paveikslėlis 12">
             <a:extLst>
               <a:ext uri="{FF2B5EF4-FFF2-40B4-BE49-F238E27FC236}">
-                <a16:creationId xmlns:a16="http://schemas.microsoft.com/office/drawing/2014/main" id="{B2B12FB0-5044-77FC-4E2A-306E13B449AD}"/>
+                <a16:creationId xmlns:a16="http://schemas.microsoft.com/office/drawing/2014/main" id="{69881F07-990B-AD64-E4A2-2FAA0D8BE085}"/>
               </a:ext>
             </a:extLst>
           </p:cNvPr>
@@ -10810,14 +11606,43 @@
         </p:blipFill>
         <p:spPr>
           <a:xfrm>
-            <a:off x="345274" y="1433513"/>
-            <a:ext cx="4533900" cy="514350"/>
+            <a:off x="1842409" y="2591842"/>
+            <a:ext cx="7820025" cy="4057650"/>
           </a:xfrm>
           <a:prstGeom prst="rect">
             <a:avLst/>
           </a:prstGeom>
         </p:spPr>
       </p:pic>
+      <p:sp>
+        <p:nvSpPr>
+          <p:cNvPr id="14" name="Skaidrės numerio vietos rezervavimo ženklas 13">
+            <a:extLst>
+              <a:ext uri="{FF2B5EF4-FFF2-40B4-BE49-F238E27FC236}">
+                <a16:creationId xmlns:a16="http://schemas.microsoft.com/office/drawing/2014/main" id="{A2A30E48-5254-DF4C-AB36-455C51640B42}"/>
+              </a:ext>
+            </a:extLst>
+          </p:cNvPr>
+          <p:cNvSpPr>
+            <a:spLocks noGrp="1"/>
+          </p:cNvSpPr>
+          <p:nvPr>
+            <p:ph type="sldNum" sz="quarter" idx="12"/>
+          </p:nvPr>
+        </p:nvSpPr>
+        <p:spPr/>
+        <p:txBody>
+          <a:bodyPr/>
+          <a:lstStyle/>
+          <a:p>
+            <a:fld id="{A41D36CD-BFA7-4CCA-9D29-AA3D415EC4BD}" type="slidenum">
+              <a:rPr lang="lt-LT" smtClean="0"/>
+              <a:t>5</a:t>
+            </a:fld>
+            <a:endParaRPr lang="lt-LT"/>
+          </a:p>
+        </p:txBody>
+      </p:sp>
     </p:spTree>
     <p:extLst>
       <p:ext uri="{BB962C8B-B14F-4D97-AF65-F5344CB8AC3E}">
@@ -10828,10 +11653,85 @@
   <p:clrMapOvr>
     <a:masterClrMapping/>
   </p:clrMapOvr>
+  <p:timing>
+    <p:tnLst>
+      <p:par>
+        <p:cTn id="1" dur="indefinite" restart="never" nodeType="tmRoot">
+          <p:childTnLst>
+            <p:seq concurrent="1" nextAc="seek">
+              <p:cTn id="2" dur="indefinite" nodeType="mainSeq">
+                <p:childTnLst>
+                  <p:par>
+                    <p:cTn id="3" fill="hold">
+                      <p:stCondLst>
+                        <p:cond delay="indefinite"/>
+                      </p:stCondLst>
+                      <p:childTnLst>
+                        <p:par>
+                          <p:cTn id="4" fill="hold">
+                            <p:stCondLst>
+                              <p:cond delay="0"/>
+                            </p:stCondLst>
+                            <p:childTnLst>
+                              <p:par>
+                                <p:cTn id="5" presetID="1" presetClass="entr" presetSubtype="0" fill="hold" nodeType="clickEffect">
+                                  <p:stCondLst>
+                                    <p:cond delay="0"/>
+                                  </p:stCondLst>
+                                  <p:childTnLst>
+                                    <p:set>
+                                      <p:cBhvr>
+                                        <p:cTn id="6" dur="1" fill="hold">
+                                          <p:stCondLst>
+                                            <p:cond delay="0"/>
+                                          </p:stCondLst>
+                                        </p:cTn>
+                                        <p:tgtEl>
+                                          <p:spTgt spid="13"/>
+                                        </p:tgtEl>
+                                        <p:attrNameLst>
+                                          <p:attrName>style.visibility</p:attrName>
+                                        </p:attrNameLst>
+                                      </p:cBhvr>
+                                      <p:to>
+                                        <p:strVal val="visible"/>
+                                      </p:to>
+                                    </p:set>
+                                  </p:childTnLst>
+                                </p:cTn>
+                              </p:par>
+                            </p:childTnLst>
+                          </p:cTn>
+                        </p:par>
+                      </p:childTnLst>
+                    </p:cTn>
+                  </p:par>
+                </p:childTnLst>
+              </p:cTn>
+              <p:prevCondLst>
+                <p:cond evt="onPrev" delay="0">
+                  <p:tgtEl>
+                    <p:sldTgt/>
+                  </p:tgtEl>
+                </p:cond>
+              </p:prevCondLst>
+              <p:nextCondLst>
+                <p:cond evt="onNext" delay="0">
+                  <p:tgtEl>
+                    <p:sldTgt/>
+                  </p:tgtEl>
+                </p:cond>
+              </p:nextCondLst>
+            </p:seq>
+          </p:childTnLst>
+        </p:cTn>
+      </p:par>
+    </p:tnLst>
+  </p:timing>
 </p:sld>
 </file>
 
-<file path=ppt/slides/slide5.xml><?xml version="1.0" encoding="utf-8"?>
+<file path=ppt/slides/slide6.xml><?xml version="1.0" encoding="utf-8"?>
 <p:sld xmlns:a="http://schemas.openxmlformats.org/drawingml/2006/main" xmlns:r="http://schemas.openxmlformats.org/officeDocument/2006/relationships" xmlns:p="http://schemas.openxmlformats.org/presentationml/2006/main">
   <p:cSld>
     <p:spTree>
@@ -10878,7 +11778,7 @@
               <a:rPr lang="en-US" dirty="0">
                 <a:latin typeface="Abadi" panose="020B0604020104020204" pitchFamily="34" charset="0"/>
               </a:rPr>
-              <a:t>Results in graphs and excel file</a:t>
+              <a:t>PSD extraction</a:t>
             </a:r>
             <a:endParaRPr lang="lt-LT" dirty="0">
               <a:latin typeface="Abadi" panose="020B0604020104020204" pitchFamily="34" charset="0"/>
@@ -10888,10 +11788,10 @@
       </p:sp>
       <p:pic>
         <p:nvPicPr>
-          <p:cNvPr id="5" name="Turinio vietos rezervavimo ženklas 4">
+          <p:cNvPr id="8" name="Turinio vietos rezervavimo ženklas 7">
             <a:extLst>
               <a:ext uri="{FF2B5EF4-FFF2-40B4-BE49-F238E27FC236}">
-                <a16:creationId xmlns:a16="http://schemas.microsoft.com/office/drawing/2014/main" id="{7567DF9F-F386-5334-9561-6AB59BFC7B0A}"/>
+                <a16:creationId xmlns:a16="http://schemas.microsoft.com/office/drawing/2014/main" id="{FD581098-E59E-72E4-B668-CE6FA1E36E21}"/>
               </a:ext>
             </a:extLst>
           </p:cNvPr>
@@ -10910,17 +11810,17 @@
         </p:blipFill>
         <p:spPr>
           <a:xfrm>
-            <a:off x="495186" y="996042"/>
-            <a:ext cx="5988171" cy="5774872"/>
+            <a:off x="278594" y="1047703"/>
+            <a:ext cx="5704710" cy="5639700"/>
           </a:xfrm>
         </p:spPr>
       </p:pic>
       <p:pic>
         <p:nvPicPr>
-          <p:cNvPr id="7" name="Paveikslėlis 6">
+          <p:cNvPr id="10" name="Paveikslėlis 9">
             <a:extLst>
               <a:ext uri="{FF2B5EF4-FFF2-40B4-BE49-F238E27FC236}">
-                <a16:creationId xmlns:a16="http://schemas.microsoft.com/office/drawing/2014/main" id="{3F01FC47-89F4-E7D0-51C4-264B13EA6120}"/>
+                <a16:creationId xmlns:a16="http://schemas.microsoft.com/office/drawing/2014/main" id="{CD18F990-DA22-F000-D070-79C73D4F95B2}"/>
               </a:ext>
             </a:extLst>
           </p:cNvPr>
@@ -10937,14 +11837,43 @@
         </p:blipFill>
         <p:spPr>
           <a:xfrm>
-            <a:off x="5340804" y="4888366"/>
-            <a:ext cx="6496050" cy="1457325"/>
+            <a:off x="4695374" y="1047703"/>
+            <a:ext cx="7218031" cy="5593029"/>
           </a:xfrm>
           <a:prstGeom prst="rect">
             <a:avLst/>
           </a:prstGeom>
         </p:spPr>
       </p:pic>
+      <p:sp>
+        <p:nvSpPr>
+          <p:cNvPr id="11" name="Skaidrės numerio vietos rezervavimo ženklas 10">
+            <a:extLst>
+              <a:ext uri="{FF2B5EF4-FFF2-40B4-BE49-F238E27FC236}">
+                <a16:creationId xmlns:a16="http://schemas.microsoft.com/office/drawing/2014/main" id="{53B840D6-4E66-5CA3-46A0-70C784B634C1}"/>
+              </a:ext>
+            </a:extLst>
+          </p:cNvPr>
+          <p:cNvSpPr>
+            <a:spLocks noGrp="1"/>
+          </p:cNvSpPr>
+          <p:nvPr>
+            <p:ph type="sldNum" sz="quarter" idx="12"/>
+          </p:nvPr>
+        </p:nvSpPr>
+        <p:spPr/>
+        <p:txBody>
+          <a:bodyPr/>
+          <a:lstStyle/>
+          <a:p>
+            <a:fld id="{A41D36CD-BFA7-4CCA-9D29-AA3D415EC4BD}" type="slidenum">
+              <a:rPr lang="lt-LT" smtClean="0"/>
+              <a:t>6</a:t>
+            </a:fld>
+            <a:endParaRPr lang="lt-LT"/>
+          </a:p>
+        </p:txBody>
+      </p:sp>
     </p:spTree>
     <p:extLst>
       <p:ext uri="{BB962C8B-B14F-4D97-AF65-F5344CB8AC3E}">
@@ -10958,7 +11887,7 @@
 </p:sld>
 </file>
 
-<file path=ppt/slides/slide6.xml><?xml version="1.0" encoding="utf-8"?>
+<file path=ppt/slides/slide7.xml><?xml version="1.0" encoding="utf-8"?>
 <p:sld xmlns:a="http://schemas.openxmlformats.org/drawingml/2006/main" xmlns:r="http://schemas.openxmlformats.org/officeDocument/2006/relationships" xmlns:p="http://schemas.openxmlformats.org/presentationml/2006/main">
   <p:cSld>
     <p:spTree>
@@ -10977,10 +11906,10 @@
       </p:grpSpPr>
       <p:pic>
         <p:nvPicPr>
-          <p:cNvPr id="5" name="Paveikslėlis 4" descr="Paveikslėlis, kuriame yra tekstas, ekrano kopija, Šriftas, rašas&#10;&#10;Automatiškai sugeneruotas aprašymas">
+          <p:cNvPr id="3" name="Paveikslėlis 2">
             <a:extLst>
               <a:ext uri="{FF2B5EF4-FFF2-40B4-BE49-F238E27FC236}">
-                <a16:creationId xmlns:a16="http://schemas.microsoft.com/office/drawing/2014/main" id="{15BBC5C2-90DC-CE12-0A0C-33530DBC8D83}"/>
+                <a16:creationId xmlns:a16="http://schemas.microsoft.com/office/drawing/2014/main" id="{18DDCC2C-1DF5-61C9-4189-8D56D82DB16A}"/>
               </a:ext>
             </a:extLst>
           </p:cNvPr>
@@ -10990,33 +11919,67 @@
           <p:nvPr/>
         </p:nvPicPr>
         <p:blipFill>
-          <a:blip r:embed="rId2">
-            <a:extLst>
-              <a:ext uri="{28A0092B-C50C-407E-A947-70E740481C1C}">
-                <a14:useLocalDpi xmlns:a14="http://schemas.microsoft.com/office/drawing/2010/main" val="0"/>
-              </a:ext>
-            </a:extLst>
-          </a:blip>
+          <a:blip r:embed="rId2"/>
           <a:stretch>
             <a:fillRect/>
           </a:stretch>
         </p:blipFill>
         <p:spPr>
           <a:xfrm>
-            <a:off x="315676" y="478972"/>
-            <a:ext cx="6105616" cy="3663370"/>
+            <a:off x="80834" y="977293"/>
+            <a:ext cx="4832360" cy="5843592"/>
           </a:xfrm>
           <a:prstGeom prst="rect">
             <a:avLst/>
           </a:prstGeom>
         </p:spPr>
       </p:pic>
+      <p:sp>
+        <p:nvSpPr>
+          <p:cNvPr id="4" name="TextBox 3">
+            <a:extLst>
+              <a:ext uri="{FF2B5EF4-FFF2-40B4-BE49-F238E27FC236}">
+                <a16:creationId xmlns:a16="http://schemas.microsoft.com/office/drawing/2014/main" id="{E2001A90-74A6-7EF6-6324-70E834DC3585}"/>
+              </a:ext>
+            </a:extLst>
+          </p:cNvPr>
+          <p:cNvSpPr txBox="1"/>
+          <p:nvPr/>
+        </p:nvSpPr>
+        <p:spPr>
+          <a:xfrm>
+            <a:off x="786026" y="150281"/>
+            <a:ext cx="7001302" cy="584775"/>
+          </a:xfrm>
+          <a:prstGeom prst="rect">
+            <a:avLst/>
+          </a:prstGeom>
+          <a:noFill/>
+        </p:spPr>
+        <p:txBody>
+          <a:bodyPr wrap="square" rtlCol="0">
+            <a:spAutoFit/>
+          </a:bodyPr>
+          <a:lstStyle/>
+          <a:p>
+            <a:r>
+              <a:rPr lang="en-US" sz="3200" dirty="0">
+                <a:latin typeface="Abadi" panose="020B0604020104020204" pitchFamily="34" charset="0"/>
+              </a:rPr>
+              <a:t>1/f slope calculation in every channel</a:t>
+            </a:r>
+            <a:endParaRPr lang="lt-LT" sz="3200" dirty="0">
+              <a:latin typeface="Abadi" panose="020B0604020104020204" pitchFamily="34" charset="0"/>
+            </a:endParaRPr>
+          </a:p>
+        </p:txBody>
+      </p:sp>
       <p:pic>
         <p:nvPicPr>
-          <p:cNvPr id="9" name="Paveikslėlis 8" descr="Paveikslėlis, kuriame yra tekstas, diagrama, ekrano kopija, Grafikas&#10;&#10;Automatiškai sugeneruotas aprašymas">
+          <p:cNvPr id="7" name="Paveikslėlis 6">
             <a:extLst>
               <a:ext uri="{FF2B5EF4-FFF2-40B4-BE49-F238E27FC236}">
-                <a16:creationId xmlns:a16="http://schemas.microsoft.com/office/drawing/2014/main" id="{F114CA99-7BC2-0335-7031-C36E73389252}"/>
+                <a16:creationId xmlns:a16="http://schemas.microsoft.com/office/drawing/2014/main" id="{8C44EE6A-5856-37FE-6E0C-DDEE6DAD0C94}"/>
               </a:ext>
             </a:extLst>
           </p:cNvPr>
@@ -11026,27 +11989,80 @@
           <p:nvPr/>
         </p:nvPicPr>
         <p:blipFill>
-          <a:blip r:embed="rId3">
-            <a:extLst>
-              <a:ext uri="{28A0092B-C50C-407E-A947-70E740481C1C}">
-                <a14:useLocalDpi xmlns:a14="http://schemas.microsoft.com/office/drawing/2010/main" val="0"/>
-              </a:ext>
-            </a:extLst>
-          </a:blip>
+          <a:blip r:embed="rId3"/>
           <a:stretch>
             <a:fillRect/>
           </a:stretch>
         </p:blipFill>
         <p:spPr>
           <a:xfrm>
-            <a:off x="6335485" y="2310657"/>
-            <a:ext cx="5704122" cy="4278091"/>
+            <a:off x="5167953" y="977293"/>
+            <a:ext cx="6459940" cy="4434248"/>
           </a:xfrm>
           <a:prstGeom prst="rect">
             <a:avLst/>
           </a:prstGeom>
         </p:spPr>
       </p:pic>
+      <p:pic>
+        <p:nvPicPr>
+          <p:cNvPr id="10" name="Paveikslėlis 9">
+            <a:extLst>
+              <a:ext uri="{FF2B5EF4-FFF2-40B4-BE49-F238E27FC236}">
+                <a16:creationId xmlns:a16="http://schemas.microsoft.com/office/drawing/2014/main" id="{3AA32DA8-3F19-01AE-405A-76D04BB05989}"/>
+              </a:ext>
+            </a:extLst>
+          </p:cNvPr>
+          <p:cNvPicPr>
+            <a:picLocks noChangeAspect="1"/>
+          </p:cNvPicPr>
+          <p:nvPr/>
+        </p:nvPicPr>
+        <p:blipFill>
+          <a:blip r:embed="rId4"/>
+          <a:stretch>
+            <a:fillRect/>
+          </a:stretch>
+        </p:blipFill>
+        <p:spPr>
+          <a:xfrm>
+            <a:off x="5167953" y="5459944"/>
+            <a:ext cx="5238750" cy="1247775"/>
+          </a:xfrm>
+          <a:prstGeom prst="rect">
+            <a:avLst/>
+          </a:prstGeom>
+        </p:spPr>
+      </p:pic>
+      <p:sp>
+        <p:nvSpPr>
+          <p:cNvPr id="11" name="Skaidrės numerio vietos rezervavimo ženklas 10">
+            <a:extLst>
+              <a:ext uri="{FF2B5EF4-FFF2-40B4-BE49-F238E27FC236}">
+                <a16:creationId xmlns:a16="http://schemas.microsoft.com/office/drawing/2014/main" id="{609A0F2E-B09C-8D84-DD0E-7A261D00584D}"/>
+              </a:ext>
+            </a:extLst>
+          </p:cNvPr>
+          <p:cNvSpPr>
+            <a:spLocks noGrp="1"/>
+          </p:cNvSpPr>
+          <p:nvPr>
+            <p:ph type="sldNum" sz="quarter" idx="12"/>
+          </p:nvPr>
+        </p:nvSpPr>
+        <p:spPr/>
+        <p:txBody>
+          <a:bodyPr/>
+          <a:lstStyle/>
+          <a:p>
+            <a:fld id="{A41D36CD-BFA7-4CCA-9D29-AA3D415EC4BD}" type="slidenum">
+              <a:rPr lang="lt-LT" smtClean="0"/>
+              <a:t>7</a:t>
+            </a:fld>
+            <a:endParaRPr lang="lt-LT"/>
+          </a:p>
+        </p:txBody>
+      </p:sp>
     </p:spTree>
     <p:extLst>
       <p:ext uri="{BB962C8B-B14F-4D97-AF65-F5344CB8AC3E}">
@@ -11060,7 +12076,7 @@
 </p:sld>
 </file>
 
-<file path=ppt/slides/slide7.xml><?xml version="1.0" encoding="utf-8"?>
+<file path=ppt/slides/slide8.xml><?xml version="1.0" encoding="utf-8"?>
 <p:sld xmlns:a="http://schemas.openxmlformats.org/drawingml/2006/main" xmlns:r="http://schemas.openxmlformats.org/officeDocument/2006/relationships" xmlns:p="http://schemas.openxmlformats.org/presentationml/2006/main">
   <p:cSld>
     <p:spTree>
@@ -11102,7 +12118,7 @@
               <a:rPr lang="en-US" dirty="0">
                 <a:latin typeface="Abadi" panose="020B0604020104020204" pitchFamily="34" charset="0"/>
               </a:rPr>
-              <a:t>The next steps</a:t>
+              <a:t>Results</a:t>
             </a:r>
             <a:endParaRPr lang="lt-LT" dirty="0">
               <a:latin typeface="Abadi" panose="020B0604020104020204" pitchFamily="34" charset="0"/>
@@ -11110,41 +12126,344 @@
           </a:p>
         </p:txBody>
       </p:sp>
-      <p:graphicFrame>
-        <p:nvGraphicFramePr>
-          <p:cNvPr id="5" name="Turinio vietos rezervavimo ženklas 2">
+      <p:pic>
+        <p:nvPicPr>
+          <p:cNvPr id="7" name="Turinio vietos rezervavimo ženklas 6" descr="Paveikslėlis, kuriame yra ekrano kopija, tekstas, Grafikas, diagrama&#10;&#10;Automatiškai sugeneruotas aprašymas">
             <a:extLst>
               <a:ext uri="{FF2B5EF4-FFF2-40B4-BE49-F238E27FC236}">
-                <a16:creationId xmlns:a16="http://schemas.microsoft.com/office/drawing/2014/main" id="{D02D3CFC-4991-471A-D421-F1EA7AFCA33C}"/>
+                <a16:creationId xmlns:a16="http://schemas.microsoft.com/office/drawing/2014/main" id="{4B6AC15D-30C5-F679-9785-49C9713DC8F3}"/>
               </a:ext>
             </a:extLst>
           </p:cNvPr>
-          <p:cNvGraphicFramePr>
-            <a:graphicFrameLocks noGrp="1"/>
-          </p:cNvGraphicFramePr>
+          <p:cNvPicPr>
+            <a:picLocks noGrp="1" noChangeAspect="1"/>
+          </p:cNvPicPr>
           <p:nvPr>
             <p:ph idx="1"/>
-            <p:extLst>
-              <p:ext uri="{D42A27DB-BD31-4B8C-83A1-F6EECF244321}">
-                <p14:modId xmlns:p14="http://schemas.microsoft.com/office/powerpoint/2010/main" val="856603304"/>
-              </p:ext>
-            </p:extLst>
           </p:nvPr>
-        </p:nvGraphicFramePr>
-        <p:xfrm>
-          <a:off x="838200" y="1825625"/>
-          <a:ext cx="10515600" cy="4351338"/>
-        </p:xfrm>
-        <a:graphic>
-          <a:graphicData uri="http://schemas.openxmlformats.org/drawingml/2006/diagram">
-            <dgm:relIds xmlns:dgm="http://schemas.openxmlformats.org/drawingml/2006/diagram" xmlns:r="http://schemas.openxmlformats.org/officeDocument/2006/relationships" r:dm="rId2" r:lo="rId3" r:qs="rId4" r:cs="rId5"/>
-          </a:graphicData>
-        </a:graphic>
-      </p:graphicFrame>
+        </p:nvPicPr>
+        <p:blipFill>
+          <a:blip r:embed="rId2">
+            <a:extLst>
+              <a:ext uri="{28A0092B-C50C-407E-A947-70E740481C1C}">
+                <a14:useLocalDpi xmlns:a14="http://schemas.microsoft.com/office/drawing/2010/main" val="0"/>
+              </a:ext>
+            </a:extLst>
+          </a:blip>
+          <a:stretch>
+            <a:fillRect/>
+          </a:stretch>
+        </p:blipFill>
+        <p:spPr>
+          <a:xfrm>
+            <a:off x="3489324" y="119655"/>
+            <a:ext cx="8702676" cy="4351338"/>
+          </a:xfrm>
+        </p:spPr>
+      </p:pic>
+      <p:pic>
+        <p:nvPicPr>
+          <p:cNvPr id="9" name="Paveikslėlis 8" descr="Paveikslėlis, kuriame yra ekrano kopija, tekstas, Grafikas, diagrama&#10;&#10;Automatiškai sugeneruotas aprašymas">
+            <a:extLst>
+              <a:ext uri="{FF2B5EF4-FFF2-40B4-BE49-F238E27FC236}">
+                <a16:creationId xmlns:a16="http://schemas.microsoft.com/office/drawing/2014/main" id="{6C099DFC-22AF-A9E2-EA39-FB7BE0A0D4C4}"/>
+              </a:ext>
+            </a:extLst>
+          </p:cNvPr>
+          <p:cNvPicPr>
+            <a:picLocks noChangeAspect="1"/>
+          </p:cNvPicPr>
+          <p:nvPr/>
+        </p:nvPicPr>
+        <p:blipFill>
+          <a:blip r:embed="rId3">
+            <a:extLst>
+              <a:ext uri="{28A0092B-C50C-407E-A947-70E740481C1C}">
+                <a14:useLocalDpi xmlns:a14="http://schemas.microsoft.com/office/drawing/2010/main" val="0"/>
+              </a:ext>
+            </a:extLst>
+          </a:blip>
+          <a:stretch>
+            <a:fillRect/>
+          </a:stretch>
+        </p:blipFill>
+        <p:spPr>
+          <a:xfrm>
+            <a:off x="343481" y="2842167"/>
+            <a:ext cx="7497181" cy="3748591"/>
+          </a:xfrm>
+          <a:prstGeom prst="rect">
+            <a:avLst/>
+          </a:prstGeom>
+        </p:spPr>
+      </p:pic>
+      <p:sp>
+        <p:nvSpPr>
+          <p:cNvPr id="10" name="Skaidrės numerio vietos rezervavimo ženklas 9">
+            <a:extLst>
+              <a:ext uri="{FF2B5EF4-FFF2-40B4-BE49-F238E27FC236}">
+                <a16:creationId xmlns:a16="http://schemas.microsoft.com/office/drawing/2014/main" id="{09F77C8A-4A20-2308-B52A-F3E37CB2F05D}"/>
+              </a:ext>
+            </a:extLst>
+          </p:cNvPr>
+          <p:cNvSpPr>
+            <a:spLocks noGrp="1"/>
+          </p:cNvSpPr>
+          <p:nvPr>
+            <p:ph type="sldNum" sz="quarter" idx="12"/>
+          </p:nvPr>
+        </p:nvSpPr>
+        <p:spPr/>
+        <p:txBody>
+          <a:bodyPr/>
+          <a:lstStyle/>
+          <a:p>
+            <a:fld id="{A41D36CD-BFA7-4CCA-9D29-AA3D415EC4BD}" type="slidenum">
+              <a:rPr lang="lt-LT" smtClean="0"/>
+              <a:t>8</a:t>
+            </a:fld>
+            <a:endParaRPr lang="lt-LT"/>
+          </a:p>
+        </p:txBody>
+      </p:sp>
     </p:spTree>
     <p:extLst>
       <p:ext uri="{BB962C8B-B14F-4D97-AF65-F5344CB8AC3E}">
         <p14:creationId xmlns:p14="http://schemas.microsoft.com/office/powerpoint/2010/main" val="4047915372"/>
+      </p:ext>
+    </p:extLst>
+  </p:cSld>
+  <p:clrMapOvr>
+    <a:masterClrMapping/>
+  </p:clrMapOvr>
+  <p:timing>
+    <p:tnLst>
+      <p:par>
+        <p:cTn id="1" dur="indefinite" restart="never" nodeType="tmRoot">
+          <p:childTnLst>
+            <p:seq concurrent="1" nextAc="seek">
+              <p:cTn id="2" dur="indefinite" nodeType="mainSeq">
+                <p:childTnLst>
+                  <p:par>
+                    <p:cTn id="3" fill="hold">
+                      <p:stCondLst>
+                        <p:cond delay="indefinite"/>
+                      </p:stCondLst>
+                      <p:childTnLst>
+                        <p:par>
+                          <p:cTn id="4" fill="hold">
+                            <p:stCondLst>
+                              <p:cond delay="0"/>
+                            </p:stCondLst>
+                            <p:childTnLst>
+                              <p:par>
+                                <p:cTn id="5" presetID="1" presetClass="entr" presetSubtype="0" fill="hold" nodeType="clickEffect">
+                                  <p:stCondLst>
+                                    <p:cond delay="0"/>
+                                  </p:stCondLst>
+                                  <p:childTnLst>
+                                    <p:set>
+                                      <p:cBhvr>
+                                        <p:cTn id="6" dur="1" fill="hold">
+                                          <p:stCondLst>
+                                            <p:cond delay="0"/>
+                                          </p:stCondLst>
+                                        </p:cTn>
+                                        <p:tgtEl>
+                                          <p:spTgt spid="9"/>
+                                        </p:tgtEl>
+                                        <p:attrNameLst>
+                                          <p:attrName>style.visibility</p:attrName>
+                                        </p:attrNameLst>
+                                      </p:cBhvr>
+                                      <p:to>
+                                        <p:strVal val="visible"/>
+                                      </p:to>
+                                    </p:set>
+                                  </p:childTnLst>
+                                </p:cTn>
+                              </p:par>
+                            </p:childTnLst>
+                          </p:cTn>
+                        </p:par>
+                      </p:childTnLst>
+                    </p:cTn>
+                  </p:par>
+                </p:childTnLst>
+              </p:cTn>
+              <p:prevCondLst>
+                <p:cond evt="onPrev" delay="0">
+                  <p:tgtEl>
+                    <p:sldTgt/>
+                  </p:tgtEl>
+                </p:cond>
+              </p:prevCondLst>
+              <p:nextCondLst>
+                <p:cond evt="onNext" delay="0">
+                  <p:tgtEl>
+                    <p:sldTgt/>
+                  </p:tgtEl>
+                </p:cond>
+              </p:nextCondLst>
+            </p:seq>
+          </p:childTnLst>
+        </p:cTn>
+      </p:par>
+    </p:tnLst>
+  </p:timing>
+</p:sld>
+</file>
+
+<file path=ppt/slides/slide9.xml><?xml version="1.0" encoding="utf-8"?>
+<p:sld xmlns:a="http://schemas.openxmlformats.org/drawingml/2006/main" xmlns:r="http://schemas.openxmlformats.org/officeDocument/2006/relationships" xmlns:p="http://schemas.openxmlformats.org/presentationml/2006/main">
+  <p:cSld>
+    <p:spTree>
+      <p:nvGrpSpPr>
+        <p:cNvPr id="1" name=""/>
+        <p:cNvGrpSpPr/>
+        <p:nvPr/>
+      </p:nvGrpSpPr>
+      <p:grpSpPr>
+        <a:xfrm>
+          <a:off x="0" y="0"/>
+          <a:ext cx="0" cy="0"/>
+          <a:chOff x="0" y="0"/>
+          <a:chExt cx="0" cy="0"/>
+        </a:xfrm>
+      </p:grpSpPr>
+      <p:sp>
+        <p:nvSpPr>
+          <p:cNvPr id="2" name="Pavadinimas 1">
+            <a:extLst>
+              <a:ext uri="{FF2B5EF4-FFF2-40B4-BE49-F238E27FC236}">
+                <a16:creationId xmlns:a16="http://schemas.microsoft.com/office/drawing/2014/main" id="{85BF5A31-1D48-428F-33D7-835967BDBF1F}"/>
+              </a:ext>
+            </a:extLst>
+          </p:cNvPr>
+          <p:cNvSpPr>
+            <a:spLocks noGrp="1"/>
+          </p:cNvSpPr>
+          <p:nvPr>
+            <p:ph type="title"/>
+          </p:nvPr>
+        </p:nvSpPr>
+        <p:spPr/>
+        <p:txBody>
+          <a:bodyPr/>
+          <a:lstStyle/>
+          <a:p>
+            <a:r>
+              <a:rPr lang="en-US" dirty="0"/>
+              <a:t>Results</a:t>
+            </a:r>
+            <a:endParaRPr lang="lt-LT" dirty="0"/>
+          </a:p>
+        </p:txBody>
+      </p:sp>
+      <p:pic>
+        <p:nvPicPr>
+          <p:cNvPr id="5" name="Turinio vietos rezervavimo ženklas 4" descr="Paveikslėlis, kuriame yra tekstas, ekrano kopija, monitorius, Grafikas&#10;&#10;Automatiškai sugeneruotas aprašymas">
+            <a:extLst>
+              <a:ext uri="{FF2B5EF4-FFF2-40B4-BE49-F238E27FC236}">
+                <a16:creationId xmlns:a16="http://schemas.microsoft.com/office/drawing/2014/main" id="{66391B27-0240-628C-B0EF-A4185F992C24}"/>
+              </a:ext>
+            </a:extLst>
+          </p:cNvPr>
+          <p:cNvPicPr>
+            <a:picLocks noGrp="1" noChangeAspect="1"/>
+          </p:cNvPicPr>
+          <p:nvPr>
+            <p:ph idx="1"/>
+          </p:nvPr>
+        </p:nvPicPr>
+        <p:blipFill>
+          <a:blip r:embed="rId2">
+            <a:extLst>
+              <a:ext uri="{28A0092B-C50C-407E-A947-70E740481C1C}">
+                <a14:useLocalDpi xmlns:a14="http://schemas.microsoft.com/office/drawing/2010/main" val="0"/>
+              </a:ext>
+            </a:extLst>
+          </a:blip>
+          <a:stretch>
+            <a:fillRect/>
+          </a:stretch>
+        </p:blipFill>
+        <p:spPr>
+          <a:xfrm>
+            <a:off x="5590483" y="480233"/>
+            <a:ext cx="6407899" cy="4271933"/>
+          </a:xfrm>
+        </p:spPr>
+      </p:pic>
+      <p:pic>
+        <p:nvPicPr>
+          <p:cNvPr id="7" name="Paveikslėlis 6" descr="Paveikslėlis, kuriame yra tekstas, Grafikas, diagrama, linija&#10;&#10;Automatiškai sugeneruotas aprašymas">
+            <a:extLst>
+              <a:ext uri="{FF2B5EF4-FFF2-40B4-BE49-F238E27FC236}">
+                <a16:creationId xmlns:a16="http://schemas.microsoft.com/office/drawing/2014/main" id="{3DADFC67-8A3C-7912-2796-DC36EED81E29}"/>
+              </a:ext>
+            </a:extLst>
+          </p:cNvPr>
+          <p:cNvPicPr>
+            <a:picLocks noChangeAspect="1"/>
+          </p:cNvPicPr>
+          <p:nvPr/>
+        </p:nvPicPr>
+        <p:blipFill>
+          <a:blip r:embed="rId3">
+            <a:extLst>
+              <a:ext uri="{28A0092B-C50C-407E-A947-70E740481C1C}">
+                <a14:useLocalDpi xmlns:a14="http://schemas.microsoft.com/office/drawing/2010/main" val="0"/>
+              </a:ext>
+            </a:extLst>
+          </a:blip>
+          <a:stretch>
+            <a:fillRect/>
+          </a:stretch>
+        </p:blipFill>
+        <p:spPr>
+          <a:xfrm>
+            <a:off x="193618" y="1988402"/>
+            <a:ext cx="5659995" cy="3934726"/>
+          </a:xfrm>
+          <a:prstGeom prst="rect">
+            <a:avLst/>
+          </a:prstGeom>
+        </p:spPr>
+      </p:pic>
+      <p:sp>
+        <p:nvSpPr>
+          <p:cNvPr id="8" name="Skaidrės numerio vietos rezervavimo ženklas 7">
+            <a:extLst>
+              <a:ext uri="{FF2B5EF4-FFF2-40B4-BE49-F238E27FC236}">
+                <a16:creationId xmlns:a16="http://schemas.microsoft.com/office/drawing/2014/main" id="{5973D14D-D9EA-415F-7399-E9A317F68B7A}"/>
+              </a:ext>
+            </a:extLst>
+          </p:cNvPr>
+          <p:cNvSpPr>
+            <a:spLocks noGrp="1"/>
+          </p:cNvSpPr>
+          <p:nvPr>
+            <p:ph type="sldNum" sz="quarter" idx="12"/>
+          </p:nvPr>
+        </p:nvSpPr>
+        <p:spPr/>
+        <p:txBody>
+          <a:bodyPr/>
+          <a:lstStyle/>
+          <a:p>
+            <a:fld id="{A41D36CD-BFA7-4CCA-9D29-AA3D415EC4BD}" type="slidenum">
+              <a:rPr lang="lt-LT" smtClean="0"/>
+              <a:t>9</a:t>
+            </a:fld>
+            <a:endParaRPr lang="lt-LT"/>
+          </a:p>
+        </p:txBody>
+      </p:sp>
+    </p:spTree>
+    <p:extLst>
+      <p:ext uri="{BB962C8B-B14F-4D97-AF65-F5344CB8AC3E}">
+        <p14:creationId xmlns:p14="http://schemas.microsoft.com/office/powerpoint/2010/main" val="3965054768"/>
       </p:ext>
     </p:extLst>
   </p:cSld>
